--- a/P5_RR_Soutenance.pptx
+++ b/P5_RR_Soutenance.pptx
@@ -5,10 +5,10 @@
     <p:sldMasterId id="2147483648" r:id="rId1"/>
   </p:sldMasterIdLst>
   <p:notesMasterIdLst>
-    <p:notesMasterId r:id="rId13"/>
+    <p:notesMasterId r:id="rId11"/>
   </p:notesMasterIdLst>
   <p:handoutMasterIdLst>
-    <p:handoutMasterId r:id="rId14"/>
+    <p:handoutMasterId r:id="rId12"/>
   </p:handoutMasterIdLst>
   <p:sldIdLst>
     <p:sldId id="256" r:id="rId2"/>
@@ -16,12 +16,10 @@
     <p:sldId id="294" r:id="rId4"/>
     <p:sldId id="295" r:id="rId5"/>
     <p:sldId id="309" r:id="rId6"/>
-    <p:sldId id="301" r:id="rId7"/>
-    <p:sldId id="302" r:id="rId8"/>
-    <p:sldId id="305" r:id="rId9"/>
-    <p:sldId id="298" r:id="rId10"/>
-    <p:sldId id="300" r:id="rId11"/>
-    <p:sldId id="285" r:id="rId12"/>
+    <p:sldId id="302" r:id="rId7"/>
+    <p:sldId id="305" r:id="rId8"/>
+    <p:sldId id="298" r:id="rId9"/>
+    <p:sldId id="285" r:id="rId10"/>
   </p:sldIdLst>
   <p:sldSz cx="12192000" cy="6858000"/>
   <p:notesSz cx="6858000" cy="9144000"/>
@@ -167,7 +165,7 @@
   <pc:docChgLst>
     <pc:chgData name="Romain Roguet" userId="7f6897c862d2ccb3" providerId="LiveId" clId="{6883C3EC-231E-4FBE-8B08-30B41BDB045B}"/>
     <pc:docChg chg="undo redo custSel addSld delSld modSld sldOrd">
-      <pc:chgData name="Romain Roguet" userId="7f6897c862d2ccb3" providerId="LiveId" clId="{6883C3EC-231E-4FBE-8B08-30B41BDB045B}" dt="2022-06-20T09:10:41.552" v="4715" actId="47"/>
+      <pc:chgData name="Romain Roguet" userId="7f6897c862d2ccb3" providerId="LiveId" clId="{6883C3EC-231E-4FBE-8B08-30B41BDB045B}" dt="2022-06-23T08:12:30.343" v="4716" actId="47"/>
       <pc:docMkLst>
         <pc:docMk/>
       </pc:docMkLst>
@@ -625,8 +623,8 @@
           </ac:cxnSpMkLst>
         </pc:cxnChg>
       </pc:sldChg>
-      <pc:sldChg chg="modSp add mod ord">
-        <pc:chgData name="Romain Roguet" userId="7f6897c862d2ccb3" providerId="LiveId" clId="{6883C3EC-231E-4FBE-8B08-30B41BDB045B}" dt="2022-06-10T14:11:42.093" v="1023" actId="20577"/>
+      <pc:sldChg chg="modSp add del mod ord">
+        <pc:chgData name="Romain Roguet" userId="7f6897c862d2ccb3" providerId="LiveId" clId="{6883C3EC-231E-4FBE-8B08-30B41BDB045B}" dt="2022-06-23T08:12:30.343" v="4716" actId="47"/>
         <pc:sldMkLst>
           <pc:docMk/>
           <pc:sldMk cId="2807420265" sldId="300"/>
@@ -1119,7 +1117,7 @@
             <a:pPr rtl="0"/>
             <a:fld id="{D6FB0DE1-D418-4EA9-BDFD-2E5632763663}" type="datetime1">
               <a:rPr lang="fr-FR" smtClean="0"/>
-              <a:t>20/06/2022</a:t>
+              <a:t>29/06/2022</a:t>
             </a:fld>
             <a:endParaRPr lang="en-US"/>
           </a:p>
@@ -1301,7 +1299,7 @@
             <a:pPr rtl="0"/>
             <a:fld id="{190BD304-4DB2-4DA8-BE69-274C9984CC7A}" type="datetime1">
               <a:rPr lang="fr-FR" smtClean="0"/>
-              <a:t>20/06/2022</a:t>
+              <a:t>29/06/2022</a:t>
             </a:fld>
             <a:endParaRPr lang="en-US" dirty="0"/>
           </a:p>
@@ -1658,178 +1656,6 @@
 </p:notes>
 </file>
 
-<file path=ppt/notesSlides/notesSlide10.xml><?xml version="1.0" encoding="utf-8"?>
-<p:notes xmlns:a="http://schemas.openxmlformats.org/drawingml/2006/main" xmlns:r="http://schemas.openxmlformats.org/officeDocument/2006/relationships" xmlns:p="http://schemas.openxmlformats.org/presentationml/2006/main">
-  <p:cSld>
-    <p:spTree>
-      <p:nvGrpSpPr>
-        <p:cNvPr id="1" name=""/>
-        <p:cNvGrpSpPr/>
-        <p:nvPr/>
-      </p:nvGrpSpPr>
-      <p:grpSpPr>
-        <a:xfrm>
-          <a:off x="0" y="0"/>
-          <a:ext cx="0" cy="0"/>
-          <a:chOff x="0" y="0"/>
-          <a:chExt cx="0" cy="0"/>
-        </a:xfrm>
-      </p:grpSpPr>
-      <p:sp>
-        <p:nvSpPr>
-          <p:cNvPr id="2" name="Espace réservé de l’image des diapositives 1"/>
-          <p:cNvSpPr>
-            <a:spLocks noGrp="1" noRot="1" noChangeAspect="1"/>
-          </p:cNvSpPr>
-          <p:nvPr>
-            <p:ph type="sldImg"/>
-          </p:nvPr>
-        </p:nvSpPr>
-        <p:spPr/>
-      </p:sp>
-      <p:sp>
-        <p:nvSpPr>
-          <p:cNvPr id="3" name="Espace réservé des commentaires 2"/>
-          <p:cNvSpPr>
-            <a:spLocks noGrp="1"/>
-          </p:cNvSpPr>
-          <p:nvPr>
-            <p:ph type="body" idx="1"/>
-          </p:nvPr>
-        </p:nvSpPr>
-        <p:spPr/>
-        <p:txBody>
-          <a:bodyPr rtlCol="0"/>
-          <a:lstStyle/>
-          <a:p>
-            <a:pPr rtl="0"/>
-            <a:endParaRPr lang="fr-FR" dirty="0"/>
-          </a:p>
-        </p:txBody>
-      </p:sp>
-      <p:sp>
-        <p:nvSpPr>
-          <p:cNvPr id="4" name="Espace réservé du numéro de diapositive 3"/>
-          <p:cNvSpPr>
-            <a:spLocks noGrp="1"/>
-          </p:cNvSpPr>
-          <p:nvPr>
-            <p:ph type="sldNum" sz="quarter" idx="5"/>
-          </p:nvPr>
-        </p:nvSpPr>
-        <p:spPr/>
-        <p:txBody>
-          <a:bodyPr rtlCol="0"/>
-          <a:lstStyle/>
-          <a:p>
-            <a:pPr rtl="0"/>
-            <a:fld id="{BE60DC36-8EFA-4378-9855-E019C55AC472}" type="slidenum">
-              <a:rPr lang="fr-FR" smtClean="0"/>
-              <a:t>10</a:t>
-            </a:fld>
-            <a:endParaRPr lang="fr-FR" dirty="0"/>
-          </a:p>
-        </p:txBody>
-      </p:sp>
-    </p:spTree>
-    <p:extLst>
-      <p:ext uri="{BB962C8B-B14F-4D97-AF65-F5344CB8AC3E}">
-        <p14:creationId xmlns:p14="http://schemas.microsoft.com/office/powerpoint/2010/main" val="2290322765"/>
-      </p:ext>
-    </p:extLst>
-  </p:cSld>
-  <p:clrMapOvr>
-    <a:masterClrMapping/>
-  </p:clrMapOvr>
-</p:notes>
-</file>
-
-<file path=ppt/notesSlides/notesSlide11.xml><?xml version="1.0" encoding="utf-8"?>
-<p:notes xmlns:a="http://schemas.openxmlformats.org/drawingml/2006/main" xmlns:r="http://schemas.openxmlformats.org/officeDocument/2006/relationships" xmlns:p="http://schemas.openxmlformats.org/presentationml/2006/main">
-  <p:cSld>
-    <p:spTree>
-      <p:nvGrpSpPr>
-        <p:cNvPr id="1" name=""/>
-        <p:cNvGrpSpPr/>
-        <p:nvPr/>
-      </p:nvGrpSpPr>
-      <p:grpSpPr>
-        <a:xfrm>
-          <a:off x="0" y="0"/>
-          <a:ext cx="0" cy="0"/>
-          <a:chOff x="0" y="0"/>
-          <a:chExt cx="0" cy="0"/>
-        </a:xfrm>
-      </p:grpSpPr>
-      <p:sp>
-        <p:nvSpPr>
-          <p:cNvPr id="2" name="Espace réservé de l’image des diapositives 1"/>
-          <p:cNvSpPr>
-            <a:spLocks noGrp="1" noRot="1" noChangeAspect="1"/>
-          </p:cNvSpPr>
-          <p:nvPr>
-            <p:ph type="sldImg"/>
-          </p:nvPr>
-        </p:nvSpPr>
-        <p:spPr/>
-      </p:sp>
-      <p:sp>
-        <p:nvSpPr>
-          <p:cNvPr id="3" name="Espace réservé des commentaires 2"/>
-          <p:cNvSpPr>
-            <a:spLocks noGrp="1"/>
-          </p:cNvSpPr>
-          <p:nvPr>
-            <p:ph type="body" idx="1"/>
-          </p:nvPr>
-        </p:nvSpPr>
-        <p:spPr/>
-        <p:txBody>
-          <a:bodyPr rtlCol="0"/>
-          <a:lstStyle/>
-          <a:p>
-            <a:pPr rtl="0"/>
-            <a:endParaRPr lang="fr-FR" dirty="0"/>
-          </a:p>
-        </p:txBody>
-      </p:sp>
-      <p:sp>
-        <p:nvSpPr>
-          <p:cNvPr id="4" name="Espace réservé du numéro de diapositive 3"/>
-          <p:cNvSpPr>
-            <a:spLocks noGrp="1"/>
-          </p:cNvSpPr>
-          <p:nvPr>
-            <p:ph type="sldNum" sz="quarter" idx="5"/>
-          </p:nvPr>
-        </p:nvSpPr>
-        <p:spPr/>
-        <p:txBody>
-          <a:bodyPr rtlCol="0"/>
-          <a:lstStyle/>
-          <a:p>
-            <a:pPr rtl="0"/>
-            <a:fld id="{BE60DC36-8EFA-4378-9855-E019C55AC472}" type="slidenum">
-              <a:rPr lang="fr-FR" smtClean="0"/>
-              <a:t>11</a:t>
-            </a:fld>
-            <a:endParaRPr lang="fr-FR" dirty="0"/>
-          </a:p>
-        </p:txBody>
-      </p:sp>
-    </p:spTree>
-    <p:extLst>
-      <p:ext uri="{BB962C8B-B14F-4D97-AF65-F5344CB8AC3E}">
-        <p14:creationId xmlns:p14="http://schemas.microsoft.com/office/powerpoint/2010/main" val="1054801191"/>
-      </p:ext>
-    </p:extLst>
-  </p:cSld>
-  <p:clrMapOvr>
-    <a:masterClrMapping/>
-  </p:clrMapOvr>
-</p:notes>
-</file>
-
 <file path=ppt/notesSlides/notesSlide2.xml><?xml version="1.0" encoding="utf-8"?>
 <p:notes xmlns:a="http://schemas.openxmlformats.org/drawingml/2006/main" xmlns:r="http://schemas.openxmlformats.org/officeDocument/2006/relationships" xmlns:p="http://schemas.openxmlformats.org/presentationml/2006/main">
   <p:cSld>
@@ -2262,7 +2088,7 @@
     </p:spTree>
     <p:extLst>
       <p:ext uri="{BB962C8B-B14F-4D97-AF65-F5344CB8AC3E}">
-        <p14:creationId xmlns:p14="http://schemas.microsoft.com/office/powerpoint/2010/main" val="499185701"/>
+        <p14:creationId xmlns:p14="http://schemas.microsoft.com/office/powerpoint/2010/main" val="2078376957"/>
       </p:ext>
     </p:extLst>
   </p:cSld>
@@ -2348,7 +2174,7 @@
     </p:spTree>
     <p:extLst>
       <p:ext uri="{BB962C8B-B14F-4D97-AF65-F5344CB8AC3E}">
-        <p14:creationId xmlns:p14="http://schemas.microsoft.com/office/powerpoint/2010/main" val="2078376957"/>
+        <p14:creationId xmlns:p14="http://schemas.microsoft.com/office/powerpoint/2010/main" val="843186193"/>
       </p:ext>
     </p:extLst>
   </p:cSld>
@@ -2434,7 +2260,7 @@
     </p:spTree>
     <p:extLst>
       <p:ext uri="{BB962C8B-B14F-4D97-AF65-F5344CB8AC3E}">
-        <p14:creationId xmlns:p14="http://schemas.microsoft.com/office/powerpoint/2010/main" val="843186193"/>
+        <p14:creationId xmlns:p14="http://schemas.microsoft.com/office/powerpoint/2010/main" val="1127915541"/>
       </p:ext>
     </p:extLst>
   </p:cSld>
@@ -2520,7 +2346,7 @@
     </p:spTree>
     <p:extLst>
       <p:ext uri="{BB962C8B-B14F-4D97-AF65-F5344CB8AC3E}">
-        <p14:creationId xmlns:p14="http://schemas.microsoft.com/office/powerpoint/2010/main" val="1127915541"/>
+        <p14:creationId xmlns:p14="http://schemas.microsoft.com/office/powerpoint/2010/main" val="1054801191"/>
       </p:ext>
     </p:extLst>
   </p:cSld>
@@ -2682,7 +2508,7 @@
             <a:pPr rtl="0"/>
             <a:fld id="{1CD63498-AA6B-4FA3-8C0C-F047B32E6A28}" type="datetime1">
               <a:rPr lang="fr-FR" noProof="0" smtClean="0"/>
-              <a:t>20/06/2022</a:t>
+              <a:t>29/06/2022</a:t>
             </a:fld>
             <a:endParaRPr lang="fr-FR" noProof="0" dirty="0"/>
           </a:p>
@@ -2886,7 +2712,7 @@
             <a:pPr rtl="0"/>
             <a:fld id="{446D2216-24AE-4A93-BEA9-26FD9BE8D8E8}" type="datetime1">
               <a:rPr lang="fr-FR" noProof="0" smtClean="0"/>
-              <a:t>20/06/2022</a:t>
+              <a:t>29/06/2022</a:t>
             </a:fld>
             <a:endParaRPr lang="fr-FR" noProof="0" dirty="0"/>
           </a:p>
@@ -3100,7 +2926,7 @@
             <a:pPr rtl="0"/>
             <a:fld id="{46C4311B-E9D3-41DC-B3A4-2DA1CBB5303E}" type="datetime1">
               <a:rPr lang="fr-FR" noProof="0" smtClean="0"/>
-              <a:t>20/06/2022</a:t>
+              <a:t>29/06/2022</a:t>
             </a:fld>
             <a:endParaRPr lang="fr-FR" noProof="0" dirty="0"/>
           </a:p>
@@ -3304,7 +3130,7 @@
             <a:pPr rtl="0"/>
             <a:fld id="{5F9393B2-D2D1-46F0-81A9-FE2ED5E7F998}" type="datetime1">
               <a:rPr lang="fr-FR" noProof="0" smtClean="0"/>
-              <a:t>20/06/2022</a:t>
+              <a:t>29/06/2022</a:t>
             </a:fld>
             <a:endParaRPr lang="fr-FR" noProof="0" dirty="0"/>
           </a:p>
@@ -3584,7 +3410,7 @@
             <a:pPr rtl="0"/>
             <a:fld id="{D1E90C3F-53CA-4279-A2D5-C68C34A1B7FE}" type="datetime1">
               <a:rPr lang="fr-FR" noProof="0" smtClean="0"/>
-              <a:t>20/06/2022</a:t>
+              <a:t>29/06/2022</a:t>
             </a:fld>
             <a:endParaRPr lang="fr-FR" noProof="0" dirty="0"/>
           </a:p>
@@ -3856,7 +3682,7 @@
             <a:pPr rtl="0"/>
             <a:fld id="{1BE3742E-AFBE-42DF-91BB-D2D1057FFA79}" type="datetime1">
               <a:rPr lang="fr-FR" noProof="0" smtClean="0"/>
-              <a:t>20/06/2022</a:t>
+              <a:t>29/06/2022</a:t>
             </a:fld>
             <a:endParaRPr lang="fr-FR" noProof="0" dirty="0"/>
           </a:p>
@@ -4275,7 +4101,7 @@
             <a:pPr rtl="0"/>
             <a:fld id="{CAD3CAEB-0D2D-466C-AFB9-F2937F51F366}" type="datetime1">
               <a:rPr lang="fr-FR" noProof="0" smtClean="0"/>
-              <a:t>20/06/2022</a:t>
+              <a:t>29/06/2022</a:t>
             </a:fld>
             <a:endParaRPr lang="fr-FR" noProof="0" dirty="0"/>
           </a:p>
@@ -4421,7 +4247,7 @@
             <a:pPr rtl="0"/>
             <a:fld id="{2E92E680-0F8A-43BD-BDFD-C0D03E7F344B}" type="datetime1">
               <a:rPr lang="fr-FR" noProof="0" smtClean="0"/>
-              <a:t>20/06/2022</a:t>
+              <a:t>29/06/2022</a:t>
             </a:fld>
             <a:endParaRPr lang="fr-FR" noProof="0" dirty="0"/>
           </a:p>
@@ -4537,7 +4363,7 @@
             <a:pPr rtl="0"/>
             <a:fld id="{FD7189FD-F089-49F7-A99B-945C4E0C4AF5}" type="datetime1">
               <a:rPr lang="fr-FR" noProof="0" smtClean="0"/>
-              <a:t>20/06/2022</a:t>
+              <a:t>29/06/2022</a:t>
             </a:fld>
             <a:endParaRPr lang="fr-FR" noProof="0" dirty="0"/>
           </a:p>
@@ -4854,7 +4680,7 @@
             <a:pPr rtl="0"/>
             <a:fld id="{9307288E-1786-4A50-AD68-D3D5A2E1F461}" type="datetime1">
               <a:rPr lang="fr-FR" noProof="0" smtClean="0"/>
-              <a:t>20/06/2022</a:t>
+              <a:t>29/06/2022</a:t>
             </a:fld>
             <a:endParaRPr lang="fr-FR" noProof="0" dirty="0"/>
           </a:p>
@@ -5152,7 +4978,7 @@
             <a:pPr rtl="0"/>
             <a:fld id="{EC8A2F46-A3F2-4FAD-B8A1-978F19EF1438}" type="datetime1">
               <a:rPr lang="fr-FR" noProof="0" smtClean="0"/>
-              <a:t>20/06/2022</a:t>
+              <a:t>29/06/2022</a:t>
             </a:fld>
             <a:endParaRPr lang="fr-FR" noProof="0" dirty="0"/>
           </a:p>
@@ -5397,7 +5223,7 @@
             <a:pPr rtl="0"/>
             <a:fld id="{78CE1DC9-D956-40C2-BAC4-4037E3AB19CC}" type="datetime1">
               <a:rPr lang="fr-FR" noProof="0" smtClean="0"/>
-              <a:t>20/06/2022</a:t>
+              <a:t>29/06/2022</a:t>
             </a:fld>
             <a:endParaRPr lang="fr-FR" noProof="0" dirty="0"/>
           </a:p>
@@ -6053,7 +5879,596 @@
 </p:sld>
 </file>
 
-<file path=ppt/slides/slide10.xml><?xml version="1.0" encoding="utf-8"?>
+<file path=ppt/slides/slide2.xml><?xml version="1.0" encoding="utf-8"?>
+<p:sld xmlns:a="http://schemas.openxmlformats.org/drawingml/2006/main" xmlns:r="http://schemas.openxmlformats.org/officeDocument/2006/relationships" xmlns:p="http://schemas.openxmlformats.org/presentationml/2006/main">
+  <p:cSld>
+    <p:spTree>
+      <p:nvGrpSpPr>
+        <p:cNvPr id="1" name=""/>
+        <p:cNvGrpSpPr/>
+        <p:nvPr/>
+      </p:nvGrpSpPr>
+      <p:grpSpPr>
+        <a:xfrm>
+          <a:off x="0" y="0"/>
+          <a:ext cx="0" cy="0"/>
+          <a:chOff x="0" y="0"/>
+          <a:chExt cx="0" cy="0"/>
+        </a:xfrm>
+      </p:grpSpPr>
+      <p:sp>
+        <p:nvSpPr>
+          <p:cNvPr id="4" name="Titre 3" hidden="1">
+            <a:extLst>
+              <a:ext uri="{FF2B5EF4-FFF2-40B4-BE49-F238E27FC236}">
+                <a16:creationId xmlns:a16="http://schemas.microsoft.com/office/drawing/2014/main" id="{B5981CF1-BC08-49F8-B0F9-AAF98EC67450}"/>
+              </a:ext>
+            </a:extLst>
+          </p:cNvPr>
+          <p:cNvSpPr>
+            <a:spLocks noGrp="1"/>
+          </p:cNvSpPr>
+          <p:nvPr>
+            <p:ph type="title" idx="4294967295"/>
+          </p:nvPr>
+        </p:nvSpPr>
+        <p:spPr>
+          <a:xfrm>
+            <a:off x="0" y="365125"/>
+            <a:ext cx="10515600" cy="1325563"/>
+          </a:xfrm>
+        </p:spPr>
+        <p:txBody>
+          <a:bodyPr rtlCol="0"/>
+          <a:lstStyle/>
+          <a:p>
+            <a:r>
+              <a:rPr lang="fr-FR" dirty="0"/>
+              <a:t>Analyse du projet : diapositive </a:t>
+            </a:r>
+            <a:r>
+              <a:rPr lang="fr" dirty="0"/>
+              <a:t>2</a:t>
+            </a:r>
+          </a:p>
+        </p:txBody>
+      </p:sp>
+      <p:cxnSp>
+        <p:nvCxnSpPr>
+          <p:cNvPr id="8" name="Connecteur droit 7">
+            <a:extLst>
+              <a:ext uri="{FF2B5EF4-FFF2-40B4-BE49-F238E27FC236}">
+                <a16:creationId xmlns:a16="http://schemas.microsoft.com/office/drawing/2014/main" id="{D0986099-F5F2-4E8B-BE17-81194861A00C}"/>
+              </a:ext>
+              <a:ext uri="{C183D7F6-B498-43B3-948B-1728B52AA6E4}">
+                <adec:decorative xmlns:adec="http://schemas.microsoft.com/office/drawing/2017/decorative" val="1"/>
+              </a:ext>
+            </a:extLst>
+          </p:cNvPr>
+          <p:cNvCxnSpPr>
+            <a:cxnSpLocks/>
+          </p:cNvCxnSpPr>
+          <p:nvPr/>
+        </p:nvCxnSpPr>
+        <p:spPr>
+          <a:xfrm>
+            <a:off x="8105775" y="522898"/>
+            <a:ext cx="4086225" cy="0"/>
+          </a:xfrm>
+          <a:prstGeom prst="line">
+            <a:avLst/>
+          </a:prstGeom>
+          <a:ln>
+            <a:solidFill>
+              <a:schemeClr val="accent3">
+                <a:lumMod val="50000"/>
+              </a:schemeClr>
+            </a:solidFill>
+            <a:headEnd type="oval"/>
+          </a:ln>
+        </p:spPr>
+        <p:style>
+          <a:lnRef idx="1">
+            <a:schemeClr val="accent1"/>
+          </a:lnRef>
+          <a:fillRef idx="0">
+            <a:schemeClr val="accent1"/>
+          </a:fillRef>
+          <a:effectRef idx="0">
+            <a:schemeClr val="accent1"/>
+          </a:effectRef>
+          <a:fontRef idx="minor">
+            <a:schemeClr val="tx1"/>
+          </a:fontRef>
+        </p:style>
+      </p:cxnSp>
+      <p:sp>
+        <p:nvSpPr>
+          <p:cNvPr id="11" name="Titre 1">
+            <a:extLst>
+              <a:ext uri="{FF2B5EF4-FFF2-40B4-BE49-F238E27FC236}">
+                <a16:creationId xmlns:a16="http://schemas.microsoft.com/office/drawing/2014/main" id="{4E3F5479-058B-4FA8-92E9-18CAB8CDC5C5}"/>
+              </a:ext>
+            </a:extLst>
+          </p:cNvPr>
+          <p:cNvSpPr txBox="1">
+            <a:spLocks/>
+          </p:cNvSpPr>
+          <p:nvPr/>
+        </p:nvSpPr>
+        <p:spPr>
+          <a:xfrm>
+            <a:off x="228600" y="322168"/>
+            <a:ext cx="11734800" cy="775597"/>
+          </a:xfrm>
+          <a:prstGeom prst="rect">
+            <a:avLst/>
+          </a:prstGeom>
+        </p:spPr>
+        <p:txBody>
+          <a:bodyPr vert="horz" wrap="square" lIns="0" tIns="0" rIns="0" bIns="0" rtlCol="0" anchor="t">
+            <a:spAutoFit/>
+          </a:bodyPr>
+          <a:lstStyle>
+            <a:lvl1pPr algn="l" defTabSz="914400" rtl="0" eaLnBrk="1" latinLnBrk="0" hangingPunct="1">
+              <a:lnSpc>
+                <a:spcPct val="90000"/>
+              </a:lnSpc>
+              <a:spcBef>
+                <a:spcPct val="0"/>
+              </a:spcBef>
+              <a:buNone/>
+              <a:defRPr sz="4400" kern="1200">
+                <a:solidFill>
+                  <a:schemeClr val="tx1"/>
+                </a:solidFill>
+                <a:latin typeface="+mj-lt"/>
+                <a:ea typeface="+mj-ea"/>
+                <a:cs typeface="+mj-cs"/>
+              </a:defRPr>
+            </a:lvl1pPr>
+          </a:lstStyle>
+          <a:p>
+            <a:pPr algn="ctr" rtl="0"/>
+            <a:r>
+              <a:rPr lang="fr-FR" sz="2800" b="1" dirty="0">
+                <a:solidFill>
+                  <a:srgbClr val="095763"/>
+                </a:solidFill>
+              </a:rPr>
+              <a:t>Sommaire</a:t>
+            </a:r>
+            <a:br>
+              <a:rPr lang="fr-FR" sz="2800" dirty="0">
+                <a:solidFill>
+                  <a:schemeClr val="tx1">
+                    <a:lumMod val="75000"/>
+                    <a:lumOff val="25000"/>
+                  </a:schemeClr>
+                </a:solidFill>
+              </a:rPr>
+            </a:br>
+            <a:endParaRPr lang="fr-FR" sz="2800" dirty="0">
+              <a:solidFill>
+                <a:schemeClr val="tx1">
+                  <a:lumMod val="75000"/>
+                  <a:lumOff val="25000"/>
+                </a:schemeClr>
+              </a:solidFill>
+            </a:endParaRPr>
+          </a:p>
+        </p:txBody>
+      </p:sp>
+      <p:cxnSp>
+        <p:nvCxnSpPr>
+          <p:cNvPr id="14" name="Connecteur droit 13">
+            <a:extLst>
+              <a:ext uri="{FF2B5EF4-FFF2-40B4-BE49-F238E27FC236}">
+                <a16:creationId xmlns:a16="http://schemas.microsoft.com/office/drawing/2014/main" id="{83E690F4-843A-47A5-8620-4FB01C0D8E68}"/>
+              </a:ext>
+              <a:ext uri="{C183D7F6-B498-43B3-948B-1728B52AA6E4}">
+                <adec:decorative xmlns:adec="http://schemas.microsoft.com/office/drawing/2017/decorative" val="1"/>
+              </a:ext>
+            </a:extLst>
+          </p:cNvPr>
+          <p:cNvCxnSpPr>
+            <a:cxnSpLocks/>
+          </p:cNvCxnSpPr>
+          <p:nvPr/>
+        </p:nvCxnSpPr>
+        <p:spPr>
+          <a:xfrm>
+            <a:off x="0" y="522898"/>
+            <a:ext cx="4086225" cy="0"/>
+          </a:xfrm>
+          <a:prstGeom prst="line">
+            <a:avLst/>
+          </a:prstGeom>
+          <a:ln>
+            <a:solidFill>
+              <a:schemeClr val="accent3">
+                <a:lumMod val="50000"/>
+              </a:schemeClr>
+            </a:solidFill>
+            <a:tailEnd type="oval"/>
+          </a:ln>
+        </p:spPr>
+        <p:style>
+          <a:lnRef idx="1">
+            <a:schemeClr val="accent1"/>
+          </a:lnRef>
+          <a:fillRef idx="0">
+            <a:schemeClr val="accent1"/>
+          </a:fillRef>
+          <a:effectRef idx="0">
+            <a:schemeClr val="accent1"/>
+          </a:effectRef>
+          <a:fontRef idx="minor">
+            <a:schemeClr val="tx1"/>
+          </a:fontRef>
+        </p:style>
+      </p:cxnSp>
+      <p:sp>
+        <p:nvSpPr>
+          <p:cNvPr id="56" name="Rectangle 55">
+            <a:extLst>
+              <a:ext uri="{FF2B5EF4-FFF2-40B4-BE49-F238E27FC236}">
+                <a16:creationId xmlns:a16="http://schemas.microsoft.com/office/drawing/2014/main" id="{B3283D92-3EEE-B06D-F4B4-EA560E67B579}"/>
+              </a:ext>
+            </a:extLst>
+          </p:cNvPr>
+          <p:cNvSpPr/>
+          <p:nvPr/>
+        </p:nvSpPr>
+        <p:spPr>
+          <a:xfrm>
+            <a:off x="1076604" y="2886560"/>
+            <a:ext cx="1371600" cy="984885"/>
+          </a:xfrm>
+          <a:prstGeom prst="rect">
+            <a:avLst/>
+          </a:prstGeom>
+        </p:spPr>
+        <p:txBody>
+          <a:bodyPr wrap="square" lIns="0" tIns="0" rIns="0" bIns="0" rtlCol="0">
+            <a:spAutoFit/>
+          </a:bodyPr>
+          <a:lstStyle/>
+          <a:p>
+            <a:pPr algn="ctr" rtl="0"/>
+            <a:r>
+              <a:rPr lang="fr-FR" sz="1600" b="1" dirty="0">
+                <a:solidFill>
+                  <a:schemeClr val="bg1"/>
+                </a:solidFill>
+              </a:rPr>
+              <a:t>Prendre en main les maquettes HTML/CSS</a:t>
+            </a:r>
+          </a:p>
+        </p:txBody>
+      </p:sp>
+      <p:sp>
+        <p:nvSpPr>
+          <p:cNvPr id="57" name="Rectangle 56">
+            <a:extLst>
+              <a:ext uri="{FF2B5EF4-FFF2-40B4-BE49-F238E27FC236}">
+                <a16:creationId xmlns:a16="http://schemas.microsoft.com/office/drawing/2014/main" id="{AA5922AD-940A-745F-635B-70CF97217C23}"/>
+              </a:ext>
+            </a:extLst>
+          </p:cNvPr>
+          <p:cNvSpPr/>
+          <p:nvPr/>
+        </p:nvSpPr>
+        <p:spPr>
+          <a:xfrm>
+            <a:off x="3243403" y="2886560"/>
+            <a:ext cx="1371600" cy="492443"/>
+          </a:xfrm>
+          <a:prstGeom prst="rect">
+            <a:avLst/>
+          </a:prstGeom>
+        </p:spPr>
+        <p:txBody>
+          <a:bodyPr wrap="square" lIns="0" tIns="0" rIns="0" bIns="0" rtlCol="0">
+            <a:spAutoFit/>
+          </a:bodyPr>
+          <a:lstStyle/>
+          <a:p>
+            <a:pPr algn="ctr" rtl="0"/>
+            <a:r>
+              <a:rPr lang="fr-FR" sz="1600" b="1" dirty="0">
+                <a:solidFill>
+                  <a:schemeClr val="bg1"/>
+                </a:solidFill>
+              </a:rPr>
+              <a:t>ANALYSE TECHNIQUE</a:t>
+            </a:r>
+          </a:p>
+        </p:txBody>
+      </p:sp>
+      <p:sp>
+        <p:nvSpPr>
+          <p:cNvPr id="58" name="Rectangle 57">
+            <a:extLst>
+              <a:ext uri="{FF2B5EF4-FFF2-40B4-BE49-F238E27FC236}">
+                <a16:creationId xmlns:a16="http://schemas.microsoft.com/office/drawing/2014/main" id="{10EEBB15-1E7D-818B-D16D-1F77BED266BB}"/>
+              </a:ext>
+            </a:extLst>
+          </p:cNvPr>
+          <p:cNvSpPr/>
+          <p:nvPr/>
+        </p:nvSpPr>
+        <p:spPr>
+          <a:xfrm>
+            <a:off x="5410201" y="2886560"/>
+            <a:ext cx="1371600" cy="492443"/>
+          </a:xfrm>
+          <a:prstGeom prst="rect">
+            <a:avLst/>
+          </a:prstGeom>
+        </p:spPr>
+        <p:txBody>
+          <a:bodyPr wrap="square" lIns="0" tIns="0" rIns="0" bIns="0" rtlCol="0">
+            <a:spAutoFit/>
+          </a:bodyPr>
+          <a:lstStyle/>
+          <a:p>
+            <a:pPr algn="ctr" rtl="0"/>
+            <a:r>
+              <a:rPr lang="fr-FR" sz="1600" b="1" dirty="0">
+                <a:solidFill>
+                  <a:schemeClr val="bg1"/>
+                </a:solidFill>
+              </a:rPr>
+              <a:t>ANALYSE FINANCIÈRE</a:t>
+            </a:r>
+          </a:p>
+        </p:txBody>
+      </p:sp>
+      <p:sp>
+        <p:nvSpPr>
+          <p:cNvPr id="59" name="Rectangle 58">
+            <a:extLst>
+              <a:ext uri="{FF2B5EF4-FFF2-40B4-BE49-F238E27FC236}">
+                <a16:creationId xmlns:a16="http://schemas.microsoft.com/office/drawing/2014/main" id="{B136944F-D1F7-3714-21B6-E19D90A5AECE}"/>
+              </a:ext>
+            </a:extLst>
+          </p:cNvPr>
+          <p:cNvSpPr/>
+          <p:nvPr/>
+        </p:nvSpPr>
+        <p:spPr>
+          <a:xfrm>
+            <a:off x="7577000" y="2886560"/>
+            <a:ext cx="1371600" cy="492443"/>
+          </a:xfrm>
+          <a:prstGeom prst="rect">
+            <a:avLst/>
+          </a:prstGeom>
+        </p:spPr>
+        <p:txBody>
+          <a:bodyPr wrap="square" lIns="0" tIns="0" rIns="0" bIns="0" rtlCol="0">
+            <a:spAutoFit/>
+          </a:bodyPr>
+          <a:lstStyle/>
+          <a:p>
+            <a:pPr algn="ctr" rtl="0"/>
+            <a:r>
+              <a:rPr lang="fr-FR" sz="1600" b="1" dirty="0">
+                <a:solidFill>
+                  <a:schemeClr val="bg1"/>
+                </a:solidFill>
+              </a:rPr>
+              <a:t>ANALYSE ÉCONOMIQUE</a:t>
+            </a:r>
+          </a:p>
+        </p:txBody>
+      </p:sp>
+      <p:sp>
+        <p:nvSpPr>
+          <p:cNvPr id="60" name="Rectangle 59">
+            <a:extLst>
+              <a:ext uri="{FF2B5EF4-FFF2-40B4-BE49-F238E27FC236}">
+                <a16:creationId xmlns:a16="http://schemas.microsoft.com/office/drawing/2014/main" id="{8652B7AB-60BA-6A0E-9709-0502A47A6D09}"/>
+              </a:ext>
+            </a:extLst>
+          </p:cNvPr>
+          <p:cNvSpPr/>
+          <p:nvPr/>
+        </p:nvSpPr>
+        <p:spPr>
+          <a:xfrm>
+            <a:off x="9745956" y="2886560"/>
+            <a:ext cx="1371600" cy="492443"/>
+          </a:xfrm>
+          <a:prstGeom prst="rect">
+            <a:avLst/>
+          </a:prstGeom>
+        </p:spPr>
+        <p:txBody>
+          <a:bodyPr wrap="square" lIns="0" tIns="0" rIns="0" bIns="0" rtlCol="0">
+            <a:spAutoFit/>
+          </a:bodyPr>
+          <a:lstStyle/>
+          <a:p>
+            <a:pPr algn="ctr" rtl="0"/>
+            <a:r>
+              <a:rPr lang="fr-FR" sz="1600" b="1" dirty="0">
+                <a:solidFill>
+                  <a:schemeClr val="bg1"/>
+                </a:solidFill>
+              </a:rPr>
+              <a:t>ANALYSE ÉCOLOGIQUE</a:t>
+            </a:r>
+          </a:p>
+        </p:txBody>
+      </p:sp>
+      <p:sp>
+        <p:nvSpPr>
+          <p:cNvPr id="2" name="ZoneTexte 1">
+            <a:extLst>
+              <a:ext uri="{FF2B5EF4-FFF2-40B4-BE49-F238E27FC236}">
+                <a16:creationId xmlns:a16="http://schemas.microsoft.com/office/drawing/2014/main" id="{C9CD6CE2-CDCB-82B1-1C97-2CCB52F3EBEA}"/>
+              </a:ext>
+            </a:extLst>
+          </p:cNvPr>
+          <p:cNvSpPr txBox="1"/>
+          <p:nvPr/>
+        </p:nvSpPr>
+        <p:spPr>
+          <a:xfrm>
+            <a:off x="1311651" y="1793952"/>
+            <a:ext cx="5549148" cy="3170099"/>
+          </a:xfrm>
+          <a:prstGeom prst="rect">
+            <a:avLst/>
+          </a:prstGeom>
+          <a:noFill/>
+        </p:spPr>
+        <p:txBody>
+          <a:bodyPr wrap="none" rtlCol="0">
+            <a:spAutoFit/>
+          </a:bodyPr>
+          <a:lstStyle/>
+          <a:p>
+            <a:pPr marL="285750" indent="-285750">
+              <a:buFont typeface="Arial" panose="020B0604020202020204" pitchFamily="34" charset="0"/>
+              <a:buChar char="•"/>
+            </a:pPr>
+            <a:r>
+              <a:rPr lang="fr-FR" sz="2000" dirty="0">
+                <a:solidFill>
+                  <a:srgbClr val="095763"/>
+                </a:solidFill>
+              </a:rPr>
+              <a:t>Présentation du projet</a:t>
+            </a:r>
+          </a:p>
+          <a:p>
+            <a:pPr marL="285750" indent="-285750">
+              <a:buFont typeface="Arial" panose="020B0604020202020204" pitchFamily="34" charset="0"/>
+              <a:buChar char="•"/>
+            </a:pPr>
+            <a:endParaRPr lang="fr-FR" sz="2000" dirty="0">
+              <a:solidFill>
+                <a:srgbClr val="095763"/>
+              </a:solidFill>
+            </a:endParaRPr>
+          </a:p>
+          <a:p>
+            <a:pPr marL="285750" indent="-285750">
+              <a:buFont typeface="Arial" panose="020B0604020202020204" pitchFamily="34" charset="0"/>
+              <a:buChar char="•"/>
+            </a:pPr>
+            <a:r>
+              <a:rPr lang="fr-FR" sz="2000" dirty="0">
+                <a:solidFill>
+                  <a:srgbClr val="095763"/>
+                </a:solidFill>
+              </a:rPr>
+              <a:t>Pas à pas avec Javascript</a:t>
+            </a:r>
+          </a:p>
+          <a:p>
+            <a:pPr marL="742950" lvl="1" indent="-285750">
+              <a:buFont typeface="Arial" panose="020B0604020202020204" pitchFamily="34" charset="0"/>
+              <a:buChar char="•"/>
+            </a:pPr>
+            <a:r>
+              <a:rPr lang="fr-FR" sz="2000" dirty="0">
+                <a:solidFill>
+                  <a:srgbClr val="095763"/>
+                </a:solidFill>
+              </a:rPr>
+              <a:t>Fonctionnalités de l’accueil</a:t>
+            </a:r>
+          </a:p>
+          <a:p>
+            <a:pPr marL="742950" lvl="1" indent="-285750">
+              <a:buFont typeface="Arial" panose="020B0604020202020204" pitchFamily="34" charset="0"/>
+              <a:buChar char="•"/>
+            </a:pPr>
+            <a:r>
+              <a:rPr lang="fr-FR" sz="2000" dirty="0">
+                <a:solidFill>
+                  <a:srgbClr val="095763"/>
+                </a:solidFill>
+              </a:rPr>
+              <a:t>Fonctionnalités de la page « produit »</a:t>
+            </a:r>
+          </a:p>
+          <a:p>
+            <a:pPr marL="742950" lvl="1" indent="-285750">
+              <a:buFont typeface="Arial" panose="020B0604020202020204" pitchFamily="34" charset="0"/>
+              <a:buChar char="•"/>
+            </a:pPr>
+            <a:r>
+              <a:rPr lang="fr-FR" sz="2000" dirty="0">
+                <a:solidFill>
+                  <a:srgbClr val="095763"/>
+                </a:solidFill>
+              </a:rPr>
+              <a:t>Fonctionnalités de la page « panier »</a:t>
+            </a:r>
+          </a:p>
+          <a:p>
+            <a:pPr marL="742950" lvl="1" indent="-285750">
+              <a:buFont typeface="Arial" panose="020B0604020202020204" pitchFamily="34" charset="0"/>
+              <a:buChar char="•"/>
+            </a:pPr>
+            <a:r>
+              <a:rPr lang="fr-FR" sz="2000" dirty="0">
+                <a:solidFill>
+                  <a:srgbClr val="095763"/>
+                </a:solidFill>
+              </a:rPr>
+              <a:t>Fonctionnalités de la page « confirmation »</a:t>
+            </a:r>
+          </a:p>
+          <a:p>
+            <a:pPr marL="285750" indent="-285750">
+              <a:buFont typeface="Arial" panose="020B0604020202020204" pitchFamily="34" charset="0"/>
+              <a:buChar char="•"/>
+            </a:pPr>
+            <a:endParaRPr lang="fr-FR" sz="2000" dirty="0">
+              <a:solidFill>
+                <a:srgbClr val="095763"/>
+              </a:solidFill>
+            </a:endParaRPr>
+          </a:p>
+          <a:p>
+            <a:pPr marL="285750" indent="-285750">
+              <a:buFont typeface="Arial" panose="020B0604020202020204" pitchFamily="34" charset="0"/>
+              <a:buChar char="•"/>
+            </a:pPr>
+            <a:r>
+              <a:rPr lang="fr-FR" sz="2000" dirty="0">
+                <a:solidFill>
+                  <a:srgbClr val="095763"/>
+                </a:solidFill>
+              </a:rPr>
+              <a:t>Plan de test </a:t>
+            </a:r>
+          </a:p>
+          <a:p>
+            <a:endParaRPr lang="fr-FR" sz="2000" dirty="0"/>
+          </a:p>
+        </p:txBody>
+      </p:sp>
+    </p:spTree>
+    <p:extLst>
+      <p:ext uri="{BB962C8B-B14F-4D97-AF65-F5344CB8AC3E}">
+        <p14:creationId xmlns:p14="http://schemas.microsoft.com/office/powerpoint/2010/main" val="3299715198"/>
+      </p:ext>
+    </p:extLst>
+  </p:cSld>
+  <p:clrMapOvr>
+    <a:masterClrMapping/>
+  </p:clrMapOvr>
+</p:sld>
+</file>
+
+<file path=ppt/slides/slide3.xml><?xml version="1.0" encoding="utf-8"?>
 <p:sld xmlns:a="http://schemas.openxmlformats.org/drawingml/2006/main" xmlns:r="http://schemas.openxmlformats.org/officeDocument/2006/relationships" xmlns:p="http://schemas.openxmlformats.org/presentationml/2006/main">
   <p:cSld>
     <p:bg>
@@ -6233,8 +6648,8 @@
         </p:nvSpPr>
         <p:spPr>
           <a:xfrm>
-            <a:off x="1524000" y="2930403"/>
-            <a:ext cx="9144000" cy="997196"/>
+            <a:off x="1524000" y="2514904"/>
+            <a:ext cx="9144000" cy="1828193"/>
           </a:xfrm>
         </p:spPr>
         <p:txBody>
@@ -6245,14 +6660,29 @@
           <a:p>
             <a:pPr rtl="0"/>
             <a:r>
-              <a:rPr lang="fr-FR" sz="7200" b="1" dirty="0">
+              <a:rPr lang="fr-FR" sz="6600" b="1" dirty="0">
                 <a:solidFill>
                   <a:schemeClr val="bg1"/>
                 </a:solidFill>
               </a:rPr>
-              <a:t>Plan de test</a:t>
-            </a:r>
-            <a:endParaRPr lang="fr-FR" sz="7200" dirty="0">
+              <a:t>Présentation</a:t>
+            </a:r>
+            <a:br>
+              <a:rPr lang="fr-FR" sz="6600" b="1" dirty="0">
+                <a:solidFill>
+                  <a:schemeClr val="bg1"/>
+                </a:solidFill>
+              </a:rPr>
+            </a:br>
+            <a:r>
+              <a:rPr lang="fr-FR" sz="6600" b="1" dirty="0">
+                <a:solidFill>
+                  <a:schemeClr val="bg1"/>
+                </a:solidFill>
+              </a:rPr>
+              <a:t>du projet</a:t>
+            </a:r>
+            <a:endParaRPr lang="fr-FR" sz="6600" dirty="0">
               <a:solidFill>
                 <a:schemeClr val="accent4"/>
               </a:solidFill>
@@ -6260,10 +6690,46 @@
           </a:p>
         </p:txBody>
       </p:sp>
+      <p:pic>
+        <p:nvPicPr>
+          <p:cNvPr id="6" name="Image 5">
+            <a:extLst>
+              <a:ext uri="{FF2B5EF4-FFF2-40B4-BE49-F238E27FC236}">
+                <a16:creationId xmlns:a16="http://schemas.microsoft.com/office/drawing/2014/main" id="{5BC5F405-1A22-B904-D456-94925E4E323F}"/>
+              </a:ext>
+            </a:extLst>
+          </p:cNvPr>
+          <p:cNvPicPr>
+            <a:picLocks noChangeAspect="1"/>
+          </p:cNvPicPr>
+          <p:nvPr/>
+        </p:nvPicPr>
+        <p:blipFill>
+          <a:blip r:embed="rId3">
+            <a:extLst>
+              <a:ext uri="{28A0092B-C50C-407E-A947-70E740481C1C}">
+                <a14:useLocalDpi xmlns:a14="http://schemas.microsoft.com/office/drawing/2010/main" val="0"/>
+              </a:ext>
+            </a:extLst>
+          </a:blip>
+          <a:stretch>
+            <a:fillRect/>
+          </a:stretch>
+        </p:blipFill>
+        <p:spPr>
+          <a:xfrm>
+            <a:off x="9064487" y="1792889"/>
+            <a:ext cx="2577994" cy="3085491"/>
+          </a:xfrm>
+          <a:prstGeom prst="rect">
+            <a:avLst/>
+          </a:prstGeom>
+        </p:spPr>
+      </p:pic>
     </p:spTree>
     <p:extLst>
       <p:ext uri="{BB962C8B-B14F-4D97-AF65-F5344CB8AC3E}">
-        <p14:creationId xmlns:p14="http://schemas.microsoft.com/office/powerpoint/2010/main" val="2807420265"/>
+        <p14:creationId xmlns:p14="http://schemas.microsoft.com/office/powerpoint/2010/main" val="2218141838"/>
       </p:ext>
     </p:extLst>
   </p:cSld>
@@ -6273,7 +6739,3051 @@
 </p:sld>
 </file>
 
-<file path=ppt/slides/slide11.xml><?xml version="1.0" encoding="utf-8"?>
+<file path=ppt/slides/slide4.xml><?xml version="1.0" encoding="utf-8"?>
+<p:sld xmlns:a="http://schemas.openxmlformats.org/drawingml/2006/main" xmlns:r="http://schemas.openxmlformats.org/officeDocument/2006/relationships" xmlns:p="http://schemas.openxmlformats.org/presentationml/2006/main">
+  <p:cSld>
+    <p:spTree>
+      <p:nvGrpSpPr>
+        <p:cNvPr id="1" name=""/>
+        <p:cNvGrpSpPr/>
+        <p:nvPr/>
+      </p:nvGrpSpPr>
+      <p:grpSpPr>
+        <a:xfrm>
+          <a:off x="0" y="0"/>
+          <a:ext cx="0" cy="0"/>
+          <a:chOff x="0" y="0"/>
+          <a:chExt cx="0" cy="0"/>
+        </a:xfrm>
+      </p:grpSpPr>
+      <p:sp>
+        <p:nvSpPr>
+          <p:cNvPr id="4" name="Titre 3" hidden="1">
+            <a:extLst>
+              <a:ext uri="{FF2B5EF4-FFF2-40B4-BE49-F238E27FC236}">
+                <a16:creationId xmlns:a16="http://schemas.microsoft.com/office/drawing/2014/main" id="{B5981CF1-BC08-49F8-B0F9-AAF98EC67450}"/>
+              </a:ext>
+            </a:extLst>
+          </p:cNvPr>
+          <p:cNvSpPr>
+            <a:spLocks noGrp="1"/>
+          </p:cNvSpPr>
+          <p:nvPr>
+            <p:ph type="title" idx="4294967295"/>
+          </p:nvPr>
+        </p:nvSpPr>
+        <p:spPr>
+          <a:xfrm>
+            <a:off x="0" y="365125"/>
+            <a:ext cx="10515600" cy="1325563"/>
+          </a:xfrm>
+        </p:spPr>
+        <p:txBody>
+          <a:bodyPr rtlCol="0"/>
+          <a:lstStyle/>
+          <a:p>
+            <a:r>
+              <a:rPr lang="fr-FR" dirty="0"/>
+              <a:t>Analyse du projet : diapositive </a:t>
+            </a:r>
+            <a:r>
+              <a:rPr lang="fr" dirty="0"/>
+              <a:t>2</a:t>
+            </a:r>
+          </a:p>
+        </p:txBody>
+      </p:sp>
+      <p:cxnSp>
+        <p:nvCxnSpPr>
+          <p:cNvPr id="8" name="Connecteur droit 7">
+            <a:extLst>
+              <a:ext uri="{FF2B5EF4-FFF2-40B4-BE49-F238E27FC236}">
+                <a16:creationId xmlns:a16="http://schemas.microsoft.com/office/drawing/2014/main" id="{D0986099-F5F2-4E8B-BE17-81194861A00C}"/>
+              </a:ext>
+              <a:ext uri="{C183D7F6-B498-43B3-948B-1728B52AA6E4}">
+                <adec:decorative xmlns:adec="http://schemas.microsoft.com/office/drawing/2017/decorative" val="1"/>
+              </a:ext>
+            </a:extLst>
+          </p:cNvPr>
+          <p:cNvCxnSpPr>
+            <a:cxnSpLocks/>
+          </p:cNvCxnSpPr>
+          <p:nvPr/>
+        </p:nvCxnSpPr>
+        <p:spPr>
+          <a:xfrm>
+            <a:off x="9303391" y="522898"/>
+            <a:ext cx="2888609" cy="0"/>
+          </a:xfrm>
+          <a:prstGeom prst="line">
+            <a:avLst/>
+          </a:prstGeom>
+          <a:ln>
+            <a:solidFill>
+              <a:schemeClr val="accent3">
+                <a:lumMod val="50000"/>
+              </a:schemeClr>
+            </a:solidFill>
+            <a:headEnd type="oval"/>
+          </a:ln>
+        </p:spPr>
+        <p:style>
+          <a:lnRef idx="1">
+            <a:schemeClr val="accent1"/>
+          </a:lnRef>
+          <a:fillRef idx="0">
+            <a:schemeClr val="accent1"/>
+          </a:fillRef>
+          <a:effectRef idx="0">
+            <a:schemeClr val="accent1"/>
+          </a:effectRef>
+          <a:fontRef idx="minor">
+            <a:schemeClr val="tx1"/>
+          </a:fontRef>
+        </p:style>
+      </p:cxnSp>
+      <p:sp>
+        <p:nvSpPr>
+          <p:cNvPr id="11" name="Titre 1">
+            <a:extLst>
+              <a:ext uri="{FF2B5EF4-FFF2-40B4-BE49-F238E27FC236}">
+                <a16:creationId xmlns:a16="http://schemas.microsoft.com/office/drawing/2014/main" id="{4E3F5479-058B-4FA8-92E9-18CAB8CDC5C5}"/>
+              </a:ext>
+            </a:extLst>
+          </p:cNvPr>
+          <p:cNvSpPr txBox="1">
+            <a:spLocks/>
+          </p:cNvSpPr>
+          <p:nvPr/>
+        </p:nvSpPr>
+        <p:spPr>
+          <a:xfrm>
+            <a:off x="228600" y="322168"/>
+            <a:ext cx="11734800" cy="775597"/>
+          </a:xfrm>
+          <a:prstGeom prst="rect">
+            <a:avLst/>
+          </a:prstGeom>
+        </p:spPr>
+        <p:txBody>
+          <a:bodyPr vert="horz" wrap="square" lIns="0" tIns="0" rIns="0" bIns="0" rtlCol="0" anchor="t">
+            <a:spAutoFit/>
+          </a:bodyPr>
+          <a:lstStyle>
+            <a:lvl1pPr algn="l" defTabSz="914400" rtl="0" eaLnBrk="1" latinLnBrk="0" hangingPunct="1">
+              <a:lnSpc>
+                <a:spcPct val="90000"/>
+              </a:lnSpc>
+              <a:spcBef>
+                <a:spcPct val="0"/>
+              </a:spcBef>
+              <a:buNone/>
+              <a:defRPr sz="4400" kern="1200">
+                <a:solidFill>
+                  <a:schemeClr val="tx1"/>
+                </a:solidFill>
+                <a:latin typeface="+mj-lt"/>
+                <a:ea typeface="+mj-ea"/>
+                <a:cs typeface="+mj-cs"/>
+              </a:defRPr>
+            </a:lvl1pPr>
+          </a:lstStyle>
+          <a:p>
+            <a:pPr algn="ctr" rtl="0"/>
+            <a:r>
+              <a:rPr lang="fr-FR" sz="2800" b="1" dirty="0">
+                <a:solidFill>
+                  <a:srgbClr val="095763"/>
+                </a:solidFill>
+              </a:rPr>
+              <a:t>Fonctionnalités de l’accueil</a:t>
+            </a:r>
+            <a:br>
+              <a:rPr lang="fr-FR" sz="2800" dirty="0">
+                <a:solidFill>
+                  <a:schemeClr val="tx1">
+                    <a:lumMod val="75000"/>
+                    <a:lumOff val="25000"/>
+                  </a:schemeClr>
+                </a:solidFill>
+              </a:rPr>
+            </a:br>
+            <a:endParaRPr lang="fr-FR" sz="2800" dirty="0">
+              <a:solidFill>
+                <a:schemeClr val="tx1">
+                  <a:lumMod val="75000"/>
+                  <a:lumOff val="25000"/>
+                </a:schemeClr>
+              </a:solidFill>
+            </a:endParaRPr>
+          </a:p>
+        </p:txBody>
+      </p:sp>
+      <p:cxnSp>
+        <p:nvCxnSpPr>
+          <p:cNvPr id="14" name="Connecteur droit 13">
+            <a:extLst>
+              <a:ext uri="{FF2B5EF4-FFF2-40B4-BE49-F238E27FC236}">
+                <a16:creationId xmlns:a16="http://schemas.microsoft.com/office/drawing/2014/main" id="{83E690F4-843A-47A5-8620-4FB01C0D8E68}"/>
+              </a:ext>
+              <a:ext uri="{C183D7F6-B498-43B3-948B-1728B52AA6E4}">
+                <adec:decorative xmlns:adec="http://schemas.microsoft.com/office/drawing/2017/decorative" val="1"/>
+              </a:ext>
+            </a:extLst>
+          </p:cNvPr>
+          <p:cNvCxnSpPr>
+            <a:cxnSpLocks/>
+          </p:cNvCxnSpPr>
+          <p:nvPr/>
+        </p:nvCxnSpPr>
+        <p:spPr>
+          <a:xfrm>
+            <a:off x="0" y="522898"/>
+            <a:ext cx="2877424" cy="0"/>
+          </a:xfrm>
+          <a:prstGeom prst="line">
+            <a:avLst/>
+          </a:prstGeom>
+          <a:ln>
+            <a:solidFill>
+              <a:schemeClr val="accent3">
+                <a:lumMod val="50000"/>
+              </a:schemeClr>
+            </a:solidFill>
+            <a:tailEnd type="oval"/>
+          </a:ln>
+        </p:spPr>
+        <p:style>
+          <a:lnRef idx="1">
+            <a:schemeClr val="accent1"/>
+          </a:lnRef>
+          <a:fillRef idx="0">
+            <a:schemeClr val="accent1"/>
+          </a:fillRef>
+          <a:effectRef idx="0">
+            <a:schemeClr val="accent1"/>
+          </a:effectRef>
+          <a:fontRef idx="minor">
+            <a:schemeClr val="tx1"/>
+          </a:fontRef>
+        </p:style>
+      </p:cxnSp>
+      <p:sp>
+        <p:nvSpPr>
+          <p:cNvPr id="56" name="Rectangle 55">
+            <a:extLst>
+              <a:ext uri="{FF2B5EF4-FFF2-40B4-BE49-F238E27FC236}">
+                <a16:creationId xmlns:a16="http://schemas.microsoft.com/office/drawing/2014/main" id="{B3283D92-3EEE-B06D-F4B4-EA560E67B579}"/>
+              </a:ext>
+            </a:extLst>
+          </p:cNvPr>
+          <p:cNvSpPr/>
+          <p:nvPr/>
+        </p:nvSpPr>
+        <p:spPr>
+          <a:xfrm>
+            <a:off x="1076604" y="2886560"/>
+            <a:ext cx="1371600" cy="984885"/>
+          </a:xfrm>
+          <a:prstGeom prst="rect">
+            <a:avLst/>
+          </a:prstGeom>
+        </p:spPr>
+        <p:txBody>
+          <a:bodyPr wrap="square" lIns="0" tIns="0" rIns="0" bIns="0" rtlCol="0">
+            <a:spAutoFit/>
+          </a:bodyPr>
+          <a:lstStyle/>
+          <a:p>
+            <a:pPr algn="ctr" rtl="0"/>
+            <a:r>
+              <a:rPr lang="fr-FR" sz="1600" b="1" dirty="0">
+                <a:solidFill>
+                  <a:schemeClr val="bg1"/>
+                </a:solidFill>
+              </a:rPr>
+              <a:t>Prendre en main les maquettes HTML/CSS</a:t>
+            </a:r>
+          </a:p>
+        </p:txBody>
+      </p:sp>
+      <p:sp>
+        <p:nvSpPr>
+          <p:cNvPr id="57" name="Rectangle 56">
+            <a:extLst>
+              <a:ext uri="{FF2B5EF4-FFF2-40B4-BE49-F238E27FC236}">
+                <a16:creationId xmlns:a16="http://schemas.microsoft.com/office/drawing/2014/main" id="{AA5922AD-940A-745F-635B-70CF97217C23}"/>
+              </a:ext>
+            </a:extLst>
+          </p:cNvPr>
+          <p:cNvSpPr/>
+          <p:nvPr/>
+        </p:nvSpPr>
+        <p:spPr>
+          <a:xfrm>
+            <a:off x="3243403" y="2886560"/>
+            <a:ext cx="1371600" cy="492443"/>
+          </a:xfrm>
+          <a:prstGeom prst="rect">
+            <a:avLst/>
+          </a:prstGeom>
+        </p:spPr>
+        <p:txBody>
+          <a:bodyPr wrap="square" lIns="0" tIns="0" rIns="0" bIns="0" rtlCol="0">
+            <a:spAutoFit/>
+          </a:bodyPr>
+          <a:lstStyle/>
+          <a:p>
+            <a:pPr algn="ctr" rtl="0"/>
+            <a:r>
+              <a:rPr lang="fr-FR" sz="1600" b="1" dirty="0">
+                <a:solidFill>
+                  <a:schemeClr val="bg1"/>
+                </a:solidFill>
+              </a:rPr>
+              <a:t>ANALYSE TECHNIQUE</a:t>
+            </a:r>
+          </a:p>
+        </p:txBody>
+      </p:sp>
+      <p:sp>
+        <p:nvSpPr>
+          <p:cNvPr id="58" name="Rectangle 57">
+            <a:extLst>
+              <a:ext uri="{FF2B5EF4-FFF2-40B4-BE49-F238E27FC236}">
+                <a16:creationId xmlns:a16="http://schemas.microsoft.com/office/drawing/2014/main" id="{10EEBB15-1E7D-818B-D16D-1F77BED266BB}"/>
+              </a:ext>
+            </a:extLst>
+          </p:cNvPr>
+          <p:cNvSpPr/>
+          <p:nvPr/>
+        </p:nvSpPr>
+        <p:spPr>
+          <a:xfrm>
+            <a:off x="5410201" y="2886560"/>
+            <a:ext cx="1371600" cy="492443"/>
+          </a:xfrm>
+          <a:prstGeom prst="rect">
+            <a:avLst/>
+          </a:prstGeom>
+        </p:spPr>
+        <p:txBody>
+          <a:bodyPr wrap="square" lIns="0" tIns="0" rIns="0" bIns="0" rtlCol="0">
+            <a:spAutoFit/>
+          </a:bodyPr>
+          <a:lstStyle/>
+          <a:p>
+            <a:pPr algn="ctr" rtl="0"/>
+            <a:r>
+              <a:rPr lang="fr-FR" sz="1600" b="1" dirty="0">
+                <a:solidFill>
+                  <a:schemeClr val="bg1"/>
+                </a:solidFill>
+              </a:rPr>
+              <a:t>ANALYSE FINANCIÈRE</a:t>
+            </a:r>
+          </a:p>
+        </p:txBody>
+      </p:sp>
+      <p:sp>
+        <p:nvSpPr>
+          <p:cNvPr id="59" name="Rectangle 58">
+            <a:extLst>
+              <a:ext uri="{FF2B5EF4-FFF2-40B4-BE49-F238E27FC236}">
+                <a16:creationId xmlns:a16="http://schemas.microsoft.com/office/drawing/2014/main" id="{B136944F-D1F7-3714-21B6-E19D90A5AECE}"/>
+              </a:ext>
+            </a:extLst>
+          </p:cNvPr>
+          <p:cNvSpPr/>
+          <p:nvPr/>
+        </p:nvSpPr>
+        <p:spPr>
+          <a:xfrm>
+            <a:off x="7577000" y="2886560"/>
+            <a:ext cx="1371600" cy="492443"/>
+          </a:xfrm>
+          <a:prstGeom prst="rect">
+            <a:avLst/>
+          </a:prstGeom>
+        </p:spPr>
+        <p:txBody>
+          <a:bodyPr wrap="square" lIns="0" tIns="0" rIns="0" bIns="0" rtlCol="0">
+            <a:spAutoFit/>
+          </a:bodyPr>
+          <a:lstStyle/>
+          <a:p>
+            <a:pPr algn="ctr" rtl="0"/>
+            <a:r>
+              <a:rPr lang="fr-FR" sz="1600" b="1" dirty="0">
+                <a:solidFill>
+                  <a:schemeClr val="bg1"/>
+                </a:solidFill>
+              </a:rPr>
+              <a:t>ANALYSE ÉCONOMIQUE</a:t>
+            </a:r>
+          </a:p>
+        </p:txBody>
+      </p:sp>
+      <p:sp>
+        <p:nvSpPr>
+          <p:cNvPr id="60" name="Rectangle 59">
+            <a:extLst>
+              <a:ext uri="{FF2B5EF4-FFF2-40B4-BE49-F238E27FC236}">
+                <a16:creationId xmlns:a16="http://schemas.microsoft.com/office/drawing/2014/main" id="{8652B7AB-60BA-6A0E-9709-0502A47A6D09}"/>
+              </a:ext>
+            </a:extLst>
+          </p:cNvPr>
+          <p:cNvSpPr/>
+          <p:nvPr/>
+        </p:nvSpPr>
+        <p:spPr>
+          <a:xfrm>
+            <a:off x="9745956" y="2886560"/>
+            <a:ext cx="1371600" cy="492443"/>
+          </a:xfrm>
+          <a:prstGeom prst="rect">
+            <a:avLst/>
+          </a:prstGeom>
+        </p:spPr>
+        <p:txBody>
+          <a:bodyPr wrap="square" lIns="0" tIns="0" rIns="0" bIns="0" rtlCol="0">
+            <a:spAutoFit/>
+          </a:bodyPr>
+          <a:lstStyle/>
+          <a:p>
+            <a:pPr algn="ctr" rtl="0"/>
+            <a:r>
+              <a:rPr lang="fr-FR" sz="1600" b="1" dirty="0">
+                <a:solidFill>
+                  <a:schemeClr val="bg1"/>
+                </a:solidFill>
+              </a:rPr>
+              <a:t>ANALYSE ÉCOLOGIQUE</a:t>
+            </a:r>
+          </a:p>
+        </p:txBody>
+      </p:sp>
+      <p:sp>
+        <p:nvSpPr>
+          <p:cNvPr id="12" name="ZoneTexte 11">
+            <a:extLst>
+              <a:ext uri="{FF2B5EF4-FFF2-40B4-BE49-F238E27FC236}">
+                <a16:creationId xmlns:a16="http://schemas.microsoft.com/office/drawing/2014/main" id="{BB4A5D15-C642-6736-2897-183D844E799C}"/>
+              </a:ext>
+            </a:extLst>
+          </p:cNvPr>
+          <p:cNvSpPr txBox="1"/>
+          <p:nvPr/>
+        </p:nvSpPr>
+        <p:spPr>
+          <a:xfrm>
+            <a:off x="529520" y="2384884"/>
+            <a:ext cx="11313075" cy="2923877"/>
+          </a:xfrm>
+          <a:prstGeom prst="rect">
+            <a:avLst/>
+          </a:prstGeom>
+          <a:noFill/>
+        </p:spPr>
+        <p:txBody>
+          <a:bodyPr wrap="square" rtlCol="0">
+            <a:spAutoFit/>
+          </a:bodyPr>
+          <a:lstStyle/>
+          <a:p>
+            <a:pPr marL="285750" indent="-285750" algn="ctr">
+              <a:buFont typeface="Arial" panose="020B0604020202020204" pitchFamily="34" charset="0"/>
+              <a:buChar char="•"/>
+            </a:pPr>
+            <a:r>
+              <a:rPr lang="fr-FR" dirty="0">
+                <a:solidFill>
+                  <a:srgbClr val="095763"/>
+                </a:solidFill>
+              </a:rPr>
+              <a:t>L’index est la vitrine du site il n’y a que l’affichage des produits vendus par la marque.</a:t>
+            </a:r>
+          </a:p>
+          <a:p>
+            <a:pPr marL="285750" indent="-285750" algn="ctr">
+              <a:buFont typeface="Arial" panose="020B0604020202020204" pitchFamily="34" charset="0"/>
+              <a:buChar char="•"/>
+            </a:pPr>
+            <a:endParaRPr lang="fr-FR" dirty="0">
+              <a:solidFill>
+                <a:srgbClr val="095763"/>
+              </a:solidFill>
+            </a:endParaRPr>
+          </a:p>
+          <a:p>
+            <a:pPr marL="285750" indent="-285750" algn="ctr">
+              <a:buFont typeface="Arial" panose="020B0604020202020204" pitchFamily="34" charset="0"/>
+              <a:buChar char="•"/>
+            </a:pPr>
+            <a:endParaRPr lang="fr-FR" dirty="0">
+              <a:solidFill>
+                <a:srgbClr val="095763"/>
+              </a:solidFill>
+            </a:endParaRPr>
+          </a:p>
+          <a:p>
+            <a:pPr marL="285750" indent="-285750" algn="ctr">
+              <a:buFont typeface="Arial" panose="020B0604020202020204" pitchFamily="34" charset="0"/>
+              <a:buChar char="•"/>
+            </a:pPr>
+            <a:r>
+              <a:rPr lang="fr-FR" dirty="0">
+                <a:solidFill>
+                  <a:srgbClr val="095763"/>
+                </a:solidFill>
+              </a:rPr>
+              <a:t>Les données sur les produits étant disponible via l’API développée par Bilal, mon travail consistait à interrogé cette dernière.</a:t>
+            </a:r>
+          </a:p>
+          <a:p>
+            <a:pPr marL="285750" indent="-285750" algn="ctr">
+              <a:buFont typeface="Arial" panose="020B0604020202020204" pitchFamily="34" charset="0"/>
+              <a:buChar char="•"/>
+            </a:pPr>
+            <a:endParaRPr lang="fr-FR" dirty="0">
+              <a:solidFill>
+                <a:srgbClr val="095763"/>
+              </a:solidFill>
+            </a:endParaRPr>
+          </a:p>
+          <a:p>
+            <a:pPr marL="285750" indent="-285750" algn="ctr">
+              <a:buFont typeface="Arial" panose="020B0604020202020204" pitchFamily="34" charset="0"/>
+              <a:buChar char="•"/>
+            </a:pPr>
+            <a:endParaRPr lang="fr-FR" dirty="0">
+              <a:solidFill>
+                <a:srgbClr val="095763"/>
+              </a:solidFill>
+            </a:endParaRPr>
+          </a:p>
+          <a:p>
+            <a:pPr marL="285750" indent="-285750" algn="ctr">
+              <a:buFont typeface="Arial" panose="020B0604020202020204" pitchFamily="34" charset="0"/>
+              <a:buChar char="•"/>
+            </a:pPr>
+            <a:r>
+              <a:rPr lang="fr-FR" dirty="0">
+                <a:solidFill>
+                  <a:srgbClr val="095763"/>
+                </a:solidFill>
+              </a:rPr>
+              <a:t>Puis d’afficher le résultat sous la forme prévue par Frank, via une modification du DOM.</a:t>
+            </a:r>
+          </a:p>
+          <a:p>
+            <a:pPr algn="ctr"/>
+            <a:endParaRPr lang="fr-FR" sz="2000" dirty="0">
+              <a:solidFill>
+                <a:srgbClr val="095763"/>
+              </a:solidFill>
+            </a:endParaRPr>
+          </a:p>
+          <a:p>
+            <a:endParaRPr lang="fr-FR" sz="2000" dirty="0"/>
+          </a:p>
+        </p:txBody>
+      </p:sp>
+    </p:spTree>
+    <p:extLst>
+      <p:ext uri="{BB962C8B-B14F-4D97-AF65-F5344CB8AC3E}">
+        <p14:creationId xmlns:p14="http://schemas.microsoft.com/office/powerpoint/2010/main" val="3097629229"/>
+      </p:ext>
+    </p:extLst>
+  </p:cSld>
+  <p:clrMapOvr>
+    <a:masterClrMapping/>
+  </p:clrMapOvr>
+</p:sld>
+</file>
+
+<file path=ppt/slides/slide5.xml><?xml version="1.0" encoding="utf-8"?>
+<p:sld xmlns:a="http://schemas.openxmlformats.org/drawingml/2006/main" xmlns:r="http://schemas.openxmlformats.org/officeDocument/2006/relationships" xmlns:p="http://schemas.openxmlformats.org/presentationml/2006/main">
+  <p:cSld>
+    <p:spTree>
+      <p:nvGrpSpPr>
+        <p:cNvPr id="1" name=""/>
+        <p:cNvGrpSpPr/>
+        <p:nvPr/>
+      </p:nvGrpSpPr>
+      <p:grpSpPr>
+        <a:xfrm>
+          <a:off x="0" y="0"/>
+          <a:ext cx="0" cy="0"/>
+          <a:chOff x="0" y="0"/>
+          <a:chExt cx="0" cy="0"/>
+        </a:xfrm>
+      </p:grpSpPr>
+      <p:sp>
+        <p:nvSpPr>
+          <p:cNvPr id="4" name="Titre 3" hidden="1">
+            <a:extLst>
+              <a:ext uri="{FF2B5EF4-FFF2-40B4-BE49-F238E27FC236}">
+                <a16:creationId xmlns:a16="http://schemas.microsoft.com/office/drawing/2014/main" id="{B5981CF1-BC08-49F8-B0F9-AAF98EC67450}"/>
+              </a:ext>
+            </a:extLst>
+          </p:cNvPr>
+          <p:cNvSpPr>
+            <a:spLocks noGrp="1"/>
+          </p:cNvSpPr>
+          <p:nvPr>
+            <p:ph type="title" idx="4294967295"/>
+          </p:nvPr>
+        </p:nvSpPr>
+        <p:spPr>
+          <a:xfrm>
+            <a:off x="0" y="365125"/>
+            <a:ext cx="10515600" cy="1325563"/>
+          </a:xfrm>
+        </p:spPr>
+        <p:txBody>
+          <a:bodyPr rtlCol="0"/>
+          <a:lstStyle/>
+          <a:p>
+            <a:r>
+              <a:rPr lang="fr-FR" dirty="0"/>
+              <a:t>Analyse du projet : diapositive </a:t>
+            </a:r>
+            <a:r>
+              <a:rPr lang="fr" dirty="0"/>
+              <a:t>2</a:t>
+            </a:r>
+          </a:p>
+        </p:txBody>
+      </p:sp>
+      <p:cxnSp>
+        <p:nvCxnSpPr>
+          <p:cNvPr id="8" name="Connecteur droit 7">
+            <a:extLst>
+              <a:ext uri="{FF2B5EF4-FFF2-40B4-BE49-F238E27FC236}">
+                <a16:creationId xmlns:a16="http://schemas.microsoft.com/office/drawing/2014/main" id="{D0986099-F5F2-4E8B-BE17-81194861A00C}"/>
+              </a:ext>
+              <a:ext uri="{C183D7F6-B498-43B3-948B-1728B52AA6E4}">
+                <adec:decorative xmlns:adec="http://schemas.microsoft.com/office/drawing/2017/decorative" val="1"/>
+              </a:ext>
+            </a:extLst>
+          </p:cNvPr>
+          <p:cNvCxnSpPr>
+            <a:cxnSpLocks/>
+          </p:cNvCxnSpPr>
+          <p:nvPr/>
+        </p:nvCxnSpPr>
+        <p:spPr>
+          <a:xfrm>
+            <a:off x="9303391" y="522898"/>
+            <a:ext cx="2888609" cy="0"/>
+          </a:xfrm>
+          <a:prstGeom prst="line">
+            <a:avLst/>
+          </a:prstGeom>
+          <a:ln>
+            <a:solidFill>
+              <a:schemeClr val="accent3">
+                <a:lumMod val="50000"/>
+              </a:schemeClr>
+            </a:solidFill>
+            <a:headEnd type="oval"/>
+          </a:ln>
+        </p:spPr>
+        <p:style>
+          <a:lnRef idx="1">
+            <a:schemeClr val="accent1"/>
+          </a:lnRef>
+          <a:fillRef idx="0">
+            <a:schemeClr val="accent1"/>
+          </a:fillRef>
+          <a:effectRef idx="0">
+            <a:schemeClr val="accent1"/>
+          </a:effectRef>
+          <a:fontRef idx="minor">
+            <a:schemeClr val="tx1"/>
+          </a:fontRef>
+        </p:style>
+      </p:cxnSp>
+      <p:sp>
+        <p:nvSpPr>
+          <p:cNvPr id="11" name="Titre 1">
+            <a:extLst>
+              <a:ext uri="{FF2B5EF4-FFF2-40B4-BE49-F238E27FC236}">
+                <a16:creationId xmlns:a16="http://schemas.microsoft.com/office/drawing/2014/main" id="{4E3F5479-058B-4FA8-92E9-18CAB8CDC5C5}"/>
+              </a:ext>
+            </a:extLst>
+          </p:cNvPr>
+          <p:cNvSpPr txBox="1">
+            <a:spLocks/>
+          </p:cNvSpPr>
+          <p:nvPr/>
+        </p:nvSpPr>
+        <p:spPr>
+          <a:xfrm>
+            <a:off x="228600" y="322168"/>
+            <a:ext cx="11734800" cy="775597"/>
+          </a:xfrm>
+          <a:prstGeom prst="rect">
+            <a:avLst/>
+          </a:prstGeom>
+        </p:spPr>
+        <p:txBody>
+          <a:bodyPr vert="horz" wrap="square" lIns="0" tIns="0" rIns="0" bIns="0" rtlCol="0" anchor="t">
+            <a:spAutoFit/>
+          </a:bodyPr>
+          <a:lstStyle>
+            <a:lvl1pPr algn="l" defTabSz="914400" rtl="0" eaLnBrk="1" latinLnBrk="0" hangingPunct="1">
+              <a:lnSpc>
+                <a:spcPct val="90000"/>
+              </a:lnSpc>
+              <a:spcBef>
+                <a:spcPct val="0"/>
+              </a:spcBef>
+              <a:buNone/>
+              <a:defRPr sz="4400" kern="1200">
+                <a:solidFill>
+                  <a:schemeClr val="tx1"/>
+                </a:solidFill>
+                <a:latin typeface="+mj-lt"/>
+                <a:ea typeface="+mj-ea"/>
+                <a:cs typeface="+mj-cs"/>
+              </a:defRPr>
+            </a:lvl1pPr>
+          </a:lstStyle>
+          <a:p>
+            <a:pPr algn="ctr" rtl="0"/>
+            <a:r>
+              <a:rPr lang="fr-FR" sz="2800" b="1" dirty="0">
+                <a:solidFill>
+                  <a:srgbClr val="095763"/>
+                </a:solidFill>
+              </a:rPr>
+              <a:t>Fonctionnalités de l’accueil</a:t>
+            </a:r>
+            <a:br>
+              <a:rPr lang="fr-FR" sz="2800" dirty="0">
+                <a:solidFill>
+                  <a:schemeClr val="tx1">
+                    <a:lumMod val="75000"/>
+                    <a:lumOff val="25000"/>
+                  </a:schemeClr>
+                </a:solidFill>
+              </a:rPr>
+            </a:br>
+            <a:endParaRPr lang="fr-FR" sz="2800" dirty="0">
+              <a:solidFill>
+                <a:schemeClr val="tx1">
+                  <a:lumMod val="75000"/>
+                  <a:lumOff val="25000"/>
+                </a:schemeClr>
+              </a:solidFill>
+            </a:endParaRPr>
+          </a:p>
+        </p:txBody>
+      </p:sp>
+      <p:cxnSp>
+        <p:nvCxnSpPr>
+          <p:cNvPr id="14" name="Connecteur droit 13">
+            <a:extLst>
+              <a:ext uri="{FF2B5EF4-FFF2-40B4-BE49-F238E27FC236}">
+                <a16:creationId xmlns:a16="http://schemas.microsoft.com/office/drawing/2014/main" id="{83E690F4-843A-47A5-8620-4FB01C0D8E68}"/>
+              </a:ext>
+              <a:ext uri="{C183D7F6-B498-43B3-948B-1728B52AA6E4}">
+                <adec:decorative xmlns:adec="http://schemas.microsoft.com/office/drawing/2017/decorative" val="1"/>
+              </a:ext>
+            </a:extLst>
+          </p:cNvPr>
+          <p:cNvCxnSpPr>
+            <a:cxnSpLocks/>
+          </p:cNvCxnSpPr>
+          <p:nvPr/>
+        </p:nvCxnSpPr>
+        <p:spPr>
+          <a:xfrm>
+            <a:off x="0" y="522898"/>
+            <a:ext cx="2877424" cy="0"/>
+          </a:xfrm>
+          <a:prstGeom prst="line">
+            <a:avLst/>
+          </a:prstGeom>
+          <a:ln>
+            <a:solidFill>
+              <a:schemeClr val="accent3">
+                <a:lumMod val="50000"/>
+              </a:schemeClr>
+            </a:solidFill>
+            <a:tailEnd type="oval"/>
+          </a:ln>
+        </p:spPr>
+        <p:style>
+          <a:lnRef idx="1">
+            <a:schemeClr val="accent1"/>
+          </a:lnRef>
+          <a:fillRef idx="0">
+            <a:schemeClr val="accent1"/>
+          </a:fillRef>
+          <a:effectRef idx="0">
+            <a:schemeClr val="accent1"/>
+          </a:effectRef>
+          <a:fontRef idx="minor">
+            <a:schemeClr val="tx1"/>
+          </a:fontRef>
+        </p:style>
+      </p:cxnSp>
+      <p:sp>
+        <p:nvSpPr>
+          <p:cNvPr id="56" name="Rectangle 55">
+            <a:extLst>
+              <a:ext uri="{FF2B5EF4-FFF2-40B4-BE49-F238E27FC236}">
+                <a16:creationId xmlns:a16="http://schemas.microsoft.com/office/drawing/2014/main" id="{B3283D92-3EEE-B06D-F4B4-EA560E67B579}"/>
+              </a:ext>
+            </a:extLst>
+          </p:cNvPr>
+          <p:cNvSpPr/>
+          <p:nvPr/>
+        </p:nvSpPr>
+        <p:spPr>
+          <a:xfrm>
+            <a:off x="1076604" y="2886560"/>
+            <a:ext cx="1371600" cy="984885"/>
+          </a:xfrm>
+          <a:prstGeom prst="rect">
+            <a:avLst/>
+          </a:prstGeom>
+        </p:spPr>
+        <p:txBody>
+          <a:bodyPr wrap="square" lIns="0" tIns="0" rIns="0" bIns="0" rtlCol="0">
+            <a:spAutoFit/>
+          </a:bodyPr>
+          <a:lstStyle/>
+          <a:p>
+            <a:pPr algn="ctr" rtl="0"/>
+            <a:r>
+              <a:rPr lang="fr-FR" sz="1600" b="1" dirty="0">
+                <a:solidFill>
+                  <a:schemeClr val="bg1"/>
+                </a:solidFill>
+              </a:rPr>
+              <a:t>Prendre en main les maquettes HTML/CSS</a:t>
+            </a:r>
+          </a:p>
+        </p:txBody>
+      </p:sp>
+      <p:sp>
+        <p:nvSpPr>
+          <p:cNvPr id="57" name="Rectangle 56">
+            <a:extLst>
+              <a:ext uri="{FF2B5EF4-FFF2-40B4-BE49-F238E27FC236}">
+                <a16:creationId xmlns:a16="http://schemas.microsoft.com/office/drawing/2014/main" id="{AA5922AD-940A-745F-635B-70CF97217C23}"/>
+              </a:ext>
+            </a:extLst>
+          </p:cNvPr>
+          <p:cNvSpPr/>
+          <p:nvPr/>
+        </p:nvSpPr>
+        <p:spPr>
+          <a:xfrm>
+            <a:off x="3243403" y="2886560"/>
+            <a:ext cx="1371600" cy="492443"/>
+          </a:xfrm>
+          <a:prstGeom prst="rect">
+            <a:avLst/>
+          </a:prstGeom>
+        </p:spPr>
+        <p:txBody>
+          <a:bodyPr wrap="square" lIns="0" tIns="0" rIns="0" bIns="0" rtlCol="0">
+            <a:spAutoFit/>
+          </a:bodyPr>
+          <a:lstStyle/>
+          <a:p>
+            <a:pPr algn="ctr" rtl="0"/>
+            <a:r>
+              <a:rPr lang="fr-FR" sz="1600" b="1" dirty="0">
+                <a:solidFill>
+                  <a:schemeClr val="bg1"/>
+                </a:solidFill>
+              </a:rPr>
+              <a:t>ANALYSE TECHNIQUE</a:t>
+            </a:r>
+          </a:p>
+        </p:txBody>
+      </p:sp>
+      <p:sp>
+        <p:nvSpPr>
+          <p:cNvPr id="58" name="Rectangle 57">
+            <a:extLst>
+              <a:ext uri="{FF2B5EF4-FFF2-40B4-BE49-F238E27FC236}">
+                <a16:creationId xmlns:a16="http://schemas.microsoft.com/office/drawing/2014/main" id="{10EEBB15-1E7D-818B-D16D-1F77BED266BB}"/>
+              </a:ext>
+            </a:extLst>
+          </p:cNvPr>
+          <p:cNvSpPr/>
+          <p:nvPr/>
+        </p:nvSpPr>
+        <p:spPr>
+          <a:xfrm>
+            <a:off x="5410201" y="2886560"/>
+            <a:ext cx="1371600" cy="492443"/>
+          </a:xfrm>
+          <a:prstGeom prst="rect">
+            <a:avLst/>
+          </a:prstGeom>
+        </p:spPr>
+        <p:txBody>
+          <a:bodyPr wrap="square" lIns="0" tIns="0" rIns="0" bIns="0" rtlCol="0">
+            <a:spAutoFit/>
+          </a:bodyPr>
+          <a:lstStyle/>
+          <a:p>
+            <a:pPr algn="ctr" rtl="0"/>
+            <a:r>
+              <a:rPr lang="fr-FR" sz="1600" b="1" dirty="0">
+                <a:solidFill>
+                  <a:schemeClr val="bg1"/>
+                </a:solidFill>
+              </a:rPr>
+              <a:t>ANALYSE FINANCIÈRE</a:t>
+            </a:r>
+          </a:p>
+        </p:txBody>
+      </p:sp>
+      <p:sp>
+        <p:nvSpPr>
+          <p:cNvPr id="59" name="Rectangle 58">
+            <a:extLst>
+              <a:ext uri="{FF2B5EF4-FFF2-40B4-BE49-F238E27FC236}">
+                <a16:creationId xmlns:a16="http://schemas.microsoft.com/office/drawing/2014/main" id="{B136944F-D1F7-3714-21B6-E19D90A5AECE}"/>
+              </a:ext>
+            </a:extLst>
+          </p:cNvPr>
+          <p:cNvSpPr/>
+          <p:nvPr/>
+        </p:nvSpPr>
+        <p:spPr>
+          <a:xfrm>
+            <a:off x="7577000" y="2886560"/>
+            <a:ext cx="1371600" cy="492443"/>
+          </a:xfrm>
+          <a:prstGeom prst="rect">
+            <a:avLst/>
+          </a:prstGeom>
+        </p:spPr>
+        <p:txBody>
+          <a:bodyPr wrap="square" lIns="0" tIns="0" rIns="0" bIns="0" rtlCol="0">
+            <a:spAutoFit/>
+          </a:bodyPr>
+          <a:lstStyle/>
+          <a:p>
+            <a:pPr algn="ctr" rtl="0"/>
+            <a:r>
+              <a:rPr lang="fr-FR" sz="1600" b="1" dirty="0">
+                <a:solidFill>
+                  <a:schemeClr val="bg1"/>
+                </a:solidFill>
+              </a:rPr>
+              <a:t>ANALYSE ÉCONOMIQUE</a:t>
+            </a:r>
+          </a:p>
+        </p:txBody>
+      </p:sp>
+      <p:sp>
+        <p:nvSpPr>
+          <p:cNvPr id="60" name="Rectangle 59">
+            <a:extLst>
+              <a:ext uri="{FF2B5EF4-FFF2-40B4-BE49-F238E27FC236}">
+                <a16:creationId xmlns:a16="http://schemas.microsoft.com/office/drawing/2014/main" id="{8652B7AB-60BA-6A0E-9709-0502A47A6D09}"/>
+              </a:ext>
+            </a:extLst>
+          </p:cNvPr>
+          <p:cNvSpPr/>
+          <p:nvPr/>
+        </p:nvSpPr>
+        <p:spPr>
+          <a:xfrm>
+            <a:off x="9745956" y="2886560"/>
+            <a:ext cx="1371600" cy="492443"/>
+          </a:xfrm>
+          <a:prstGeom prst="rect">
+            <a:avLst/>
+          </a:prstGeom>
+        </p:spPr>
+        <p:txBody>
+          <a:bodyPr wrap="square" lIns="0" tIns="0" rIns="0" bIns="0" rtlCol="0">
+            <a:spAutoFit/>
+          </a:bodyPr>
+          <a:lstStyle/>
+          <a:p>
+            <a:pPr algn="ctr" rtl="0"/>
+            <a:r>
+              <a:rPr lang="fr-FR" sz="1600" b="1" dirty="0">
+                <a:solidFill>
+                  <a:schemeClr val="bg1"/>
+                </a:solidFill>
+              </a:rPr>
+              <a:t>ANALYSE ÉCOLOGIQUE</a:t>
+            </a:r>
+          </a:p>
+        </p:txBody>
+      </p:sp>
+      <p:sp>
+        <p:nvSpPr>
+          <p:cNvPr id="12" name="ZoneTexte 11">
+            <a:extLst>
+              <a:ext uri="{FF2B5EF4-FFF2-40B4-BE49-F238E27FC236}">
+                <a16:creationId xmlns:a16="http://schemas.microsoft.com/office/drawing/2014/main" id="{BB4A5D15-C642-6736-2897-183D844E799C}"/>
+              </a:ext>
+            </a:extLst>
+          </p:cNvPr>
+          <p:cNvSpPr txBox="1"/>
+          <p:nvPr/>
+        </p:nvSpPr>
+        <p:spPr>
+          <a:xfrm>
+            <a:off x="529520" y="1609287"/>
+            <a:ext cx="11313075" cy="4585871"/>
+          </a:xfrm>
+          <a:prstGeom prst="rect">
+            <a:avLst/>
+          </a:prstGeom>
+          <a:noFill/>
+        </p:spPr>
+        <p:txBody>
+          <a:bodyPr wrap="square" rtlCol="0">
+            <a:spAutoFit/>
+          </a:bodyPr>
+          <a:lstStyle/>
+          <a:p>
+            <a:pPr algn="ctr"/>
+            <a:r>
+              <a:rPr lang="fr-FR" sz="2800" dirty="0">
+                <a:solidFill>
+                  <a:srgbClr val="095763"/>
+                </a:solidFill>
+              </a:rPr>
+              <a:t>Manipuler l’API</a:t>
+            </a:r>
+          </a:p>
+          <a:p>
+            <a:pPr algn="ctr"/>
+            <a:endParaRPr lang="fr-FR" sz="2400" dirty="0">
+              <a:solidFill>
+                <a:srgbClr val="095763"/>
+              </a:solidFill>
+            </a:endParaRPr>
+          </a:p>
+          <a:p>
+            <a:endParaRPr lang="fr-FR" sz="2000" u="sng" dirty="0">
+              <a:solidFill>
+                <a:srgbClr val="095763"/>
+              </a:solidFill>
+            </a:endParaRPr>
+          </a:p>
+          <a:p>
+            <a:r>
+              <a:rPr lang="fr-FR" sz="2000" u="sng" dirty="0">
+                <a:solidFill>
+                  <a:srgbClr val="095763"/>
+                </a:solidFill>
+              </a:rPr>
+              <a:t>Méthode </a:t>
+            </a:r>
+            <a:r>
+              <a:rPr lang="fr-FR" sz="2000" b="1" u="sng" dirty="0">
+                <a:solidFill>
+                  <a:srgbClr val="095763"/>
+                </a:solidFill>
+              </a:rPr>
+              <a:t>FETCH</a:t>
+            </a:r>
+            <a:r>
+              <a:rPr lang="fr-FR" sz="2000" b="1" dirty="0">
+                <a:solidFill>
+                  <a:srgbClr val="095763"/>
+                </a:solidFill>
+              </a:rPr>
+              <a:t> </a:t>
+            </a:r>
+            <a:r>
+              <a:rPr lang="fr-FR" sz="2000" dirty="0">
+                <a:solidFill>
+                  <a:srgbClr val="095763"/>
+                </a:solidFill>
+              </a:rPr>
+              <a:t>pour récupérer toutes les information relative à mes canapés.</a:t>
+            </a:r>
+          </a:p>
+          <a:p>
+            <a:endParaRPr lang="fr-FR" sz="2000" dirty="0"/>
+          </a:p>
+          <a:p>
+            <a:endParaRPr lang="fr-FR" sz="2000" dirty="0"/>
+          </a:p>
+          <a:p>
+            <a:pPr algn="ctr"/>
+            <a:r>
+              <a:rPr lang="fr-FR" sz="2000" spc="300" dirty="0" err="1">
+                <a:solidFill>
+                  <a:srgbClr val="095763"/>
+                </a:solidFill>
+                <a:hlinkClick r:id="rId3">
+                  <a:extLst>
+                    <a:ext uri="{A12FA001-AC4F-418D-AE19-62706E023703}">
+                      <ahyp:hlinkClr xmlns:ahyp="http://schemas.microsoft.com/office/drawing/2018/hyperlinkcolor" val="tx"/>
+                    </a:ext>
+                  </a:extLst>
+                </a:hlinkClick>
+              </a:rPr>
+              <a:t>Const</a:t>
+            </a:r>
+            <a:r>
+              <a:rPr lang="fr-FR" sz="2000" spc="300" dirty="0">
+                <a:solidFill>
+                  <a:srgbClr val="095763"/>
+                </a:solidFill>
+                <a:hlinkClick r:id="rId3">
+                  <a:extLst>
+                    <a:ext uri="{A12FA001-AC4F-418D-AE19-62706E023703}">
+                      <ahyp:hlinkClr xmlns:ahyp="http://schemas.microsoft.com/office/drawing/2018/hyperlinkcolor" val="tx"/>
+                    </a:ext>
+                  </a:extLst>
+                </a:hlinkClick>
+              </a:rPr>
+              <a:t> url = « https://localhost:3000/api/products</a:t>
+            </a:r>
+            <a:r>
+              <a:rPr lang="fr-FR" sz="2000" u="sng" spc="300" dirty="0">
+                <a:solidFill>
+                  <a:srgbClr val="095763"/>
+                </a:solidFill>
+              </a:rPr>
+              <a:t> »</a:t>
+            </a:r>
+          </a:p>
+          <a:p>
+            <a:pPr algn="ctr"/>
+            <a:endParaRPr lang="fr-FR" sz="2000" dirty="0"/>
+          </a:p>
+          <a:p>
+            <a:pPr algn="ctr"/>
+            <a:endParaRPr lang="fr-FR" sz="2000" dirty="0"/>
+          </a:p>
+          <a:p>
+            <a:r>
+              <a:rPr lang="fr-FR" sz="2000" b="1" u="sng" dirty="0">
+                <a:solidFill>
+                  <a:srgbClr val="095763"/>
+                </a:solidFill>
+              </a:rPr>
+              <a:t>Point important</a:t>
+            </a:r>
+            <a:r>
+              <a:rPr lang="fr-FR" sz="2000" b="1" dirty="0">
+                <a:solidFill>
+                  <a:srgbClr val="095763"/>
+                </a:solidFill>
+              </a:rPr>
+              <a:t> </a:t>
+            </a:r>
+            <a:r>
+              <a:rPr lang="fr-FR" sz="2000" dirty="0">
+                <a:solidFill>
+                  <a:srgbClr val="095763"/>
+                </a:solidFill>
+              </a:rPr>
+              <a:t>: après avoir installer </a:t>
+            </a:r>
+            <a:r>
+              <a:rPr lang="fr-FR" sz="2000" b="1" dirty="0">
+                <a:solidFill>
+                  <a:srgbClr val="095763"/>
+                </a:solidFill>
+              </a:rPr>
+              <a:t>THUNDER CLIENT, </a:t>
+            </a:r>
+            <a:r>
+              <a:rPr lang="fr-FR" sz="2000" dirty="0">
+                <a:solidFill>
+                  <a:srgbClr val="095763"/>
+                </a:solidFill>
+              </a:rPr>
+              <a:t>il faut activer temporairement le back (</a:t>
+            </a:r>
+            <a:r>
+              <a:rPr lang="fr-FR" sz="2000" dirty="0" err="1">
+                <a:solidFill>
+                  <a:srgbClr val="095763"/>
+                </a:solidFill>
+              </a:rPr>
+              <a:t>npm</a:t>
+            </a:r>
+            <a:r>
+              <a:rPr lang="fr-FR" sz="2000" dirty="0">
+                <a:solidFill>
+                  <a:srgbClr val="095763"/>
+                </a:solidFill>
+              </a:rPr>
+              <a:t> start) pour afficher les produits.</a:t>
+            </a:r>
+          </a:p>
+          <a:p>
+            <a:pPr algn="ctr"/>
+            <a:endParaRPr lang="fr-FR" sz="2000" dirty="0">
+              <a:solidFill>
+                <a:srgbClr val="095763"/>
+              </a:solidFill>
+            </a:endParaRPr>
+          </a:p>
+          <a:p>
+            <a:pPr algn="ctr"/>
+            <a:endParaRPr lang="fr-FR" sz="2000" dirty="0">
+              <a:solidFill>
+                <a:srgbClr val="095763"/>
+              </a:solidFill>
+            </a:endParaRPr>
+          </a:p>
+          <a:p>
+            <a:endParaRPr lang="fr-FR" sz="2000" dirty="0"/>
+          </a:p>
+        </p:txBody>
+      </p:sp>
+    </p:spTree>
+    <p:extLst>
+      <p:ext uri="{BB962C8B-B14F-4D97-AF65-F5344CB8AC3E}">
+        <p14:creationId xmlns:p14="http://schemas.microsoft.com/office/powerpoint/2010/main" val="3863117941"/>
+      </p:ext>
+    </p:extLst>
+  </p:cSld>
+  <p:clrMapOvr>
+    <a:masterClrMapping/>
+  </p:clrMapOvr>
+</p:sld>
+</file>
+
+<file path=ppt/slides/slide6.xml><?xml version="1.0" encoding="utf-8"?>
+<p:sld xmlns:a="http://schemas.openxmlformats.org/drawingml/2006/main" xmlns:r="http://schemas.openxmlformats.org/officeDocument/2006/relationships" xmlns:p="http://schemas.openxmlformats.org/presentationml/2006/main">
+  <p:cSld>
+    <p:spTree>
+      <p:nvGrpSpPr>
+        <p:cNvPr id="1" name=""/>
+        <p:cNvGrpSpPr/>
+        <p:nvPr/>
+      </p:nvGrpSpPr>
+      <p:grpSpPr>
+        <a:xfrm>
+          <a:off x="0" y="0"/>
+          <a:ext cx="0" cy="0"/>
+          <a:chOff x="0" y="0"/>
+          <a:chExt cx="0" cy="0"/>
+        </a:xfrm>
+      </p:grpSpPr>
+      <p:sp>
+        <p:nvSpPr>
+          <p:cNvPr id="4" name="Titre 3" hidden="1">
+            <a:extLst>
+              <a:ext uri="{FF2B5EF4-FFF2-40B4-BE49-F238E27FC236}">
+                <a16:creationId xmlns:a16="http://schemas.microsoft.com/office/drawing/2014/main" id="{B5981CF1-BC08-49F8-B0F9-AAF98EC67450}"/>
+              </a:ext>
+            </a:extLst>
+          </p:cNvPr>
+          <p:cNvSpPr>
+            <a:spLocks noGrp="1"/>
+          </p:cNvSpPr>
+          <p:nvPr>
+            <p:ph type="title" idx="4294967295"/>
+          </p:nvPr>
+        </p:nvSpPr>
+        <p:spPr>
+          <a:xfrm>
+            <a:off x="0" y="365125"/>
+            <a:ext cx="10515600" cy="1325563"/>
+          </a:xfrm>
+        </p:spPr>
+        <p:txBody>
+          <a:bodyPr rtlCol="0"/>
+          <a:lstStyle/>
+          <a:p>
+            <a:r>
+              <a:rPr lang="fr-FR" dirty="0"/>
+              <a:t>Analyse du projet : diapositive </a:t>
+            </a:r>
+            <a:r>
+              <a:rPr lang="fr" dirty="0"/>
+              <a:t>2</a:t>
+            </a:r>
+          </a:p>
+        </p:txBody>
+      </p:sp>
+      <p:cxnSp>
+        <p:nvCxnSpPr>
+          <p:cNvPr id="8" name="Connecteur droit 7">
+            <a:extLst>
+              <a:ext uri="{FF2B5EF4-FFF2-40B4-BE49-F238E27FC236}">
+                <a16:creationId xmlns:a16="http://schemas.microsoft.com/office/drawing/2014/main" id="{D0986099-F5F2-4E8B-BE17-81194861A00C}"/>
+              </a:ext>
+              <a:ext uri="{C183D7F6-B498-43B3-948B-1728B52AA6E4}">
+                <adec:decorative xmlns:adec="http://schemas.microsoft.com/office/drawing/2017/decorative" val="1"/>
+              </a:ext>
+            </a:extLst>
+          </p:cNvPr>
+          <p:cNvCxnSpPr>
+            <a:cxnSpLocks/>
+          </p:cNvCxnSpPr>
+          <p:nvPr/>
+        </p:nvCxnSpPr>
+        <p:spPr>
+          <a:xfrm>
+            <a:off x="9745956" y="522898"/>
+            <a:ext cx="2446044" cy="0"/>
+          </a:xfrm>
+          <a:prstGeom prst="line">
+            <a:avLst/>
+          </a:prstGeom>
+          <a:ln>
+            <a:solidFill>
+              <a:schemeClr val="accent3">
+                <a:lumMod val="50000"/>
+              </a:schemeClr>
+            </a:solidFill>
+            <a:headEnd type="oval"/>
+          </a:ln>
+        </p:spPr>
+        <p:style>
+          <a:lnRef idx="1">
+            <a:schemeClr val="accent1"/>
+          </a:lnRef>
+          <a:fillRef idx="0">
+            <a:schemeClr val="accent1"/>
+          </a:fillRef>
+          <a:effectRef idx="0">
+            <a:schemeClr val="accent1"/>
+          </a:effectRef>
+          <a:fontRef idx="minor">
+            <a:schemeClr val="tx1"/>
+          </a:fontRef>
+        </p:style>
+      </p:cxnSp>
+      <p:sp>
+        <p:nvSpPr>
+          <p:cNvPr id="11" name="Titre 1">
+            <a:extLst>
+              <a:ext uri="{FF2B5EF4-FFF2-40B4-BE49-F238E27FC236}">
+                <a16:creationId xmlns:a16="http://schemas.microsoft.com/office/drawing/2014/main" id="{4E3F5479-058B-4FA8-92E9-18CAB8CDC5C5}"/>
+              </a:ext>
+            </a:extLst>
+          </p:cNvPr>
+          <p:cNvSpPr txBox="1">
+            <a:spLocks/>
+          </p:cNvSpPr>
+          <p:nvPr/>
+        </p:nvSpPr>
+        <p:spPr>
+          <a:xfrm>
+            <a:off x="228600" y="322168"/>
+            <a:ext cx="11734800" cy="775597"/>
+          </a:xfrm>
+          <a:prstGeom prst="rect">
+            <a:avLst/>
+          </a:prstGeom>
+        </p:spPr>
+        <p:txBody>
+          <a:bodyPr vert="horz" wrap="square" lIns="0" tIns="0" rIns="0" bIns="0" rtlCol="0" anchor="t">
+            <a:spAutoFit/>
+          </a:bodyPr>
+          <a:lstStyle>
+            <a:lvl1pPr algn="l" defTabSz="914400" rtl="0" eaLnBrk="1" latinLnBrk="0" hangingPunct="1">
+              <a:lnSpc>
+                <a:spcPct val="90000"/>
+              </a:lnSpc>
+              <a:spcBef>
+                <a:spcPct val="0"/>
+              </a:spcBef>
+              <a:buNone/>
+              <a:defRPr sz="4400" kern="1200">
+                <a:solidFill>
+                  <a:schemeClr val="tx1"/>
+                </a:solidFill>
+                <a:latin typeface="+mj-lt"/>
+                <a:ea typeface="+mj-ea"/>
+                <a:cs typeface="+mj-cs"/>
+              </a:defRPr>
+            </a:lvl1pPr>
+          </a:lstStyle>
+          <a:p>
+            <a:pPr algn="ctr" rtl="0"/>
+            <a:r>
+              <a:rPr lang="fr-FR" sz="2800" b="1" dirty="0">
+                <a:solidFill>
+                  <a:srgbClr val="095763"/>
+                </a:solidFill>
+              </a:rPr>
+              <a:t>Fonctionnalités de la page produit </a:t>
+            </a:r>
+            <a:br>
+              <a:rPr lang="fr-FR" sz="2800" dirty="0">
+                <a:solidFill>
+                  <a:schemeClr val="tx1">
+                    <a:lumMod val="75000"/>
+                    <a:lumOff val="25000"/>
+                  </a:schemeClr>
+                </a:solidFill>
+              </a:rPr>
+            </a:br>
+            <a:endParaRPr lang="fr-FR" sz="2800" dirty="0">
+              <a:solidFill>
+                <a:schemeClr val="tx1">
+                  <a:lumMod val="75000"/>
+                  <a:lumOff val="25000"/>
+                </a:schemeClr>
+              </a:solidFill>
+            </a:endParaRPr>
+          </a:p>
+        </p:txBody>
+      </p:sp>
+      <p:cxnSp>
+        <p:nvCxnSpPr>
+          <p:cNvPr id="14" name="Connecteur droit 13">
+            <a:extLst>
+              <a:ext uri="{FF2B5EF4-FFF2-40B4-BE49-F238E27FC236}">
+                <a16:creationId xmlns:a16="http://schemas.microsoft.com/office/drawing/2014/main" id="{83E690F4-843A-47A5-8620-4FB01C0D8E68}"/>
+              </a:ext>
+              <a:ext uri="{C183D7F6-B498-43B3-948B-1728B52AA6E4}">
+                <adec:decorative xmlns:adec="http://schemas.microsoft.com/office/drawing/2017/decorative" val="1"/>
+              </a:ext>
+            </a:extLst>
+          </p:cNvPr>
+          <p:cNvCxnSpPr>
+            <a:cxnSpLocks/>
+          </p:cNvCxnSpPr>
+          <p:nvPr/>
+        </p:nvCxnSpPr>
+        <p:spPr>
+          <a:xfrm>
+            <a:off x="0" y="522898"/>
+            <a:ext cx="2542478" cy="0"/>
+          </a:xfrm>
+          <a:prstGeom prst="line">
+            <a:avLst/>
+          </a:prstGeom>
+          <a:ln>
+            <a:solidFill>
+              <a:schemeClr val="accent3">
+                <a:lumMod val="50000"/>
+              </a:schemeClr>
+            </a:solidFill>
+            <a:tailEnd type="oval"/>
+          </a:ln>
+        </p:spPr>
+        <p:style>
+          <a:lnRef idx="1">
+            <a:schemeClr val="accent1"/>
+          </a:lnRef>
+          <a:fillRef idx="0">
+            <a:schemeClr val="accent1"/>
+          </a:fillRef>
+          <a:effectRef idx="0">
+            <a:schemeClr val="accent1"/>
+          </a:effectRef>
+          <a:fontRef idx="minor">
+            <a:schemeClr val="tx1"/>
+          </a:fontRef>
+        </p:style>
+      </p:cxnSp>
+      <p:sp>
+        <p:nvSpPr>
+          <p:cNvPr id="56" name="Rectangle 55">
+            <a:extLst>
+              <a:ext uri="{FF2B5EF4-FFF2-40B4-BE49-F238E27FC236}">
+                <a16:creationId xmlns:a16="http://schemas.microsoft.com/office/drawing/2014/main" id="{B3283D92-3EEE-B06D-F4B4-EA560E67B579}"/>
+              </a:ext>
+            </a:extLst>
+          </p:cNvPr>
+          <p:cNvSpPr/>
+          <p:nvPr/>
+        </p:nvSpPr>
+        <p:spPr>
+          <a:xfrm>
+            <a:off x="1076604" y="2886560"/>
+            <a:ext cx="1371600" cy="984885"/>
+          </a:xfrm>
+          <a:prstGeom prst="rect">
+            <a:avLst/>
+          </a:prstGeom>
+        </p:spPr>
+        <p:txBody>
+          <a:bodyPr wrap="square" lIns="0" tIns="0" rIns="0" bIns="0" rtlCol="0">
+            <a:spAutoFit/>
+          </a:bodyPr>
+          <a:lstStyle/>
+          <a:p>
+            <a:pPr algn="ctr" rtl="0"/>
+            <a:r>
+              <a:rPr lang="fr-FR" sz="1600" b="1" dirty="0">
+                <a:solidFill>
+                  <a:schemeClr val="bg1"/>
+                </a:solidFill>
+              </a:rPr>
+              <a:t>Prendre en main les maquettes HTML/CSS</a:t>
+            </a:r>
+          </a:p>
+        </p:txBody>
+      </p:sp>
+      <p:sp>
+        <p:nvSpPr>
+          <p:cNvPr id="57" name="Rectangle 56">
+            <a:extLst>
+              <a:ext uri="{FF2B5EF4-FFF2-40B4-BE49-F238E27FC236}">
+                <a16:creationId xmlns:a16="http://schemas.microsoft.com/office/drawing/2014/main" id="{AA5922AD-940A-745F-635B-70CF97217C23}"/>
+              </a:ext>
+            </a:extLst>
+          </p:cNvPr>
+          <p:cNvSpPr/>
+          <p:nvPr/>
+        </p:nvSpPr>
+        <p:spPr>
+          <a:xfrm>
+            <a:off x="3243403" y="2886560"/>
+            <a:ext cx="1371600" cy="492443"/>
+          </a:xfrm>
+          <a:prstGeom prst="rect">
+            <a:avLst/>
+          </a:prstGeom>
+        </p:spPr>
+        <p:txBody>
+          <a:bodyPr wrap="square" lIns="0" tIns="0" rIns="0" bIns="0" rtlCol="0">
+            <a:spAutoFit/>
+          </a:bodyPr>
+          <a:lstStyle/>
+          <a:p>
+            <a:pPr algn="ctr" rtl="0"/>
+            <a:r>
+              <a:rPr lang="fr-FR" sz="1600" b="1" dirty="0">
+                <a:solidFill>
+                  <a:schemeClr val="bg1"/>
+                </a:solidFill>
+              </a:rPr>
+              <a:t>ANALYSE TECHNIQUE</a:t>
+            </a:r>
+          </a:p>
+        </p:txBody>
+      </p:sp>
+      <p:sp>
+        <p:nvSpPr>
+          <p:cNvPr id="58" name="Rectangle 57">
+            <a:extLst>
+              <a:ext uri="{FF2B5EF4-FFF2-40B4-BE49-F238E27FC236}">
+                <a16:creationId xmlns:a16="http://schemas.microsoft.com/office/drawing/2014/main" id="{10EEBB15-1E7D-818B-D16D-1F77BED266BB}"/>
+              </a:ext>
+            </a:extLst>
+          </p:cNvPr>
+          <p:cNvSpPr/>
+          <p:nvPr/>
+        </p:nvSpPr>
+        <p:spPr>
+          <a:xfrm>
+            <a:off x="5410201" y="2886560"/>
+            <a:ext cx="1371600" cy="492443"/>
+          </a:xfrm>
+          <a:prstGeom prst="rect">
+            <a:avLst/>
+          </a:prstGeom>
+        </p:spPr>
+        <p:txBody>
+          <a:bodyPr wrap="square" lIns="0" tIns="0" rIns="0" bIns="0" rtlCol="0">
+            <a:spAutoFit/>
+          </a:bodyPr>
+          <a:lstStyle/>
+          <a:p>
+            <a:pPr algn="ctr" rtl="0"/>
+            <a:r>
+              <a:rPr lang="fr-FR" sz="1600" b="1" dirty="0">
+                <a:solidFill>
+                  <a:schemeClr val="bg1"/>
+                </a:solidFill>
+              </a:rPr>
+              <a:t>ANALYSE FINANCIÈRE</a:t>
+            </a:r>
+          </a:p>
+        </p:txBody>
+      </p:sp>
+      <p:sp>
+        <p:nvSpPr>
+          <p:cNvPr id="59" name="Rectangle 58">
+            <a:extLst>
+              <a:ext uri="{FF2B5EF4-FFF2-40B4-BE49-F238E27FC236}">
+                <a16:creationId xmlns:a16="http://schemas.microsoft.com/office/drawing/2014/main" id="{B136944F-D1F7-3714-21B6-E19D90A5AECE}"/>
+              </a:ext>
+            </a:extLst>
+          </p:cNvPr>
+          <p:cNvSpPr/>
+          <p:nvPr/>
+        </p:nvSpPr>
+        <p:spPr>
+          <a:xfrm>
+            <a:off x="7577000" y="2886560"/>
+            <a:ext cx="1371600" cy="492443"/>
+          </a:xfrm>
+          <a:prstGeom prst="rect">
+            <a:avLst/>
+          </a:prstGeom>
+        </p:spPr>
+        <p:txBody>
+          <a:bodyPr wrap="square" lIns="0" tIns="0" rIns="0" bIns="0" rtlCol="0">
+            <a:spAutoFit/>
+          </a:bodyPr>
+          <a:lstStyle/>
+          <a:p>
+            <a:pPr algn="ctr" rtl="0"/>
+            <a:r>
+              <a:rPr lang="fr-FR" sz="1600" b="1" dirty="0">
+                <a:solidFill>
+                  <a:schemeClr val="bg1"/>
+                </a:solidFill>
+              </a:rPr>
+              <a:t>ANALYSE ÉCONOMIQUE</a:t>
+            </a:r>
+          </a:p>
+        </p:txBody>
+      </p:sp>
+      <p:sp>
+        <p:nvSpPr>
+          <p:cNvPr id="60" name="Rectangle 59">
+            <a:extLst>
+              <a:ext uri="{FF2B5EF4-FFF2-40B4-BE49-F238E27FC236}">
+                <a16:creationId xmlns:a16="http://schemas.microsoft.com/office/drawing/2014/main" id="{8652B7AB-60BA-6A0E-9709-0502A47A6D09}"/>
+              </a:ext>
+            </a:extLst>
+          </p:cNvPr>
+          <p:cNvSpPr/>
+          <p:nvPr/>
+        </p:nvSpPr>
+        <p:spPr>
+          <a:xfrm>
+            <a:off x="9745956" y="2886560"/>
+            <a:ext cx="1371600" cy="492443"/>
+          </a:xfrm>
+          <a:prstGeom prst="rect">
+            <a:avLst/>
+          </a:prstGeom>
+        </p:spPr>
+        <p:txBody>
+          <a:bodyPr wrap="square" lIns="0" tIns="0" rIns="0" bIns="0" rtlCol="0">
+            <a:spAutoFit/>
+          </a:bodyPr>
+          <a:lstStyle/>
+          <a:p>
+            <a:pPr algn="ctr" rtl="0"/>
+            <a:r>
+              <a:rPr lang="fr-FR" sz="1600" b="1" dirty="0">
+                <a:solidFill>
+                  <a:schemeClr val="bg1"/>
+                </a:solidFill>
+              </a:rPr>
+              <a:t>ANALYSE ÉCOLOGIQUE</a:t>
+            </a:r>
+          </a:p>
+        </p:txBody>
+      </p:sp>
+      <p:sp>
+        <p:nvSpPr>
+          <p:cNvPr id="12" name="ZoneTexte 11">
+            <a:extLst>
+              <a:ext uri="{FF2B5EF4-FFF2-40B4-BE49-F238E27FC236}">
+                <a16:creationId xmlns:a16="http://schemas.microsoft.com/office/drawing/2014/main" id="{A6F72B9C-BA61-2D35-4DDD-FC6C892FC351}"/>
+              </a:ext>
+            </a:extLst>
+          </p:cNvPr>
+          <p:cNvSpPr txBox="1"/>
+          <p:nvPr/>
+        </p:nvSpPr>
+        <p:spPr>
+          <a:xfrm>
+            <a:off x="439462" y="2260131"/>
+            <a:ext cx="11313075" cy="2862322"/>
+          </a:xfrm>
+          <a:prstGeom prst="rect">
+            <a:avLst/>
+          </a:prstGeom>
+          <a:noFill/>
+        </p:spPr>
+        <p:txBody>
+          <a:bodyPr wrap="square" rtlCol="0">
+            <a:spAutoFit/>
+          </a:bodyPr>
+          <a:lstStyle/>
+          <a:p>
+            <a:pPr marL="285750" indent="-285750" algn="ctr">
+              <a:buFont typeface="Arial" panose="020B0604020202020204" pitchFamily="34" charset="0"/>
+              <a:buChar char="•"/>
+            </a:pPr>
+            <a:r>
+              <a:rPr lang="fr-FR" sz="2000" dirty="0">
+                <a:solidFill>
+                  <a:srgbClr val="095763"/>
+                </a:solidFill>
+              </a:rPr>
+              <a:t>La page produit devait afficher les informations que d’un seul produit.</a:t>
+            </a:r>
+          </a:p>
+          <a:p>
+            <a:pPr marL="285750" indent="-285750" algn="ctr">
+              <a:buFont typeface="Arial" panose="020B0604020202020204" pitchFamily="34" charset="0"/>
+              <a:buChar char="•"/>
+            </a:pPr>
+            <a:endParaRPr lang="fr-FR" sz="2000" dirty="0">
+              <a:solidFill>
+                <a:srgbClr val="095763"/>
+              </a:solidFill>
+            </a:endParaRPr>
+          </a:p>
+          <a:p>
+            <a:pPr marL="285750" indent="-285750" algn="ctr">
+              <a:buFont typeface="Arial" panose="020B0604020202020204" pitchFamily="34" charset="0"/>
+              <a:buChar char="•"/>
+            </a:pPr>
+            <a:endParaRPr lang="fr-FR" sz="2000" dirty="0">
+              <a:solidFill>
+                <a:srgbClr val="095763"/>
+              </a:solidFill>
+            </a:endParaRPr>
+          </a:p>
+          <a:p>
+            <a:pPr marL="285750" indent="-285750" algn="ctr">
+              <a:buFont typeface="Arial" panose="020B0604020202020204" pitchFamily="34" charset="0"/>
+              <a:buChar char="•"/>
+            </a:pPr>
+            <a:r>
+              <a:rPr lang="fr-FR" sz="2000" dirty="0">
+                <a:solidFill>
+                  <a:srgbClr val="095763"/>
+                </a:solidFill>
+              </a:rPr>
+              <a:t>Ces produits peuvent avoir différentes couleurs qui sont sélectionnable par l’utilisateur.</a:t>
+            </a:r>
+          </a:p>
+          <a:p>
+            <a:pPr marL="285750" indent="-285750" algn="ctr">
+              <a:buFont typeface="Arial" panose="020B0604020202020204" pitchFamily="34" charset="0"/>
+              <a:buChar char="•"/>
+            </a:pPr>
+            <a:endParaRPr lang="fr-FR" sz="2000" dirty="0">
+              <a:solidFill>
+                <a:srgbClr val="095763"/>
+              </a:solidFill>
+            </a:endParaRPr>
+          </a:p>
+          <a:p>
+            <a:pPr marL="285750" indent="-285750" algn="ctr">
+              <a:buFont typeface="Arial" panose="020B0604020202020204" pitchFamily="34" charset="0"/>
+              <a:buChar char="•"/>
+            </a:pPr>
+            <a:endParaRPr lang="fr-FR" sz="2000" dirty="0">
+              <a:solidFill>
+                <a:srgbClr val="095763"/>
+              </a:solidFill>
+            </a:endParaRPr>
+          </a:p>
+          <a:p>
+            <a:pPr marL="285750" indent="-285750" algn="ctr">
+              <a:buFont typeface="Arial" panose="020B0604020202020204" pitchFamily="34" charset="0"/>
+              <a:buChar char="•"/>
+            </a:pPr>
+            <a:r>
+              <a:rPr lang="fr-FR" sz="2000" dirty="0">
+                <a:solidFill>
+                  <a:srgbClr val="095763"/>
+                </a:solidFill>
+              </a:rPr>
+              <a:t>Évidemment, l’ajout au panier était l’une des fonctionnalités essentielles de cette page.</a:t>
+            </a:r>
+          </a:p>
+          <a:p>
+            <a:pPr algn="ctr"/>
+            <a:endParaRPr lang="fr-FR" sz="2000" dirty="0">
+              <a:solidFill>
+                <a:srgbClr val="095763"/>
+              </a:solidFill>
+            </a:endParaRPr>
+          </a:p>
+          <a:p>
+            <a:endParaRPr lang="fr-FR" sz="2000" dirty="0"/>
+          </a:p>
+        </p:txBody>
+      </p:sp>
+    </p:spTree>
+    <p:extLst>
+      <p:ext uri="{BB962C8B-B14F-4D97-AF65-F5344CB8AC3E}">
+        <p14:creationId xmlns:p14="http://schemas.microsoft.com/office/powerpoint/2010/main" val="3722726038"/>
+      </p:ext>
+    </p:extLst>
+  </p:cSld>
+  <p:clrMapOvr>
+    <a:masterClrMapping/>
+  </p:clrMapOvr>
+</p:sld>
+</file>
+
+<file path=ppt/slides/slide7.xml><?xml version="1.0" encoding="utf-8"?>
+<p:sld xmlns:a="http://schemas.openxmlformats.org/drawingml/2006/main" xmlns:r="http://schemas.openxmlformats.org/officeDocument/2006/relationships" xmlns:p="http://schemas.openxmlformats.org/presentationml/2006/main">
+  <p:cSld>
+    <p:spTree>
+      <p:nvGrpSpPr>
+        <p:cNvPr id="1" name=""/>
+        <p:cNvGrpSpPr/>
+        <p:nvPr/>
+      </p:nvGrpSpPr>
+      <p:grpSpPr>
+        <a:xfrm>
+          <a:off x="0" y="0"/>
+          <a:ext cx="0" cy="0"/>
+          <a:chOff x="0" y="0"/>
+          <a:chExt cx="0" cy="0"/>
+        </a:xfrm>
+      </p:grpSpPr>
+      <p:sp>
+        <p:nvSpPr>
+          <p:cNvPr id="4" name="Titre 3" hidden="1">
+            <a:extLst>
+              <a:ext uri="{FF2B5EF4-FFF2-40B4-BE49-F238E27FC236}">
+                <a16:creationId xmlns:a16="http://schemas.microsoft.com/office/drawing/2014/main" id="{B5981CF1-BC08-49F8-B0F9-AAF98EC67450}"/>
+              </a:ext>
+            </a:extLst>
+          </p:cNvPr>
+          <p:cNvSpPr>
+            <a:spLocks noGrp="1"/>
+          </p:cNvSpPr>
+          <p:nvPr>
+            <p:ph type="title" idx="4294967295"/>
+          </p:nvPr>
+        </p:nvSpPr>
+        <p:spPr>
+          <a:xfrm>
+            <a:off x="0" y="365125"/>
+            <a:ext cx="10515600" cy="1325563"/>
+          </a:xfrm>
+        </p:spPr>
+        <p:txBody>
+          <a:bodyPr rtlCol="0"/>
+          <a:lstStyle/>
+          <a:p>
+            <a:r>
+              <a:rPr lang="fr-FR" dirty="0"/>
+              <a:t>Analyse du projet : diapositive </a:t>
+            </a:r>
+            <a:r>
+              <a:rPr lang="fr" dirty="0"/>
+              <a:t>2</a:t>
+            </a:r>
+          </a:p>
+        </p:txBody>
+      </p:sp>
+      <p:cxnSp>
+        <p:nvCxnSpPr>
+          <p:cNvPr id="8" name="Connecteur droit 7">
+            <a:extLst>
+              <a:ext uri="{FF2B5EF4-FFF2-40B4-BE49-F238E27FC236}">
+                <a16:creationId xmlns:a16="http://schemas.microsoft.com/office/drawing/2014/main" id="{D0986099-F5F2-4E8B-BE17-81194861A00C}"/>
+              </a:ext>
+              <a:ext uri="{C183D7F6-B498-43B3-948B-1728B52AA6E4}">
+                <adec:decorative xmlns:adec="http://schemas.microsoft.com/office/drawing/2017/decorative" val="1"/>
+              </a:ext>
+            </a:extLst>
+          </p:cNvPr>
+          <p:cNvCxnSpPr>
+            <a:cxnSpLocks/>
+          </p:cNvCxnSpPr>
+          <p:nvPr/>
+        </p:nvCxnSpPr>
+        <p:spPr>
+          <a:xfrm>
+            <a:off x="9303391" y="522898"/>
+            <a:ext cx="2888609" cy="0"/>
+          </a:xfrm>
+          <a:prstGeom prst="line">
+            <a:avLst/>
+          </a:prstGeom>
+          <a:ln>
+            <a:solidFill>
+              <a:schemeClr val="accent3">
+                <a:lumMod val="50000"/>
+              </a:schemeClr>
+            </a:solidFill>
+            <a:headEnd type="oval"/>
+          </a:ln>
+        </p:spPr>
+        <p:style>
+          <a:lnRef idx="1">
+            <a:schemeClr val="accent1"/>
+          </a:lnRef>
+          <a:fillRef idx="0">
+            <a:schemeClr val="accent1"/>
+          </a:fillRef>
+          <a:effectRef idx="0">
+            <a:schemeClr val="accent1"/>
+          </a:effectRef>
+          <a:fontRef idx="minor">
+            <a:schemeClr val="tx1"/>
+          </a:fontRef>
+        </p:style>
+      </p:cxnSp>
+      <p:sp>
+        <p:nvSpPr>
+          <p:cNvPr id="11" name="Titre 1">
+            <a:extLst>
+              <a:ext uri="{FF2B5EF4-FFF2-40B4-BE49-F238E27FC236}">
+                <a16:creationId xmlns:a16="http://schemas.microsoft.com/office/drawing/2014/main" id="{4E3F5479-058B-4FA8-92E9-18CAB8CDC5C5}"/>
+              </a:ext>
+            </a:extLst>
+          </p:cNvPr>
+          <p:cNvSpPr txBox="1">
+            <a:spLocks/>
+          </p:cNvSpPr>
+          <p:nvPr/>
+        </p:nvSpPr>
+        <p:spPr>
+          <a:xfrm>
+            <a:off x="228600" y="322168"/>
+            <a:ext cx="11734800" cy="775597"/>
+          </a:xfrm>
+          <a:prstGeom prst="rect">
+            <a:avLst/>
+          </a:prstGeom>
+        </p:spPr>
+        <p:txBody>
+          <a:bodyPr vert="horz" wrap="square" lIns="0" tIns="0" rIns="0" bIns="0" rtlCol="0" anchor="t">
+            <a:spAutoFit/>
+          </a:bodyPr>
+          <a:lstStyle>
+            <a:lvl1pPr algn="l" defTabSz="914400" rtl="0" eaLnBrk="1" latinLnBrk="0" hangingPunct="1">
+              <a:lnSpc>
+                <a:spcPct val="90000"/>
+              </a:lnSpc>
+              <a:spcBef>
+                <a:spcPct val="0"/>
+              </a:spcBef>
+              <a:buNone/>
+              <a:defRPr sz="4400" kern="1200">
+                <a:solidFill>
+                  <a:schemeClr val="tx1"/>
+                </a:solidFill>
+                <a:latin typeface="+mj-lt"/>
+                <a:ea typeface="+mj-ea"/>
+                <a:cs typeface="+mj-cs"/>
+              </a:defRPr>
+            </a:lvl1pPr>
+          </a:lstStyle>
+          <a:p>
+            <a:pPr algn="ctr" rtl="0"/>
+            <a:r>
+              <a:rPr lang="fr-FR" sz="2800" b="1" dirty="0">
+                <a:solidFill>
+                  <a:srgbClr val="095763"/>
+                </a:solidFill>
+              </a:rPr>
+              <a:t>Fonctionnalités de la page panier</a:t>
+            </a:r>
+            <a:br>
+              <a:rPr lang="fr-FR" sz="2800" dirty="0">
+                <a:solidFill>
+                  <a:schemeClr val="tx1">
+                    <a:lumMod val="75000"/>
+                    <a:lumOff val="25000"/>
+                  </a:schemeClr>
+                </a:solidFill>
+              </a:rPr>
+            </a:br>
+            <a:endParaRPr lang="fr-FR" sz="2800" dirty="0">
+              <a:solidFill>
+                <a:schemeClr val="tx1">
+                  <a:lumMod val="75000"/>
+                  <a:lumOff val="25000"/>
+                </a:schemeClr>
+              </a:solidFill>
+            </a:endParaRPr>
+          </a:p>
+        </p:txBody>
+      </p:sp>
+      <p:cxnSp>
+        <p:nvCxnSpPr>
+          <p:cNvPr id="14" name="Connecteur droit 13">
+            <a:extLst>
+              <a:ext uri="{FF2B5EF4-FFF2-40B4-BE49-F238E27FC236}">
+                <a16:creationId xmlns:a16="http://schemas.microsoft.com/office/drawing/2014/main" id="{83E690F4-843A-47A5-8620-4FB01C0D8E68}"/>
+              </a:ext>
+              <a:ext uri="{C183D7F6-B498-43B3-948B-1728B52AA6E4}">
+                <adec:decorative xmlns:adec="http://schemas.microsoft.com/office/drawing/2017/decorative" val="1"/>
+              </a:ext>
+            </a:extLst>
+          </p:cNvPr>
+          <p:cNvCxnSpPr>
+            <a:cxnSpLocks/>
+          </p:cNvCxnSpPr>
+          <p:nvPr/>
+        </p:nvCxnSpPr>
+        <p:spPr>
+          <a:xfrm>
+            <a:off x="0" y="522898"/>
+            <a:ext cx="2877424" cy="0"/>
+          </a:xfrm>
+          <a:prstGeom prst="line">
+            <a:avLst/>
+          </a:prstGeom>
+          <a:ln>
+            <a:solidFill>
+              <a:schemeClr val="accent3">
+                <a:lumMod val="50000"/>
+              </a:schemeClr>
+            </a:solidFill>
+            <a:tailEnd type="oval"/>
+          </a:ln>
+        </p:spPr>
+        <p:style>
+          <a:lnRef idx="1">
+            <a:schemeClr val="accent1"/>
+          </a:lnRef>
+          <a:fillRef idx="0">
+            <a:schemeClr val="accent1"/>
+          </a:fillRef>
+          <a:effectRef idx="0">
+            <a:schemeClr val="accent1"/>
+          </a:effectRef>
+          <a:fontRef idx="minor">
+            <a:schemeClr val="tx1"/>
+          </a:fontRef>
+        </p:style>
+      </p:cxnSp>
+      <p:sp>
+        <p:nvSpPr>
+          <p:cNvPr id="56" name="Rectangle 55">
+            <a:extLst>
+              <a:ext uri="{FF2B5EF4-FFF2-40B4-BE49-F238E27FC236}">
+                <a16:creationId xmlns:a16="http://schemas.microsoft.com/office/drawing/2014/main" id="{B3283D92-3EEE-B06D-F4B4-EA560E67B579}"/>
+              </a:ext>
+            </a:extLst>
+          </p:cNvPr>
+          <p:cNvSpPr/>
+          <p:nvPr/>
+        </p:nvSpPr>
+        <p:spPr>
+          <a:xfrm>
+            <a:off x="1076604" y="2886560"/>
+            <a:ext cx="1371600" cy="984885"/>
+          </a:xfrm>
+          <a:prstGeom prst="rect">
+            <a:avLst/>
+          </a:prstGeom>
+        </p:spPr>
+        <p:txBody>
+          <a:bodyPr wrap="square" lIns="0" tIns="0" rIns="0" bIns="0" rtlCol="0">
+            <a:spAutoFit/>
+          </a:bodyPr>
+          <a:lstStyle/>
+          <a:p>
+            <a:pPr algn="ctr" rtl="0"/>
+            <a:r>
+              <a:rPr lang="fr-FR" sz="1600" b="1" dirty="0">
+                <a:solidFill>
+                  <a:schemeClr val="bg1"/>
+                </a:solidFill>
+              </a:rPr>
+              <a:t>Prendre en main les maquettes HTML/CSS</a:t>
+            </a:r>
+          </a:p>
+        </p:txBody>
+      </p:sp>
+      <p:sp>
+        <p:nvSpPr>
+          <p:cNvPr id="58" name="Rectangle 57">
+            <a:extLst>
+              <a:ext uri="{FF2B5EF4-FFF2-40B4-BE49-F238E27FC236}">
+                <a16:creationId xmlns:a16="http://schemas.microsoft.com/office/drawing/2014/main" id="{10EEBB15-1E7D-818B-D16D-1F77BED266BB}"/>
+              </a:ext>
+            </a:extLst>
+          </p:cNvPr>
+          <p:cNvSpPr/>
+          <p:nvPr/>
+        </p:nvSpPr>
+        <p:spPr>
+          <a:xfrm>
+            <a:off x="5410201" y="2886560"/>
+            <a:ext cx="1371600" cy="492443"/>
+          </a:xfrm>
+          <a:prstGeom prst="rect">
+            <a:avLst/>
+          </a:prstGeom>
+        </p:spPr>
+        <p:txBody>
+          <a:bodyPr wrap="square" lIns="0" tIns="0" rIns="0" bIns="0" rtlCol="0">
+            <a:spAutoFit/>
+          </a:bodyPr>
+          <a:lstStyle/>
+          <a:p>
+            <a:pPr algn="ctr" rtl="0"/>
+            <a:r>
+              <a:rPr lang="fr-FR" sz="1600" b="1" dirty="0">
+                <a:solidFill>
+                  <a:schemeClr val="bg1"/>
+                </a:solidFill>
+              </a:rPr>
+              <a:t>ANALYSE FINANCIÈRE</a:t>
+            </a:r>
+          </a:p>
+        </p:txBody>
+      </p:sp>
+      <p:sp>
+        <p:nvSpPr>
+          <p:cNvPr id="59" name="Rectangle 58">
+            <a:extLst>
+              <a:ext uri="{FF2B5EF4-FFF2-40B4-BE49-F238E27FC236}">
+                <a16:creationId xmlns:a16="http://schemas.microsoft.com/office/drawing/2014/main" id="{B136944F-D1F7-3714-21B6-E19D90A5AECE}"/>
+              </a:ext>
+            </a:extLst>
+          </p:cNvPr>
+          <p:cNvSpPr/>
+          <p:nvPr/>
+        </p:nvSpPr>
+        <p:spPr>
+          <a:xfrm>
+            <a:off x="7577000" y="2886560"/>
+            <a:ext cx="1371600" cy="492443"/>
+          </a:xfrm>
+          <a:prstGeom prst="rect">
+            <a:avLst/>
+          </a:prstGeom>
+        </p:spPr>
+        <p:txBody>
+          <a:bodyPr wrap="square" lIns="0" tIns="0" rIns="0" bIns="0" rtlCol="0">
+            <a:spAutoFit/>
+          </a:bodyPr>
+          <a:lstStyle/>
+          <a:p>
+            <a:pPr algn="ctr" rtl="0"/>
+            <a:r>
+              <a:rPr lang="fr-FR" sz="1600" b="1" dirty="0">
+                <a:solidFill>
+                  <a:schemeClr val="bg1"/>
+                </a:solidFill>
+              </a:rPr>
+              <a:t>ANALYSE ÉCONOMIQUE</a:t>
+            </a:r>
+          </a:p>
+        </p:txBody>
+      </p:sp>
+      <p:sp>
+        <p:nvSpPr>
+          <p:cNvPr id="60" name="Rectangle 59">
+            <a:extLst>
+              <a:ext uri="{FF2B5EF4-FFF2-40B4-BE49-F238E27FC236}">
+                <a16:creationId xmlns:a16="http://schemas.microsoft.com/office/drawing/2014/main" id="{8652B7AB-60BA-6A0E-9709-0502A47A6D09}"/>
+              </a:ext>
+            </a:extLst>
+          </p:cNvPr>
+          <p:cNvSpPr/>
+          <p:nvPr/>
+        </p:nvSpPr>
+        <p:spPr>
+          <a:xfrm>
+            <a:off x="9745956" y="2886560"/>
+            <a:ext cx="1371600" cy="492443"/>
+          </a:xfrm>
+          <a:prstGeom prst="rect">
+            <a:avLst/>
+          </a:prstGeom>
+        </p:spPr>
+        <p:txBody>
+          <a:bodyPr wrap="square" lIns="0" tIns="0" rIns="0" bIns="0" rtlCol="0">
+            <a:spAutoFit/>
+          </a:bodyPr>
+          <a:lstStyle/>
+          <a:p>
+            <a:pPr algn="ctr" rtl="0"/>
+            <a:r>
+              <a:rPr lang="fr-FR" sz="1600" b="1" dirty="0">
+                <a:solidFill>
+                  <a:schemeClr val="bg1"/>
+                </a:solidFill>
+              </a:rPr>
+              <a:t>ANALYSE ÉCOLOGIQUE</a:t>
+            </a:r>
+          </a:p>
+        </p:txBody>
+      </p:sp>
+      <p:sp>
+        <p:nvSpPr>
+          <p:cNvPr id="13" name="ZoneTexte 12">
+            <a:extLst>
+              <a:ext uri="{FF2B5EF4-FFF2-40B4-BE49-F238E27FC236}">
+                <a16:creationId xmlns:a16="http://schemas.microsoft.com/office/drawing/2014/main" id="{11212E76-2C44-C376-846E-9D6390F59F48}"/>
+              </a:ext>
+            </a:extLst>
+          </p:cNvPr>
+          <p:cNvSpPr txBox="1"/>
+          <p:nvPr/>
+        </p:nvSpPr>
+        <p:spPr>
+          <a:xfrm>
+            <a:off x="177490" y="1733383"/>
+            <a:ext cx="11837019" cy="5878532"/>
+          </a:xfrm>
+          <a:prstGeom prst="rect">
+            <a:avLst/>
+          </a:prstGeom>
+          <a:noFill/>
+        </p:spPr>
+        <p:txBody>
+          <a:bodyPr wrap="square" rtlCol="0">
+            <a:spAutoFit/>
+          </a:bodyPr>
+          <a:lstStyle/>
+          <a:p>
+            <a:pPr marL="285750" indent="-285750" algn="ctr">
+              <a:buFont typeface="Arial" panose="020B0604020202020204" pitchFamily="34" charset="0"/>
+              <a:buChar char="•"/>
+            </a:pPr>
+            <a:r>
+              <a:rPr lang="fr-FR" dirty="0">
+                <a:solidFill>
+                  <a:srgbClr val="095763"/>
+                </a:solidFill>
+              </a:rPr>
+              <a:t>La page panier est un récapitulatif de la commande mais contient également le formulaire permettant à l’utilisateur de saisir les informations le concernant pour recevoir sa commande.</a:t>
+            </a:r>
+          </a:p>
+          <a:p>
+            <a:pPr marL="285750" indent="-285750" algn="ctr">
+              <a:buFont typeface="Arial" panose="020B0604020202020204" pitchFamily="34" charset="0"/>
+              <a:buChar char="•"/>
+            </a:pPr>
+            <a:endParaRPr lang="fr-FR" dirty="0">
+              <a:solidFill>
+                <a:srgbClr val="095763"/>
+              </a:solidFill>
+            </a:endParaRPr>
+          </a:p>
+          <a:p>
+            <a:pPr marL="285750" indent="-285750" algn="ctr">
+              <a:buFont typeface="Arial" panose="020B0604020202020204" pitchFamily="34" charset="0"/>
+              <a:buChar char="•"/>
+            </a:pPr>
+            <a:endParaRPr lang="fr-FR" dirty="0">
+              <a:solidFill>
+                <a:srgbClr val="095763"/>
+              </a:solidFill>
+            </a:endParaRPr>
+          </a:p>
+          <a:p>
+            <a:pPr marL="285750" indent="-285750" algn="ctr">
+              <a:buFont typeface="Arial" panose="020B0604020202020204" pitchFamily="34" charset="0"/>
+              <a:buChar char="•"/>
+            </a:pPr>
+            <a:endParaRPr lang="fr-FR" dirty="0">
+              <a:solidFill>
+                <a:srgbClr val="095763"/>
+              </a:solidFill>
+            </a:endParaRPr>
+          </a:p>
+          <a:p>
+            <a:pPr marL="285750" indent="-285750" algn="ctr">
+              <a:buFont typeface="Arial" panose="020B0604020202020204" pitchFamily="34" charset="0"/>
+              <a:buChar char="•"/>
+            </a:pPr>
+            <a:r>
+              <a:rPr lang="fr-FR" dirty="0">
+                <a:solidFill>
+                  <a:srgbClr val="095763"/>
+                </a:solidFill>
+              </a:rPr>
+              <a:t>En sus de la gestion du panier (modification de la quantité ou suppression de produits), l’affichage du montant global de la commande est essentiel.</a:t>
+            </a:r>
+          </a:p>
+          <a:p>
+            <a:pPr marL="285750" indent="-285750" algn="ctr">
+              <a:buFont typeface="Arial" panose="020B0604020202020204" pitchFamily="34" charset="0"/>
+              <a:buChar char="•"/>
+            </a:pPr>
+            <a:endParaRPr lang="fr-FR" dirty="0">
+              <a:solidFill>
+                <a:srgbClr val="095763"/>
+              </a:solidFill>
+            </a:endParaRPr>
+          </a:p>
+          <a:p>
+            <a:pPr marL="285750" indent="-285750" algn="ctr">
+              <a:buFont typeface="Arial" panose="020B0604020202020204" pitchFamily="34" charset="0"/>
+              <a:buChar char="•"/>
+            </a:pPr>
+            <a:endParaRPr lang="fr-FR" dirty="0">
+              <a:solidFill>
+                <a:srgbClr val="095763"/>
+              </a:solidFill>
+            </a:endParaRPr>
+          </a:p>
+          <a:p>
+            <a:pPr marL="285750" indent="-285750" algn="ctr">
+              <a:buFont typeface="Arial" panose="020B0604020202020204" pitchFamily="34" charset="0"/>
+              <a:buChar char="•"/>
+            </a:pPr>
+            <a:endParaRPr lang="fr-FR" dirty="0">
+              <a:solidFill>
+                <a:srgbClr val="095763"/>
+              </a:solidFill>
+            </a:endParaRPr>
+          </a:p>
+          <a:p>
+            <a:pPr marL="285750" indent="-285750" algn="ctr">
+              <a:buFont typeface="Arial" panose="020B0604020202020204" pitchFamily="34" charset="0"/>
+              <a:buChar char="•"/>
+            </a:pPr>
+            <a:r>
+              <a:rPr lang="fr-FR" dirty="0">
+                <a:solidFill>
+                  <a:srgbClr val="095763"/>
+                </a:solidFill>
+              </a:rPr>
+              <a:t>Les données utilisateurs étant ce qu’elles sont, un système de vérification via des REGEX a été mis en place. Toutefois je doute de la pertinence de cette méthode.</a:t>
+            </a:r>
+          </a:p>
+          <a:p>
+            <a:pPr marL="342900" indent="-342900" algn="ctr">
+              <a:buFont typeface="Arial" panose="020B0604020202020204" pitchFamily="34" charset="0"/>
+              <a:buChar char="•"/>
+            </a:pPr>
+            <a:endParaRPr lang="fr-FR" sz="2000" dirty="0">
+              <a:solidFill>
+                <a:srgbClr val="095763"/>
+              </a:solidFill>
+            </a:endParaRPr>
+          </a:p>
+          <a:p>
+            <a:pPr algn="ctr"/>
+            <a:endParaRPr lang="fr-FR" sz="2000" dirty="0">
+              <a:solidFill>
+                <a:srgbClr val="095763"/>
+              </a:solidFill>
+            </a:endParaRPr>
+          </a:p>
+          <a:p>
+            <a:pPr marL="342900" indent="-342900" algn="ctr">
+              <a:buFont typeface="Arial" panose="020B0604020202020204" pitchFamily="34" charset="0"/>
+              <a:buChar char="•"/>
+            </a:pPr>
+            <a:endParaRPr lang="fr-FR" sz="2000" dirty="0">
+              <a:solidFill>
+                <a:srgbClr val="095763"/>
+              </a:solidFill>
+            </a:endParaRPr>
+          </a:p>
+          <a:p>
+            <a:pPr marL="342900" indent="-342900" algn="ctr">
+              <a:buFont typeface="Arial" panose="020B0604020202020204" pitchFamily="34" charset="0"/>
+              <a:buChar char="•"/>
+            </a:pPr>
+            <a:endParaRPr lang="fr-FR" sz="2000" dirty="0">
+              <a:solidFill>
+                <a:srgbClr val="095763"/>
+              </a:solidFill>
+            </a:endParaRPr>
+          </a:p>
+          <a:p>
+            <a:pPr algn="ctr"/>
+            <a:endParaRPr lang="fr-FR" sz="2000" dirty="0">
+              <a:solidFill>
+                <a:srgbClr val="095763"/>
+              </a:solidFill>
+            </a:endParaRPr>
+          </a:p>
+          <a:p>
+            <a:pPr algn="ctr"/>
+            <a:endParaRPr lang="fr-FR" sz="2000" dirty="0">
+              <a:solidFill>
+                <a:srgbClr val="095763"/>
+              </a:solidFill>
+            </a:endParaRPr>
+          </a:p>
+          <a:p>
+            <a:pPr algn="ctr"/>
+            <a:endParaRPr lang="fr-FR" sz="2000" dirty="0">
+              <a:solidFill>
+                <a:srgbClr val="095763"/>
+              </a:solidFill>
+            </a:endParaRPr>
+          </a:p>
+          <a:p>
+            <a:endParaRPr lang="fr-FR" sz="2000" dirty="0"/>
+          </a:p>
+        </p:txBody>
+      </p:sp>
+    </p:spTree>
+    <p:extLst>
+      <p:ext uri="{BB962C8B-B14F-4D97-AF65-F5344CB8AC3E}">
+        <p14:creationId xmlns:p14="http://schemas.microsoft.com/office/powerpoint/2010/main" val="2846069790"/>
+      </p:ext>
+    </p:extLst>
+  </p:cSld>
+  <p:clrMapOvr>
+    <a:masterClrMapping/>
+  </p:clrMapOvr>
+</p:sld>
+</file>
+
+<file path=ppt/slides/slide8.xml><?xml version="1.0" encoding="utf-8"?>
+<p:sld xmlns:a="http://schemas.openxmlformats.org/drawingml/2006/main" xmlns:r="http://schemas.openxmlformats.org/officeDocument/2006/relationships" xmlns:p="http://schemas.openxmlformats.org/presentationml/2006/main">
+  <p:cSld>
+    <p:spTree>
+      <p:nvGrpSpPr>
+        <p:cNvPr id="1" name=""/>
+        <p:cNvGrpSpPr/>
+        <p:nvPr/>
+      </p:nvGrpSpPr>
+      <p:grpSpPr>
+        <a:xfrm>
+          <a:off x="0" y="0"/>
+          <a:ext cx="0" cy="0"/>
+          <a:chOff x="0" y="0"/>
+          <a:chExt cx="0" cy="0"/>
+        </a:xfrm>
+      </p:grpSpPr>
+      <p:sp>
+        <p:nvSpPr>
+          <p:cNvPr id="4" name="Titre 3" hidden="1">
+            <a:extLst>
+              <a:ext uri="{FF2B5EF4-FFF2-40B4-BE49-F238E27FC236}">
+                <a16:creationId xmlns:a16="http://schemas.microsoft.com/office/drawing/2014/main" id="{B5981CF1-BC08-49F8-B0F9-AAF98EC67450}"/>
+              </a:ext>
+            </a:extLst>
+          </p:cNvPr>
+          <p:cNvSpPr>
+            <a:spLocks noGrp="1"/>
+          </p:cNvSpPr>
+          <p:nvPr>
+            <p:ph type="title" idx="4294967295"/>
+          </p:nvPr>
+        </p:nvSpPr>
+        <p:spPr>
+          <a:xfrm>
+            <a:off x="0" y="365125"/>
+            <a:ext cx="10515600" cy="1325563"/>
+          </a:xfrm>
+        </p:spPr>
+        <p:txBody>
+          <a:bodyPr rtlCol="0"/>
+          <a:lstStyle/>
+          <a:p>
+            <a:r>
+              <a:rPr lang="fr-FR" dirty="0"/>
+              <a:t>Analyse du projet : diapositive </a:t>
+            </a:r>
+            <a:r>
+              <a:rPr lang="fr" dirty="0"/>
+              <a:t>2</a:t>
+            </a:r>
+          </a:p>
+        </p:txBody>
+      </p:sp>
+      <p:cxnSp>
+        <p:nvCxnSpPr>
+          <p:cNvPr id="8" name="Connecteur droit 7">
+            <a:extLst>
+              <a:ext uri="{FF2B5EF4-FFF2-40B4-BE49-F238E27FC236}">
+                <a16:creationId xmlns:a16="http://schemas.microsoft.com/office/drawing/2014/main" id="{D0986099-F5F2-4E8B-BE17-81194861A00C}"/>
+              </a:ext>
+              <a:ext uri="{C183D7F6-B498-43B3-948B-1728B52AA6E4}">
+                <adec:decorative xmlns:adec="http://schemas.microsoft.com/office/drawing/2017/decorative" val="1"/>
+              </a:ext>
+            </a:extLst>
+          </p:cNvPr>
+          <p:cNvCxnSpPr>
+            <a:cxnSpLocks/>
+          </p:cNvCxnSpPr>
+          <p:nvPr/>
+        </p:nvCxnSpPr>
+        <p:spPr>
+          <a:xfrm>
+            <a:off x="9815119" y="522898"/>
+            <a:ext cx="2376881" cy="0"/>
+          </a:xfrm>
+          <a:prstGeom prst="line">
+            <a:avLst/>
+          </a:prstGeom>
+          <a:ln>
+            <a:solidFill>
+              <a:schemeClr val="accent3">
+                <a:lumMod val="50000"/>
+              </a:schemeClr>
+            </a:solidFill>
+            <a:headEnd type="oval"/>
+          </a:ln>
+        </p:spPr>
+        <p:style>
+          <a:lnRef idx="1">
+            <a:schemeClr val="accent1"/>
+          </a:lnRef>
+          <a:fillRef idx="0">
+            <a:schemeClr val="accent1"/>
+          </a:fillRef>
+          <a:effectRef idx="0">
+            <a:schemeClr val="accent1"/>
+          </a:effectRef>
+          <a:fontRef idx="minor">
+            <a:schemeClr val="tx1"/>
+          </a:fontRef>
+        </p:style>
+      </p:cxnSp>
+      <p:sp>
+        <p:nvSpPr>
+          <p:cNvPr id="11" name="Titre 1">
+            <a:extLst>
+              <a:ext uri="{FF2B5EF4-FFF2-40B4-BE49-F238E27FC236}">
+                <a16:creationId xmlns:a16="http://schemas.microsoft.com/office/drawing/2014/main" id="{4E3F5479-058B-4FA8-92E9-18CAB8CDC5C5}"/>
+              </a:ext>
+            </a:extLst>
+          </p:cNvPr>
+          <p:cNvSpPr txBox="1">
+            <a:spLocks/>
+          </p:cNvSpPr>
+          <p:nvPr/>
+        </p:nvSpPr>
+        <p:spPr>
+          <a:xfrm>
+            <a:off x="228600" y="322168"/>
+            <a:ext cx="11734800" cy="775597"/>
+          </a:xfrm>
+          <a:prstGeom prst="rect">
+            <a:avLst/>
+          </a:prstGeom>
+        </p:spPr>
+        <p:txBody>
+          <a:bodyPr vert="horz" wrap="square" lIns="0" tIns="0" rIns="0" bIns="0" rtlCol="0" anchor="t">
+            <a:spAutoFit/>
+          </a:bodyPr>
+          <a:lstStyle>
+            <a:lvl1pPr algn="l" defTabSz="914400" rtl="0" eaLnBrk="1" latinLnBrk="0" hangingPunct="1">
+              <a:lnSpc>
+                <a:spcPct val="90000"/>
+              </a:lnSpc>
+              <a:spcBef>
+                <a:spcPct val="0"/>
+              </a:spcBef>
+              <a:buNone/>
+              <a:defRPr sz="4400" kern="1200">
+                <a:solidFill>
+                  <a:schemeClr val="tx1"/>
+                </a:solidFill>
+                <a:latin typeface="+mj-lt"/>
+                <a:ea typeface="+mj-ea"/>
+                <a:cs typeface="+mj-cs"/>
+              </a:defRPr>
+            </a:lvl1pPr>
+          </a:lstStyle>
+          <a:p>
+            <a:pPr algn="ctr" rtl="0"/>
+            <a:r>
+              <a:rPr lang="fr-FR" sz="2800" b="1" dirty="0">
+                <a:solidFill>
+                  <a:srgbClr val="095763"/>
+                </a:solidFill>
+              </a:rPr>
+              <a:t>Fonctionnalités de la page confirmation</a:t>
+            </a:r>
+            <a:br>
+              <a:rPr lang="fr-FR" sz="2800" dirty="0">
+                <a:solidFill>
+                  <a:schemeClr val="tx1">
+                    <a:lumMod val="75000"/>
+                    <a:lumOff val="25000"/>
+                  </a:schemeClr>
+                </a:solidFill>
+              </a:rPr>
+            </a:br>
+            <a:endParaRPr lang="fr-FR" sz="2800" dirty="0">
+              <a:solidFill>
+                <a:schemeClr val="tx1">
+                  <a:lumMod val="75000"/>
+                  <a:lumOff val="25000"/>
+                </a:schemeClr>
+              </a:solidFill>
+            </a:endParaRPr>
+          </a:p>
+        </p:txBody>
+      </p:sp>
+      <p:cxnSp>
+        <p:nvCxnSpPr>
+          <p:cNvPr id="14" name="Connecteur droit 13">
+            <a:extLst>
+              <a:ext uri="{FF2B5EF4-FFF2-40B4-BE49-F238E27FC236}">
+                <a16:creationId xmlns:a16="http://schemas.microsoft.com/office/drawing/2014/main" id="{83E690F4-843A-47A5-8620-4FB01C0D8E68}"/>
+              </a:ext>
+              <a:ext uri="{C183D7F6-B498-43B3-948B-1728B52AA6E4}">
+                <adec:decorative xmlns:adec="http://schemas.microsoft.com/office/drawing/2017/decorative" val="1"/>
+              </a:ext>
+            </a:extLst>
+          </p:cNvPr>
+          <p:cNvCxnSpPr>
+            <a:cxnSpLocks/>
+          </p:cNvCxnSpPr>
+          <p:nvPr/>
+        </p:nvCxnSpPr>
+        <p:spPr>
+          <a:xfrm>
+            <a:off x="0" y="522898"/>
+            <a:ext cx="2374084" cy="0"/>
+          </a:xfrm>
+          <a:prstGeom prst="line">
+            <a:avLst/>
+          </a:prstGeom>
+          <a:ln>
+            <a:solidFill>
+              <a:schemeClr val="accent3">
+                <a:lumMod val="50000"/>
+              </a:schemeClr>
+            </a:solidFill>
+            <a:tailEnd type="oval"/>
+          </a:ln>
+        </p:spPr>
+        <p:style>
+          <a:lnRef idx="1">
+            <a:schemeClr val="accent1"/>
+          </a:lnRef>
+          <a:fillRef idx="0">
+            <a:schemeClr val="accent1"/>
+          </a:fillRef>
+          <a:effectRef idx="0">
+            <a:schemeClr val="accent1"/>
+          </a:effectRef>
+          <a:fontRef idx="minor">
+            <a:schemeClr val="tx1"/>
+          </a:fontRef>
+        </p:style>
+      </p:cxnSp>
+      <p:sp>
+        <p:nvSpPr>
+          <p:cNvPr id="56" name="Rectangle 55">
+            <a:extLst>
+              <a:ext uri="{FF2B5EF4-FFF2-40B4-BE49-F238E27FC236}">
+                <a16:creationId xmlns:a16="http://schemas.microsoft.com/office/drawing/2014/main" id="{B3283D92-3EEE-B06D-F4B4-EA560E67B579}"/>
+              </a:ext>
+            </a:extLst>
+          </p:cNvPr>
+          <p:cNvSpPr/>
+          <p:nvPr/>
+        </p:nvSpPr>
+        <p:spPr>
+          <a:xfrm>
+            <a:off x="1076604" y="2886560"/>
+            <a:ext cx="1371600" cy="984885"/>
+          </a:xfrm>
+          <a:prstGeom prst="rect">
+            <a:avLst/>
+          </a:prstGeom>
+        </p:spPr>
+        <p:txBody>
+          <a:bodyPr wrap="square" lIns="0" tIns="0" rIns="0" bIns="0" rtlCol="0">
+            <a:spAutoFit/>
+          </a:bodyPr>
+          <a:lstStyle/>
+          <a:p>
+            <a:pPr algn="ctr" rtl="0"/>
+            <a:r>
+              <a:rPr lang="fr-FR" sz="1600" b="1" dirty="0">
+                <a:solidFill>
+                  <a:schemeClr val="bg1"/>
+                </a:solidFill>
+              </a:rPr>
+              <a:t>Prendre en main les maquettes HTML/CSS</a:t>
+            </a:r>
+          </a:p>
+        </p:txBody>
+      </p:sp>
+      <p:sp>
+        <p:nvSpPr>
+          <p:cNvPr id="57" name="Rectangle 56">
+            <a:extLst>
+              <a:ext uri="{FF2B5EF4-FFF2-40B4-BE49-F238E27FC236}">
+                <a16:creationId xmlns:a16="http://schemas.microsoft.com/office/drawing/2014/main" id="{AA5922AD-940A-745F-635B-70CF97217C23}"/>
+              </a:ext>
+            </a:extLst>
+          </p:cNvPr>
+          <p:cNvSpPr/>
+          <p:nvPr/>
+        </p:nvSpPr>
+        <p:spPr>
+          <a:xfrm>
+            <a:off x="3243403" y="2886560"/>
+            <a:ext cx="1371600" cy="492443"/>
+          </a:xfrm>
+          <a:prstGeom prst="rect">
+            <a:avLst/>
+          </a:prstGeom>
+        </p:spPr>
+        <p:txBody>
+          <a:bodyPr wrap="square" lIns="0" tIns="0" rIns="0" bIns="0" rtlCol="0">
+            <a:spAutoFit/>
+          </a:bodyPr>
+          <a:lstStyle/>
+          <a:p>
+            <a:pPr algn="ctr" rtl="0"/>
+            <a:r>
+              <a:rPr lang="fr-FR" sz="1600" b="1" dirty="0">
+                <a:solidFill>
+                  <a:schemeClr val="bg1"/>
+                </a:solidFill>
+              </a:rPr>
+              <a:t>ANALYSE TECHNIQUE</a:t>
+            </a:r>
+          </a:p>
+        </p:txBody>
+      </p:sp>
+      <p:sp>
+        <p:nvSpPr>
+          <p:cNvPr id="58" name="Rectangle 57">
+            <a:extLst>
+              <a:ext uri="{FF2B5EF4-FFF2-40B4-BE49-F238E27FC236}">
+                <a16:creationId xmlns:a16="http://schemas.microsoft.com/office/drawing/2014/main" id="{10EEBB15-1E7D-818B-D16D-1F77BED266BB}"/>
+              </a:ext>
+            </a:extLst>
+          </p:cNvPr>
+          <p:cNvSpPr/>
+          <p:nvPr/>
+        </p:nvSpPr>
+        <p:spPr>
+          <a:xfrm>
+            <a:off x="5410201" y="2886560"/>
+            <a:ext cx="1371600" cy="492443"/>
+          </a:xfrm>
+          <a:prstGeom prst="rect">
+            <a:avLst/>
+          </a:prstGeom>
+        </p:spPr>
+        <p:txBody>
+          <a:bodyPr wrap="square" lIns="0" tIns="0" rIns="0" bIns="0" rtlCol="0">
+            <a:spAutoFit/>
+          </a:bodyPr>
+          <a:lstStyle/>
+          <a:p>
+            <a:pPr algn="ctr" rtl="0"/>
+            <a:r>
+              <a:rPr lang="fr-FR" sz="1600" b="1" dirty="0">
+                <a:solidFill>
+                  <a:schemeClr val="bg1"/>
+                </a:solidFill>
+              </a:rPr>
+              <a:t>ANALYSE FINANCIÈRE</a:t>
+            </a:r>
+          </a:p>
+        </p:txBody>
+      </p:sp>
+      <p:sp>
+        <p:nvSpPr>
+          <p:cNvPr id="59" name="Rectangle 58">
+            <a:extLst>
+              <a:ext uri="{FF2B5EF4-FFF2-40B4-BE49-F238E27FC236}">
+                <a16:creationId xmlns:a16="http://schemas.microsoft.com/office/drawing/2014/main" id="{B136944F-D1F7-3714-21B6-E19D90A5AECE}"/>
+              </a:ext>
+            </a:extLst>
+          </p:cNvPr>
+          <p:cNvSpPr/>
+          <p:nvPr/>
+        </p:nvSpPr>
+        <p:spPr>
+          <a:xfrm>
+            <a:off x="7577000" y="2886560"/>
+            <a:ext cx="1371600" cy="492443"/>
+          </a:xfrm>
+          <a:prstGeom prst="rect">
+            <a:avLst/>
+          </a:prstGeom>
+        </p:spPr>
+        <p:txBody>
+          <a:bodyPr wrap="square" lIns="0" tIns="0" rIns="0" bIns="0" rtlCol="0">
+            <a:spAutoFit/>
+          </a:bodyPr>
+          <a:lstStyle/>
+          <a:p>
+            <a:pPr algn="ctr" rtl="0"/>
+            <a:r>
+              <a:rPr lang="fr-FR" sz="1600" b="1" dirty="0">
+                <a:solidFill>
+                  <a:schemeClr val="bg1"/>
+                </a:solidFill>
+              </a:rPr>
+              <a:t>ANALYSE ÉCONOMIQUE</a:t>
+            </a:r>
+          </a:p>
+        </p:txBody>
+      </p:sp>
+      <p:sp>
+        <p:nvSpPr>
+          <p:cNvPr id="60" name="Rectangle 59">
+            <a:extLst>
+              <a:ext uri="{FF2B5EF4-FFF2-40B4-BE49-F238E27FC236}">
+                <a16:creationId xmlns:a16="http://schemas.microsoft.com/office/drawing/2014/main" id="{8652B7AB-60BA-6A0E-9709-0502A47A6D09}"/>
+              </a:ext>
+            </a:extLst>
+          </p:cNvPr>
+          <p:cNvSpPr/>
+          <p:nvPr/>
+        </p:nvSpPr>
+        <p:spPr>
+          <a:xfrm>
+            <a:off x="9745956" y="2886560"/>
+            <a:ext cx="1371600" cy="492443"/>
+          </a:xfrm>
+          <a:prstGeom prst="rect">
+            <a:avLst/>
+          </a:prstGeom>
+        </p:spPr>
+        <p:txBody>
+          <a:bodyPr wrap="square" lIns="0" tIns="0" rIns="0" bIns="0" rtlCol="0">
+            <a:spAutoFit/>
+          </a:bodyPr>
+          <a:lstStyle/>
+          <a:p>
+            <a:pPr algn="ctr" rtl="0"/>
+            <a:r>
+              <a:rPr lang="fr-FR" sz="1600" b="1" dirty="0">
+                <a:solidFill>
+                  <a:schemeClr val="bg1"/>
+                </a:solidFill>
+              </a:rPr>
+              <a:t>ANALYSE ÉCOLOGIQUE</a:t>
+            </a:r>
+          </a:p>
+        </p:txBody>
+      </p:sp>
+      <p:sp>
+        <p:nvSpPr>
+          <p:cNvPr id="15" name="ZoneTexte 14">
+            <a:extLst>
+              <a:ext uri="{FF2B5EF4-FFF2-40B4-BE49-F238E27FC236}">
+                <a16:creationId xmlns:a16="http://schemas.microsoft.com/office/drawing/2014/main" id="{7D809216-C91A-F0E7-EC0B-9D7692444E96}"/>
+              </a:ext>
+            </a:extLst>
+          </p:cNvPr>
+          <p:cNvSpPr txBox="1"/>
+          <p:nvPr/>
+        </p:nvSpPr>
+        <p:spPr>
+          <a:xfrm>
+            <a:off x="228600" y="1745756"/>
+            <a:ext cx="11837019" cy="6186309"/>
+          </a:xfrm>
+          <a:prstGeom prst="rect">
+            <a:avLst/>
+          </a:prstGeom>
+          <a:noFill/>
+        </p:spPr>
+        <p:txBody>
+          <a:bodyPr wrap="square" rtlCol="0">
+            <a:spAutoFit/>
+          </a:bodyPr>
+          <a:lstStyle/>
+          <a:p>
+            <a:pPr marL="285750" indent="-285750" algn="ctr">
+              <a:buFont typeface="Arial" panose="020B0604020202020204" pitchFamily="34" charset="0"/>
+              <a:buChar char="•"/>
+            </a:pPr>
+            <a:r>
+              <a:rPr lang="fr-FR" dirty="0">
+                <a:solidFill>
+                  <a:srgbClr val="095763"/>
+                </a:solidFill>
+              </a:rPr>
+              <a:t>La page de confirmation affiche, dans le cas d’une commande complète et correcte un numéro de commande générée par l’API.</a:t>
+            </a:r>
+          </a:p>
+          <a:p>
+            <a:pPr marL="285750" indent="-285750" algn="ctr">
+              <a:buFont typeface="Arial" panose="020B0604020202020204" pitchFamily="34" charset="0"/>
+              <a:buChar char="•"/>
+            </a:pPr>
+            <a:endParaRPr lang="fr-FR" dirty="0">
+              <a:solidFill>
+                <a:srgbClr val="095763"/>
+              </a:solidFill>
+            </a:endParaRPr>
+          </a:p>
+          <a:p>
+            <a:pPr marL="285750" indent="-285750" algn="ctr">
+              <a:buFont typeface="Arial" panose="020B0604020202020204" pitchFamily="34" charset="0"/>
+              <a:buChar char="•"/>
+            </a:pPr>
+            <a:endParaRPr lang="fr-FR" dirty="0">
+              <a:solidFill>
+                <a:srgbClr val="095763"/>
+              </a:solidFill>
+            </a:endParaRPr>
+          </a:p>
+          <a:p>
+            <a:pPr marL="285750" indent="-285750" algn="ctr">
+              <a:buFont typeface="Arial" panose="020B0604020202020204" pitchFamily="34" charset="0"/>
+              <a:buChar char="•"/>
+            </a:pPr>
+            <a:r>
+              <a:rPr lang="fr-FR" dirty="0">
+                <a:solidFill>
+                  <a:srgbClr val="095763"/>
+                </a:solidFill>
+              </a:rPr>
+              <a:t>Mon travail consistait donc à vérifier la cohérence des informations saisies par l’utilisateur ainsi que la présence d’article au panier.</a:t>
+            </a:r>
+          </a:p>
+          <a:p>
+            <a:pPr marL="285750" indent="-285750" algn="ctr">
+              <a:buFont typeface="Arial" panose="020B0604020202020204" pitchFamily="34" charset="0"/>
+              <a:buChar char="•"/>
+            </a:pPr>
+            <a:endParaRPr lang="fr-FR" dirty="0">
+              <a:solidFill>
+                <a:srgbClr val="095763"/>
+              </a:solidFill>
+            </a:endParaRPr>
+          </a:p>
+          <a:p>
+            <a:pPr marL="285750" indent="-285750" algn="ctr">
+              <a:buFont typeface="Arial" panose="020B0604020202020204" pitchFamily="34" charset="0"/>
+              <a:buChar char="•"/>
+            </a:pPr>
+            <a:r>
+              <a:rPr lang="fr-FR" dirty="0">
+                <a:solidFill>
+                  <a:srgbClr val="095763"/>
+                </a:solidFill>
+              </a:rPr>
+              <a:t>L’API se chargeant de vérifier la cohérence des articles du panier.</a:t>
+            </a:r>
+          </a:p>
+          <a:p>
+            <a:pPr marL="285750" indent="-285750" algn="ctr">
+              <a:buFont typeface="Arial" panose="020B0604020202020204" pitchFamily="34" charset="0"/>
+              <a:buChar char="•"/>
+            </a:pPr>
+            <a:endParaRPr lang="fr-FR" dirty="0">
+              <a:solidFill>
+                <a:srgbClr val="095763"/>
+              </a:solidFill>
+            </a:endParaRPr>
+          </a:p>
+          <a:p>
+            <a:pPr marL="285750" indent="-285750" algn="ctr">
+              <a:buFont typeface="Arial" panose="020B0604020202020204" pitchFamily="34" charset="0"/>
+              <a:buChar char="•"/>
+            </a:pPr>
+            <a:endParaRPr lang="fr-FR" dirty="0">
+              <a:solidFill>
+                <a:srgbClr val="095763"/>
+              </a:solidFill>
+            </a:endParaRPr>
+          </a:p>
+          <a:p>
+            <a:pPr marL="285750" indent="-285750" algn="ctr">
+              <a:buFont typeface="Arial" panose="020B0604020202020204" pitchFamily="34" charset="0"/>
+              <a:buChar char="•"/>
+            </a:pPr>
+            <a:r>
+              <a:rPr lang="fr-FR" dirty="0">
+                <a:solidFill>
+                  <a:srgbClr val="095763"/>
+                </a:solidFill>
+              </a:rPr>
+              <a:t>Le numéro de commande était récupérée au moment de la requête POST sur la page du panier puis afficher sur la page suivante après redirection</a:t>
+            </a:r>
+            <a:r>
+              <a:rPr lang="fr-FR" sz="1400" dirty="0"/>
+              <a:t>.</a:t>
+            </a:r>
+          </a:p>
+          <a:p>
+            <a:pPr algn="ctr"/>
+            <a:endParaRPr lang="fr-FR" sz="2000" dirty="0">
+              <a:solidFill>
+                <a:srgbClr val="095763"/>
+              </a:solidFill>
+            </a:endParaRPr>
+          </a:p>
+          <a:p>
+            <a:pPr marL="342900" indent="-342900" algn="ctr">
+              <a:buFont typeface="Arial" panose="020B0604020202020204" pitchFamily="34" charset="0"/>
+              <a:buChar char="•"/>
+            </a:pPr>
+            <a:endParaRPr lang="fr-FR" sz="2000" dirty="0">
+              <a:solidFill>
+                <a:srgbClr val="095763"/>
+              </a:solidFill>
+            </a:endParaRPr>
+          </a:p>
+          <a:p>
+            <a:pPr algn="ctr"/>
+            <a:endParaRPr lang="fr-FR" sz="2000" dirty="0">
+              <a:solidFill>
+                <a:srgbClr val="095763"/>
+              </a:solidFill>
+            </a:endParaRPr>
+          </a:p>
+          <a:p>
+            <a:pPr marL="342900" indent="-342900" algn="ctr">
+              <a:buFont typeface="Arial" panose="020B0604020202020204" pitchFamily="34" charset="0"/>
+              <a:buChar char="•"/>
+            </a:pPr>
+            <a:endParaRPr lang="fr-FR" sz="2000" dirty="0">
+              <a:solidFill>
+                <a:srgbClr val="095763"/>
+              </a:solidFill>
+            </a:endParaRPr>
+          </a:p>
+          <a:p>
+            <a:pPr marL="342900" indent="-342900" algn="ctr">
+              <a:buFont typeface="Arial" panose="020B0604020202020204" pitchFamily="34" charset="0"/>
+              <a:buChar char="•"/>
+            </a:pPr>
+            <a:endParaRPr lang="fr-FR" sz="2000" dirty="0">
+              <a:solidFill>
+                <a:srgbClr val="095763"/>
+              </a:solidFill>
+            </a:endParaRPr>
+          </a:p>
+          <a:p>
+            <a:pPr algn="ctr"/>
+            <a:endParaRPr lang="fr-FR" sz="2000" dirty="0">
+              <a:solidFill>
+                <a:srgbClr val="095763"/>
+              </a:solidFill>
+            </a:endParaRPr>
+          </a:p>
+          <a:p>
+            <a:pPr algn="ctr"/>
+            <a:endParaRPr lang="fr-FR" sz="2000" dirty="0">
+              <a:solidFill>
+                <a:srgbClr val="095763"/>
+              </a:solidFill>
+            </a:endParaRPr>
+          </a:p>
+          <a:p>
+            <a:pPr algn="ctr"/>
+            <a:endParaRPr lang="fr-FR" sz="2000" dirty="0">
+              <a:solidFill>
+                <a:srgbClr val="095763"/>
+              </a:solidFill>
+            </a:endParaRPr>
+          </a:p>
+          <a:p>
+            <a:endParaRPr lang="fr-FR" sz="2000" dirty="0"/>
+          </a:p>
+        </p:txBody>
+      </p:sp>
+    </p:spTree>
+    <p:extLst>
+      <p:ext uri="{BB962C8B-B14F-4D97-AF65-F5344CB8AC3E}">
+        <p14:creationId xmlns:p14="http://schemas.microsoft.com/office/powerpoint/2010/main" val="1668857592"/>
+      </p:ext>
+    </p:extLst>
+  </p:cSld>
+  <p:clrMapOvr>
+    <a:masterClrMapping/>
+  </p:clrMapOvr>
+</p:sld>
+</file>
+
+<file path=ppt/slides/slide9.xml><?xml version="1.0" encoding="utf-8"?>
 <p:sld xmlns:a="http://schemas.openxmlformats.org/drawingml/2006/main" xmlns:r="http://schemas.openxmlformats.org/officeDocument/2006/relationships" xmlns:p="http://schemas.openxmlformats.org/presentationml/2006/main">
   <p:cSld>
     <p:bg>
@@ -6484,5142 +9994,6 @@
     <p:extLst>
       <p:ext uri="{BB962C8B-B14F-4D97-AF65-F5344CB8AC3E}">
         <p14:creationId xmlns:p14="http://schemas.microsoft.com/office/powerpoint/2010/main" val="1923038163"/>
-      </p:ext>
-    </p:extLst>
-  </p:cSld>
-  <p:clrMapOvr>
-    <a:masterClrMapping/>
-  </p:clrMapOvr>
-</p:sld>
-</file>
-
-<file path=ppt/slides/slide2.xml><?xml version="1.0" encoding="utf-8"?>
-<p:sld xmlns:a="http://schemas.openxmlformats.org/drawingml/2006/main" xmlns:r="http://schemas.openxmlformats.org/officeDocument/2006/relationships" xmlns:p="http://schemas.openxmlformats.org/presentationml/2006/main">
-  <p:cSld>
-    <p:spTree>
-      <p:nvGrpSpPr>
-        <p:cNvPr id="1" name=""/>
-        <p:cNvGrpSpPr/>
-        <p:nvPr/>
-      </p:nvGrpSpPr>
-      <p:grpSpPr>
-        <a:xfrm>
-          <a:off x="0" y="0"/>
-          <a:ext cx="0" cy="0"/>
-          <a:chOff x="0" y="0"/>
-          <a:chExt cx="0" cy="0"/>
-        </a:xfrm>
-      </p:grpSpPr>
-      <p:sp>
-        <p:nvSpPr>
-          <p:cNvPr id="4" name="Titre 3" hidden="1">
-            <a:extLst>
-              <a:ext uri="{FF2B5EF4-FFF2-40B4-BE49-F238E27FC236}">
-                <a16:creationId xmlns:a16="http://schemas.microsoft.com/office/drawing/2014/main" id="{B5981CF1-BC08-49F8-B0F9-AAF98EC67450}"/>
-              </a:ext>
-            </a:extLst>
-          </p:cNvPr>
-          <p:cNvSpPr>
-            <a:spLocks noGrp="1"/>
-          </p:cNvSpPr>
-          <p:nvPr>
-            <p:ph type="title" idx="4294967295"/>
-          </p:nvPr>
-        </p:nvSpPr>
-        <p:spPr>
-          <a:xfrm>
-            <a:off x="0" y="365125"/>
-            <a:ext cx="10515600" cy="1325563"/>
-          </a:xfrm>
-        </p:spPr>
-        <p:txBody>
-          <a:bodyPr rtlCol="0"/>
-          <a:lstStyle/>
-          <a:p>
-            <a:r>
-              <a:rPr lang="fr-FR" dirty="0"/>
-              <a:t>Analyse du projet : diapositive </a:t>
-            </a:r>
-            <a:r>
-              <a:rPr lang="fr" dirty="0"/>
-              <a:t>2</a:t>
-            </a:r>
-          </a:p>
-        </p:txBody>
-      </p:sp>
-      <p:cxnSp>
-        <p:nvCxnSpPr>
-          <p:cNvPr id="8" name="Connecteur droit 7">
-            <a:extLst>
-              <a:ext uri="{FF2B5EF4-FFF2-40B4-BE49-F238E27FC236}">
-                <a16:creationId xmlns:a16="http://schemas.microsoft.com/office/drawing/2014/main" id="{D0986099-F5F2-4E8B-BE17-81194861A00C}"/>
-              </a:ext>
-              <a:ext uri="{C183D7F6-B498-43B3-948B-1728B52AA6E4}">
-                <adec:decorative xmlns:adec="http://schemas.microsoft.com/office/drawing/2017/decorative" val="1"/>
-              </a:ext>
-            </a:extLst>
-          </p:cNvPr>
-          <p:cNvCxnSpPr>
-            <a:cxnSpLocks/>
-          </p:cNvCxnSpPr>
-          <p:nvPr/>
-        </p:nvCxnSpPr>
-        <p:spPr>
-          <a:xfrm>
-            <a:off x="8105775" y="522898"/>
-            <a:ext cx="4086225" cy="0"/>
-          </a:xfrm>
-          <a:prstGeom prst="line">
-            <a:avLst/>
-          </a:prstGeom>
-          <a:ln>
-            <a:solidFill>
-              <a:schemeClr val="accent3">
-                <a:lumMod val="50000"/>
-              </a:schemeClr>
-            </a:solidFill>
-            <a:headEnd type="oval"/>
-          </a:ln>
-        </p:spPr>
-        <p:style>
-          <a:lnRef idx="1">
-            <a:schemeClr val="accent1"/>
-          </a:lnRef>
-          <a:fillRef idx="0">
-            <a:schemeClr val="accent1"/>
-          </a:fillRef>
-          <a:effectRef idx="0">
-            <a:schemeClr val="accent1"/>
-          </a:effectRef>
-          <a:fontRef idx="minor">
-            <a:schemeClr val="tx1"/>
-          </a:fontRef>
-        </p:style>
-      </p:cxnSp>
-      <p:sp>
-        <p:nvSpPr>
-          <p:cNvPr id="11" name="Titre 1">
-            <a:extLst>
-              <a:ext uri="{FF2B5EF4-FFF2-40B4-BE49-F238E27FC236}">
-                <a16:creationId xmlns:a16="http://schemas.microsoft.com/office/drawing/2014/main" id="{4E3F5479-058B-4FA8-92E9-18CAB8CDC5C5}"/>
-              </a:ext>
-            </a:extLst>
-          </p:cNvPr>
-          <p:cNvSpPr txBox="1">
-            <a:spLocks/>
-          </p:cNvSpPr>
-          <p:nvPr/>
-        </p:nvSpPr>
-        <p:spPr>
-          <a:xfrm>
-            <a:off x="228600" y="322168"/>
-            <a:ext cx="11734800" cy="775597"/>
-          </a:xfrm>
-          <a:prstGeom prst="rect">
-            <a:avLst/>
-          </a:prstGeom>
-        </p:spPr>
-        <p:txBody>
-          <a:bodyPr vert="horz" wrap="square" lIns="0" tIns="0" rIns="0" bIns="0" rtlCol="0" anchor="t">
-            <a:spAutoFit/>
-          </a:bodyPr>
-          <a:lstStyle>
-            <a:lvl1pPr algn="l" defTabSz="914400" rtl="0" eaLnBrk="1" latinLnBrk="0" hangingPunct="1">
-              <a:lnSpc>
-                <a:spcPct val="90000"/>
-              </a:lnSpc>
-              <a:spcBef>
-                <a:spcPct val="0"/>
-              </a:spcBef>
-              <a:buNone/>
-              <a:defRPr sz="4400" kern="1200">
-                <a:solidFill>
-                  <a:schemeClr val="tx1"/>
-                </a:solidFill>
-                <a:latin typeface="+mj-lt"/>
-                <a:ea typeface="+mj-ea"/>
-                <a:cs typeface="+mj-cs"/>
-              </a:defRPr>
-            </a:lvl1pPr>
-          </a:lstStyle>
-          <a:p>
-            <a:pPr algn="ctr" rtl="0"/>
-            <a:r>
-              <a:rPr lang="fr-FR" sz="2800" b="1" dirty="0">
-                <a:solidFill>
-                  <a:srgbClr val="095763"/>
-                </a:solidFill>
-              </a:rPr>
-              <a:t>Sommaire</a:t>
-            </a:r>
-            <a:br>
-              <a:rPr lang="fr-FR" sz="2800" dirty="0">
-                <a:solidFill>
-                  <a:schemeClr val="tx1">
-                    <a:lumMod val="75000"/>
-                    <a:lumOff val="25000"/>
-                  </a:schemeClr>
-                </a:solidFill>
-              </a:rPr>
-            </a:br>
-            <a:endParaRPr lang="fr-FR" sz="2800" dirty="0">
-              <a:solidFill>
-                <a:schemeClr val="tx1">
-                  <a:lumMod val="75000"/>
-                  <a:lumOff val="25000"/>
-                </a:schemeClr>
-              </a:solidFill>
-            </a:endParaRPr>
-          </a:p>
-        </p:txBody>
-      </p:sp>
-      <p:cxnSp>
-        <p:nvCxnSpPr>
-          <p:cNvPr id="14" name="Connecteur droit 13">
-            <a:extLst>
-              <a:ext uri="{FF2B5EF4-FFF2-40B4-BE49-F238E27FC236}">
-                <a16:creationId xmlns:a16="http://schemas.microsoft.com/office/drawing/2014/main" id="{83E690F4-843A-47A5-8620-4FB01C0D8E68}"/>
-              </a:ext>
-              <a:ext uri="{C183D7F6-B498-43B3-948B-1728B52AA6E4}">
-                <adec:decorative xmlns:adec="http://schemas.microsoft.com/office/drawing/2017/decorative" val="1"/>
-              </a:ext>
-            </a:extLst>
-          </p:cNvPr>
-          <p:cNvCxnSpPr>
-            <a:cxnSpLocks/>
-          </p:cNvCxnSpPr>
-          <p:nvPr/>
-        </p:nvCxnSpPr>
-        <p:spPr>
-          <a:xfrm>
-            <a:off x="0" y="522898"/>
-            <a:ext cx="4086225" cy="0"/>
-          </a:xfrm>
-          <a:prstGeom prst="line">
-            <a:avLst/>
-          </a:prstGeom>
-          <a:ln>
-            <a:solidFill>
-              <a:schemeClr val="accent3">
-                <a:lumMod val="50000"/>
-              </a:schemeClr>
-            </a:solidFill>
-            <a:tailEnd type="oval"/>
-          </a:ln>
-        </p:spPr>
-        <p:style>
-          <a:lnRef idx="1">
-            <a:schemeClr val="accent1"/>
-          </a:lnRef>
-          <a:fillRef idx="0">
-            <a:schemeClr val="accent1"/>
-          </a:fillRef>
-          <a:effectRef idx="0">
-            <a:schemeClr val="accent1"/>
-          </a:effectRef>
-          <a:fontRef idx="minor">
-            <a:schemeClr val="tx1"/>
-          </a:fontRef>
-        </p:style>
-      </p:cxnSp>
-      <p:sp>
-        <p:nvSpPr>
-          <p:cNvPr id="56" name="Rectangle 55">
-            <a:extLst>
-              <a:ext uri="{FF2B5EF4-FFF2-40B4-BE49-F238E27FC236}">
-                <a16:creationId xmlns:a16="http://schemas.microsoft.com/office/drawing/2014/main" id="{B3283D92-3EEE-B06D-F4B4-EA560E67B579}"/>
-              </a:ext>
-            </a:extLst>
-          </p:cNvPr>
-          <p:cNvSpPr/>
-          <p:nvPr/>
-        </p:nvSpPr>
-        <p:spPr>
-          <a:xfrm>
-            <a:off x="1076604" y="2886560"/>
-            <a:ext cx="1371600" cy="984885"/>
-          </a:xfrm>
-          <a:prstGeom prst="rect">
-            <a:avLst/>
-          </a:prstGeom>
-        </p:spPr>
-        <p:txBody>
-          <a:bodyPr wrap="square" lIns="0" tIns="0" rIns="0" bIns="0" rtlCol="0">
-            <a:spAutoFit/>
-          </a:bodyPr>
-          <a:lstStyle/>
-          <a:p>
-            <a:pPr algn="ctr" rtl="0"/>
-            <a:r>
-              <a:rPr lang="fr-FR" sz="1600" b="1" dirty="0">
-                <a:solidFill>
-                  <a:schemeClr val="bg1"/>
-                </a:solidFill>
-              </a:rPr>
-              <a:t>Prendre en main les maquettes HTML/CSS</a:t>
-            </a:r>
-          </a:p>
-        </p:txBody>
-      </p:sp>
-      <p:sp>
-        <p:nvSpPr>
-          <p:cNvPr id="57" name="Rectangle 56">
-            <a:extLst>
-              <a:ext uri="{FF2B5EF4-FFF2-40B4-BE49-F238E27FC236}">
-                <a16:creationId xmlns:a16="http://schemas.microsoft.com/office/drawing/2014/main" id="{AA5922AD-940A-745F-635B-70CF97217C23}"/>
-              </a:ext>
-            </a:extLst>
-          </p:cNvPr>
-          <p:cNvSpPr/>
-          <p:nvPr/>
-        </p:nvSpPr>
-        <p:spPr>
-          <a:xfrm>
-            <a:off x="3243403" y="2886560"/>
-            <a:ext cx="1371600" cy="492443"/>
-          </a:xfrm>
-          <a:prstGeom prst="rect">
-            <a:avLst/>
-          </a:prstGeom>
-        </p:spPr>
-        <p:txBody>
-          <a:bodyPr wrap="square" lIns="0" tIns="0" rIns="0" bIns="0" rtlCol="0">
-            <a:spAutoFit/>
-          </a:bodyPr>
-          <a:lstStyle/>
-          <a:p>
-            <a:pPr algn="ctr" rtl="0"/>
-            <a:r>
-              <a:rPr lang="fr-FR" sz="1600" b="1" dirty="0">
-                <a:solidFill>
-                  <a:schemeClr val="bg1"/>
-                </a:solidFill>
-              </a:rPr>
-              <a:t>ANALYSE TECHNIQUE</a:t>
-            </a:r>
-          </a:p>
-        </p:txBody>
-      </p:sp>
-      <p:sp>
-        <p:nvSpPr>
-          <p:cNvPr id="58" name="Rectangle 57">
-            <a:extLst>
-              <a:ext uri="{FF2B5EF4-FFF2-40B4-BE49-F238E27FC236}">
-                <a16:creationId xmlns:a16="http://schemas.microsoft.com/office/drawing/2014/main" id="{10EEBB15-1E7D-818B-D16D-1F77BED266BB}"/>
-              </a:ext>
-            </a:extLst>
-          </p:cNvPr>
-          <p:cNvSpPr/>
-          <p:nvPr/>
-        </p:nvSpPr>
-        <p:spPr>
-          <a:xfrm>
-            <a:off x="5410201" y="2886560"/>
-            <a:ext cx="1371600" cy="492443"/>
-          </a:xfrm>
-          <a:prstGeom prst="rect">
-            <a:avLst/>
-          </a:prstGeom>
-        </p:spPr>
-        <p:txBody>
-          <a:bodyPr wrap="square" lIns="0" tIns="0" rIns="0" bIns="0" rtlCol="0">
-            <a:spAutoFit/>
-          </a:bodyPr>
-          <a:lstStyle/>
-          <a:p>
-            <a:pPr algn="ctr" rtl="0"/>
-            <a:r>
-              <a:rPr lang="fr-FR" sz="1600" b="1" dirty="0">
-                <a:solidFill>
-                  <a:schemeClr val="bg1"/>
-                </a:solidFill>
-              </a:rPr>
-              <a:t>ANALYSE FINANCIÈRE</a:t>
-            </a:r>
-          </a:p>
-        </p:txBody>
-      </p:sp>
-      <p:sp>
-        <p:nvSpPr>
-          <p:cNvPr id="59" name="Rectangle 58">
-            <a:extLst>
-              <a:ext uri="{FF2B5EF4-FFF2-40B4-BE49-F238E27FC236}">
-                <a16:creationId xmlns:a16="http://schemas.microsoft.com/office/drawing/2014/main" id="{B136944F-D1F7-3714-21B6-E19D90A5AECE}"/>
-              </a:ext>
-            </a:extLst>
-          </p:cNvPr>
-          <p:cNvSpPr/>
-          <p:nvPr/>
-        </p:nvSpPr>
-        <p:spPr>
-          <a:xfrm>
-            <a:off x="7577000" y="2886560"/>
-            <a:ext cx="1371600" cy="492443"/>
-          </a:xfrm>
-          <a:prstGeom prst="rect">
-            <a:avLst/>
-          </a:prstGeom>
-        </p:spPr>
-        <p:txBody>
-          <a:bodyPr wrap="square" lIns="0" tIns="0" rIns="0" bIns="0" rtlCol="0">
-            <a:spAutoFit/>
-          </a:bodyPr>
-          <a:lstStyle/>
-          <a:p>
-            <a:pPr algn="ctr" rtl="0"/>
-            <a:r>
-              <a:rPr lang="fr-FR" sz="1600" b="1" dirty="0">
-                <a:solidFill>
-                  <a:schemeClr val="bg1"/>
-                </a:solidFill>
-              </a:rPr>
-              <a:t>ANALYSE ÉCONOMIQUE</a:t>
-            </a:r>
-          </a:p>
-        </p:txBody>
-      </p:sp>
-      <p:sp>
-        <p:nvSpPr>
-          <p:cNvPr id="60" name="Rectangle 59">
-            <a:extLst>
-              <a:ext uri="{FF2B5EF4-FFF2-40B4-BE49-F238E27FC236}">
-                <a16:creationId xmlns:a16="http://schemas.microsoft.com/office/drawing/2014/main" id="{8652B7AB-60BA-6A0E-9709-0502A47A6D09}"/>
-              </a:ext>
-            </a:extLst>
-          </p:cNvPr>
-          <p:cNvSpPr/>
-          <p:nvPr/>
-        </p:nvSpPr>
-        <p:spPr>
-          <a:xfrm>
-            <a:off x="9745956" y="2886560"/>
-            <a:ext cx="1371600" cy="492443"/>
-          </a:xfrm>
-          <a:prstGeom prst="rect">
-            <a:avLst/>
-          </a:prstGeom>
-        </p:spPr>
-        <p:txBody>
-          <a:bodyPr wrap="square" lIns="0" tIns="0" rIns="0" bIns="0" rtlCol="0">
-            <a:spAutoFit/>
-          </a:bodyPr>
-          <a:lstStyle/>
-          <a:p>
-            <a:pPr algn="ctr" rtl="0"/>
-            <a:r>
-              <a:rPr lang="fr-FR" sz="1600" b="1" dirty="0">
-                <a:solidFill>
-                  <a:schemeClr val="bg1"/>
-                </a:solidFill>
-              </a:rPr>
-              <a:t>ANALYSE ÉCOLOGIQUE</a:t>
-            </a:r>
-          </a:p>
-        </p:txBody>
-      </p:sp>
-      <p:sp>
-        <p:nvSpPr>
-          <p:cNvPr id="2" name="ZoneTexte 1">
-            <a:extLst>
-              <a:ext uri="{FF2B5EF4-FFF2-40B4-BE49-F238E27FC236}">
-                <a16:creationId xmlns:a16="http://schemas.microsoft.com/office/drawing/2014/main" id="{C9CD6CE2-CDCB-82B1-1C97-2CCB52F3EBEA}"/>
-              </a:ext>
-            </a:extLst>
-          </p:cNvPr>
-          <p:cNvSpPr txBox="1"/>
-          <p:nvPr/>
-        </p:nvSpPr>
-        <p:spPr>
-          <a:xfrm>
-            <a:off x="1311651" y="1793952"/>
-            <a:ext cx="5549148" cy="3170099"/>
-          </a:xfrm>
-          <a:prstGeom prst="rect">
-            <a:avLst/>
-          </a:prstGeom>
-          <a:noFill/>
-        </p:spPr>
-        <p:txBody>
-          <a:bodyPr wrap="none" rtlCol="0">
-            <a:spAutoFit/>
-          </a:bodyPr>
-          <a:lstStyle/>
-          <a:p>
-            <a:pPr marL="285750" indent="-285750">
-              <a:buFont typeface="Arial" panose="020B0604020202020204" pitchFamily="34" charset="0"/>
-              <a:buChar char="•"/>
-            </a:pPr>
-            <a:r>
-              <a:rPr lang="fr-FR" sz="2000" dirty="0">
-                <a:solidFill>
-                  <a:srgbClr val="095763"/>
-                </a:solidFill>
-              </a:rPr>
-              <a:t>Présentation du projet</a:t>
-            </a:r>
-          </a:p>
-          <a:p>
-            <a:pPr marL="285750" indent="-285750">
-              <a:buFont typeface="Arial" panose="020B0604020202020204" pitchFamily="34" charset="0"/>
-              <a:buChar char="•"/>
-            </a:pPr>
-            <a:endParaRPr lang="fr-FR" sz="2000" dirty="0">
-              <a:solidFill>
-                <a:srgbClr val="095763"/>
-              </a:solidFill>
-            </a:endParaRPr>
-          </a:p>
-          <a:p>
-            <a:pPr marL="285750" indent="-285750">
-              <a:buFont typeface="Arial" panose="020B0604020202020204" pitchFamily="34" charset="0"/>
-              <a:buChar char="•"/>
-            </a:pPr>
-            <a:r>
-              <a:rPr lang="fr-FR" sz="2000" dirty="0">
-                <a:solidFill>
-                  <a:srgbClr val="095763"/>
-                </a:solidFill>
-              </a:rPr>
-              <a:t>Pas à pas avec Javascript</a:t>
-            </a:r>
-          </a:p>
-          <a:p>
-            <a:pPr marL="742950" lvl="1" indent="-285750">
-              <a:buFont typeface="Arial" panose="020B0604020202020204" pitchFamily="34" charset="0"/>
-              <a:buChar char="•"/>
-            </a:pPr>
-            <a:r>
-              <a:rPr lang="fr-FR" sz="2000" dirty="0">
-                <a:solidFill>
-                  <a:srgbClr val="095763"/>
-                </a:solidFill>
-              </a:rPr>
-              <a:t>Fonctionnalités de l’accueil</a:t>
-            </a:r>
-          </a:p>
-          <a:p>
-            <a:pPr marL="742950" lvl="1" indent="-285750">
-              <a:buFont typeface="Arial" panose="020B0604020202020204" pitchFamily="34" charset="0"/>
-              <a:buChar char="•"/>
-            </a:pPr>
-            <a:r>
-              <a:rPr lang="fr-FR" sz="2000" dirty="0">
-                <a:solidFill>
-                  <a:srgbClr val="095763"/>
-                </a:solidFill>
-              </a:rPr>
-              <a:t>Fonctionnalités de la page « produit »</a:t>
-            </a:r>
-          </a:p>
-          <a:p>
-            <a:pPr marL="742950" lvl="1" indent="-285750">
-              <a:buFont typeface="Arial" panose="020B0604020202020204" pitchFamily="34" charset="0"/>
-              <a:buChar char="•"/>
-            </a:pPr>
-            <a:r>
-              <a:rPr lang="fr-FR" sz="2000" dirty="0">
-                <a:solidFill>
-                  <a:srgbClr val="095763"/>
-                </a:solidFill>
-              </a:rPr>
-              <a:t>Fonctionnalités de la page « panier »</a:t>
-            </a:r>
-          </a:p>
-          <a:p>
-            <a:pPr marL="742950" lvl="1" indent="-285750">
-              <a:buFont typeface="Arial" panose="020B0604020202020204" pitchFamily="34" charset="0"/>
-              <a:buChar char="•"/>
-            </a:pPr>
-            <a:r>
-              <a:rPr lang="fr-FR" sz="2000" dirty="0">
-                <a:solidFill>
-                  <a:srgbClr val="095763"/>
-                </a:solidFill>
-              </a:rPr>
-              <a:t>Fonctionnalités de la page « confirmation »</a:t>
-            </a:r>
-          </a:p>
-          <a:p>
-            <a:pPr marL="285750" indent="-285750">
-              <a:buFont typeface="Arial" panose="020B0604020202020204" pitchFamily="34" charset="0"/>
-              <a:buChar char="•"/>
-            </a:pPr>
-            <a:endParaRPr lang="fr-FR" sz="2000" dirty="0">
-              <a:solidFill>
-                <a:srgbClr val="095763"/>
-              </a:solidFill>
-            </a:endParaRPr>
-          </a:p>
-          <a:p>
-            <a:pPr marL="285750" indent="-285750">
-              <a:buFont typeface="Arial" panose="020B0604020202020204" pitchFamily="34" charset="0"/>
-              <a:buChar char="•"/>
-            </a:pPr>
-            <a:r>
-              <a:rPr lang="fr-FR" sz="2000" dirty="0">
-                <a:solidFill>
-                  <a:srgbClr val="095763"/>
-                </a:solidFill>
-              </a:rPr>
-              <a:t>Plan de test </a:t>
-            </a:r>
-          </a:p>
-          <a:p>
-            <a:endParaRPr lang="fr-FR" sz="2000" dirty="0"/>
-          </a:p>
-        </p:txBody>
-      </p:sp>
-    </p:spTree>
-    <p:extLst>
-      <p:ext uri="{BB962C8B-B14F-4D97-AF65-F5344CB8AC3E}">
-        <p14:creationId xmlns:p14="http://schemas.microsoft.com/office/powerpoint/2010/main" val="3299715198"/>
-      </p:ext>
-    </p:extLst>
-  </p:cSld>
-  <p:clrMapOvr>
-    <a:masterClrMapping/>
-  </p:clrMapOvr>
-</p:sld>
-</file>
-
-<file path=ppt/slides/slide3.xml><?xml version="1.0" encoding="utf-8"?>
-<p:sld xmlns:a="http://schemas.openxmlformats.org/drawingml/2006/main" xmlns:r="http://schemas.openxmlformats.org/officeDocument/2006/relationships" xmlns:p="http://schemas.openxmlformats.org/presentationml/2006/main">
-  <p:cSld>
-    <p:bg>
-      <p:bgPr>
-        <a:pattFill prst="zigZag">
-          <a:fgClr>
-            <a:schemeClr val="accent3">
-              <a:lumMod val="75000"/>
-            </a:schemeClr>
-          </a:fgClr>
-          <a:bgClr>
-            <a:schemeClr val="accent3">
-              <a:lumMod val="50000"/>
-            </a:schemeClr>
-          </a:bgClr>
-        </a:pattFill>
-        <a:effectLst/>
-      </p:bgPr>
-    </p:bg>
-    <p:spTree>
-      <p:nvGrpSpPr>
-        <p:cNvPr id="1" name=""/>
-        <p:cNvGrpSpPr/>
-        <p:nvPr/>
-      </p:nvGrpSpPr>
-      <p:grpSpPr>
-        <a:xfrm>
-          <a:off x="0" y="0"/>
-          <a:ext cx="0" cy="0"/>
-          <a:chOff x="0" y="0"/>
-          <a:chExt cx="0" cy="0"/>
-        </a:xfrm>
-      </p:grpSpPr>
-      <p:grpSp>
-        <p:nvGrpSpPr>
-          <p:cNvPr id="11" name="Groupe 10">
-            <a:extLst>
-              <a:ext uri="{FF2B5EF4-FFF2-40B4-BE49-F238E27FC236}">
-                <a16:creationId xmlns:a16="http://schemas.microsoft.com/office/drawing/2014/main" id="{62A21665-C64F-4BDA-B2DE-442D70605718}"/>
-              </a:ext>
-              <a:ext uri="{C183D7F6-B498-43B3-948B-1728B52AA6E4}">
-                <adec:decorative xmlns:adec="http://schemas.microsoft.com/office/drawing/2017/decorative" val="1"/>
-              </a:ext>
-            </a:extLst>
-          </p:cNvPr>
-          <p:cNvGrpSpPr/>
-          <p:nvPr/>
-        </p:nvGrpSpPr>
-        <p:grpSpPr>
-          <a:xfrm>
-            <a:off x="4325258" y="1544068"/>
-            <a:ext cx="3541486" cy="3769865"/>
-            <a:chOff x="4325258" y="1229517"/>
-            <a:chExt cx="3541486" cy="3769865"/>
-          </a:xfrm>
-        </p:grpSpPr>
-        <p:sp>
-          <p:nvSpPr>
-            <p:cNvPr id="12" name="Losange 11">
-              <a:extLst>
-                <a:ext uri="{FF2B5EF4-FFF2-40B4-BE49-F238E27FC236}">
-                  <a16:creationId xmlns:a16="http://schemas.microsoft.com/office/drawing/2014/main" id="{7DC8B409-5FAC-4539-B25A-26BE925A48AF}"/>
-                </a:ext>
-              </a:extLst>
-            </p:cNvPr>
-            <p:cNvSpPr/>
-            <p:nvPr/>
-          </p:nvSpPr>
-          <p:spPr>
-            <a:xfrm>
-              <a:off x="4792319" y="2392018"/>
-              <a:ext cx="2607364" cy="2607364"/>
-            </a:xfrm>
-            <a:prstGeom prst="diamond">
-              <a:avLst/>
-            </a:prstGeom>
-            <a:noFill/>
-            <a:ln>
-              <a:solidFill>
-                <a:schemeClr val="accent3"/>
-              </a:solidFill>
-            </a:ln>
-          </p:spPr>
-          <p:style>
-            <a:lnRef idx="2">
-              <a:schemeClr val="accent1">
-                <a:shade val="50000"/>
-              </a:schemeClr>
-            </a:lnRef>
-            <a:fillRef idx="1">
-              <a:schemeClr val="accent1"/>
-            </a:fillRef>
-            <a:effectRef idx="0">
-              <a:schemeClr val="accent1"/>
-            </a:effectRef>
-            <a:fontRef idx="minor">
-              <a:schemeClr val="lt1"/>
-            </a:fontRef>
-          </p:style>
-          <p:txBody>
-            <a:bodyPr rtlCol="0" anchor="ctr"/>
-            <a:lstStyle/>
-            <a:p>
-              <a:pPr algn="ctr" rtl="0"/>
-              <a:endParaRPr lang="fr-FR" dirty="0"/>
-            </a:p>
-          </p:txBody>
-        </p:sp>
-        <p:sp>
-          <p:nvSpPr>
-            <p:cNvPr id="13" name="Losange 12">
-              <a:extLst>
-                <a:ext uri="{FF2B5EF4-FFF2-40B4-BE49-F238E27FC236}">
-                  <a16:creationId xmlns:a16="http://schemas.microsoft.com/office/drawing/2014/main" id="{91498E2F-539C-46D3-AF7C-BB1DAE76B114}"/>
-                </a:ext>
-              </a:extLst>
-            </p:cNvPr>
-            <p:cNvSpPr/>
-            <p:nvPr/>
-          </p:nvSpPr>
-          <p:spPr>
-            <a:xfrm>
-              <a:off x="4325258" y="1229517"/>
-              <a:ext cx="3541486" cy="3541486"/>
-            </a:xfrm>
-            <a:prstGeom prst="diamond">
-              <a:avLst/>
-            </a:prstGeom>
-            <a:noFill/>
-            <a:ln>
-              <a:solidFill>
-                <a:schemeClr val="accent4"/>
-              </a:solidFill>
-            </a:ln>
-          </p:spPr>
-          <p:style>
-            <a:lnRef idx="2">
-              <a:schemeClr val="accent1">
-                <a:shade val="50000"/>
-              </a:schemeClr>
-            </a:lnRef>
-            <a:fillRef idx="1">
-              <a:schemeClr val="accent1"/>
-            </a:fillRef>
-            <a:effectRef idx="0">
-              <a:schemeClr val="accent1"/>
-            </a:effectRef>
-            <a:fontRef idx="minor">
-              <a:schemeClr val="lt1"/>
-            </a:fontRef>
-          </p:style>
-          <p:txBody>
-            <a:bodyPr rtlCol="0" anchor="ctr"/>
-            <a:lstStyle/>
-            <a:p>
-              <a:pPr algn="ctr" rtl="0"/>
-              <a:endParaRPr lang="fr-FR" dirty="0"/>
-            </a:p>
-          </p:txBody>
-        </p:sp>
-      </p:grpSp>
-      <p:sp>
-        <p:nvSpPr>
-          <p:cNvPr id="15" name="Titre 1">
-            <a:extLst>
-              <a:ext uri="{FF2B5EF4-FFF2-40B4-BE49-F238E27FC236}">
-                <a16:creationId xmlns:a16="http://schemas.microsoft.com/office/drawing/2014/main" id="{FA061601-468D-486D-B8EE-42BD1BE3ADCC}"/>
-              </a:ext>
-            </a:extLst>
-          </p:cNvPr>
-          <p:cNvSpPr>
-            <a:spLocks noGrp="1"/>
-          </p:cNvSpPr>
-          <p:nvPr>
-            <p:ph type="ctrTitle"/>
-          </p:nvPr>
-        </p:nvSpPr>
-        <p:spPr>
-          <a:xfrm>
-            <a:off x="1524000" y="2514904"/>
-            <a:ext cx="9144000" cy="1828193"/>
-          </a:xfrm>
-        </p:spPr>
-        <p:txBody>
-          <a:bodyPr lIns="0" tIns="0" rIns="0" bIns="0" rtlCol="0" anchor="ctr">
-            <a:spAutoFit/>
-          </a:bodyPr>
-          <a:lstStyle/>
-          <a:p>
-            <a:pPr rtl="0"/>
-            <a:r>
-              <a:rPr lang="fr-FR" sz="6600" b="1" dirty="0">
-                <a:solidFill>
-                  <a:schemeClr val="bg1"/>
-                </a:solidFill>
-              </a:rPr>
-              <a:t>Présentation</a:t>
-            </a:r>
-            <a:br>
-              <a:rPr lang="fr-FR" sz="6600" b="1" dirty="0">
-                <a:solidFill>
-                  <a:schemeClr val="bg1"/>
-                </a:solidFill>
-              </a:rPr>
-            </a:br>
-            <a:r>
-              <a:rPr lang="fr-FR" sz="6600" b="1" dirty="0">
-                <a:solidFill>
-                  <a:schemeClr val="bg1"/>
-                </a:solidFill>
-              </a:rPr>
-              <a:t>du projet</a:t>
-            </a:r>
-            <a:endParaRPr lang="fr-FR" sz="6600" dirty="0">
-              <a:solidFill>
-                <a:schemeClr val="accent4"/>
-              </a:solidFill>
-            </a:endParaRPr>
-          </a:p>
-        </p:txBody>
-      </p:sp>
-      <p:pic>
-        <p:nvPicPr>
-          <p:cNvPr id="6" name="Image 5">
-            <a:extLst>
-              <a:ext uri="{FF2B5EF4-FFF2-40B4-BE49-F238E27FC236}">
-                <a16:creationId xmlns:a16="http://schemas.microsoft.com/office/drawing/2014/main" id="{5BC5F405-1A22-B904-D456-94925E4E323F}"/>
-              </a:ext>
-            </a:extLst>
-          </p:cNvPr>
-          <p:cNvPicPr>
-            <a:picLocks noChangeAspect="1"/>
-          </p:cNvPicPr>
-          <p:nvPr/>
-        </p:nvPicPr>
-        <p:blipFill>
-          <a:blip r:embed="rId3">
-            <a:extLst>
-              <a:ext uri="{28A0092B-C50C-407E-A947-70E740481C1C}">
-                <a14:useLocalDpi xmlns:a14="http://schemas.microsoft.com/office/drawing/2010/main" val="0"/>
-              </a:ext>
-            </a:extLst>
-          </a:blip>
-          <a:stretch>
-            <a:fillRect/>
-          </a:stretch>
-        </p:blipFill>
-        <p:spPr>
-          <a:xfrm>
-            <a:off x="9064487" y="1792889"/>
-            <a:ext cx="2577994" cy="3085491"/>
-          </a:xfrm>
-          <a:prstGeom prst="rect">
-            <a:avLst/>
-          </a:prstGeom>
-        </p:spPr>
-      </p:pic>
-    </p:spTree>
-    <p:extLst>
-      <p:ext uri="{BB962C8B-B14F-4D97-AF65-F5344CB8AC3E}">
-        <p14:creationId xmlns:p14="http://schemas.microsoft.com/office/powerpoint/2010/main" val="2218141838"/>
-      </p:ext>
-    </p:extLst>
-  </p:cSld>
-  <p:clrMapOvr>
-    <a:masterClrMapping/>
-  </p:clrMapOvr>
-</p:sld>
-</file>
-
-<file path=ppt/slides/slide4.xml><?xml version="1.0" encoding="utf-8"?>
-<p:sld xmlns:a="http://schemas.openxmlformats.org/drawingml/2006/main" xmlns:r="http://schemas.openxmlformats.org/officeDocument/2006/relationships" xmlns:p="http://schemas.openxmlformats.org/presentationml/2006/main">
-  <p:cSld>
-    <p:spTree>
-      <p:nvGrpSpPr>
-        <p:cNvPr id="1" name=""/>
-        <p:cNvGrpSpPr/>
-        <p:nvPr/>
-      </p:nvGrpSpPr>
-      <p:grpSpPr>
-        <a:xfrm>
-          <a:off x="0" y="0"/>
-          <a:ext cx="0" cy="0"/>
-          <a:chOff x="0" y="0"/>
-          <a:chExt cx="0" cy="0"/>
-        </a:xfrm>
-      </p:grpSpPr>
-      <p:sp>
-        <p:nvSpPr>
-          <p:cNvPr id="4" name="Titre 3" hidden="1">
-            <a:extLst>
-              <a:ext uri="{FF2B5EF4-FFF2-40B4-BE49-F238E27FC236}">
-                <a16:creationId xmlns:a16="http://schemas.microsoft.com/office/drawing/2014/main" id="{B5981CF1-BC08-49F8-B0F9-AAF98EC67450}"/>
-              </a:ext>
-            </a:extLst>
-          </p:cNvPr>
-          <p:cNvSpPr>
-            <a:spLocks noGrp="1"/>
-          </p:cNvSpPr>
-          <p:nvPr>
-            <p:ph type="title" idx="4294967295"/>
-          </p:nvPr>
-        </p:nvSpPr>
-        <p:spPr>
-          <a:xfrm>
-            <a:off x="0" y="365125"/>
-            <a:ext cx="10515600" cy="1325563"/>
-          </a:xfrm>
-        </p:spPr>
-        <p:txBody>
-          <a:bodyPr rtlCol="0"/>
-          <a:lstStyle/>
-          <a:p>
-            <a:r>
-              <a:rPr lang="fr-FR" dirty="0"/>
-              <a:t>Analyse du projet : diapositive </a:t>
-            </a:r>
-            <a:r>
-              <a:rPr lang="fr" dirty="0"/>
-              <a:t>2</a:t>
-            </a:r>
-          </a:p>
-        </p:txBody>
-      </p:sp>
-      <p:cxnSp>
-        <p:nvCxnSpPr>
-          <p:cNvPr id="8" name="Connecteur droit 7">
-            <a:extLst>
-              <a:ext uri="{FF2B5EF4-FFF2-40B4-BE49-F238E27FC236}">
-                <a16:creationId xmlns:a16="http://schemas.microsoft.com/office/drawing/2014/main" id="{D0986099-F5F2-4E8B-BE17-81194861A00C}"/>
-              </a:ext>
-              <a:ext uri="{C183D7F6-B498-43B3-948B-1728B52AA6E4}">
-                <adec:decorative xmlns:adec="http://schemas.microsoft.com/office/drawing/2017/decorative" val="1"/>
-              </a:ext>
-            </a:extLst>
-          </p:cNvPr>
-          <p:cNvCxnSpPr>
-            <a:cxnSpLocks/>
-          </p:cNvCxnSpPr>
-          <p:nvPr/>
-        </p:nvCxnSpPr>
-        <p:spPr>
-          <a:xfrm>
-            <a:off x="9303391" y="522898"/>
-            <a:ext cx="2888609" cy="0"/>
-          </a:xfrm>
-          <a:prstGeom prst="line">
-            <a:avLst/>
-          </a:prstGeom>
-          <a:ln>
-            <a:solidFill>
-              <a:schemeClr val="accent3">
-                <a:lumMod val="50000"/>
-              </a:schemeClr>
-            </a:solidFill>
-            <a:headEnd type="oval"/>
-          </a:ln>
-        </p:spPr>
-        <p:style>
-          <a:lnRef idx="1">
-            <a:schemeClr val="accent1"/>
-          </a:lnRef>
-          <a:fillRef idx="0">
-            <a:schemeClr val="accent1"/>
-          </a:fillRef>
-          <a:effectRef idx="0">
-            <a:schemeClr val="accent1"/>
-          </a:effectRef>
-          <a:fontRef idx="minor">
-            <a:schemeClr val="tx1"/>
-          </a:fontRef>
-        </p:style>
-      </p:cxnSp>
-      <p:sp>
-        <p:nvSpPr>
-          <p:cNvPr id="11" name="Titre 1">
-            <a:extLst>
-              <a:ext uri="{FF2B5EF4-FFF2-40B4-BE49-F238E27FC236}">
-                <a16:creationId xmlns:a16="http://schemas.microsoft.com/office/drawing/2014/main" id="{4E3F5479-058B-4FA8-92E9-18CAB8CDC5C5}"/>
-              </a:ext>
-            </a:extLst>
-          </p:cNvPr>
-          <p:cNvSpPr txBox="1">
-            <a:spLocks/>
-          </p:cNvSpPr>
-          <p:nvPr/>
-        </p:nvSpPr>
-        <p:spPr>
-          <a:xfrm>
-            <a:off x="228600" y="322168"/>
-            <a:ext cx="11734800" cy="775597"/>
-          </a:xfrm>
-          <a:prstGeom prst="rect">
-            <a:avLst/>
-          </a:prstGeom>
-        </p:spPr>
-        <p:txBody>
-          <a:bodyPr vert="horz" wrap="square" lIns="0" tIns="0" rIns="0" bIns="0" rtlCol="0" anchor="t">
-            <a:spAutoFit/>
-          </a:bodyPr>
-          <a:lstStyle>
-            <a:lvl1pPr algn="l" defTabSz="914400" rtl="0" eaLnBrk="1" latinLnBrk="0" hangingPunct="1">
-              <a:lnSpc>
-                <a:spcPct val="90000"/>
-              </a:lnSpc>
-              <a:spcBef>
-                <a:spcPct val="0"/>
-              </a:spcBef>
-              <a:buNone/>
-              <a:defRPr sz="4400" kern="1200">
-                <a:solidFill>
-                  <a:schemeClr val="tx1"/>
-                </a:solidFill>
-                <a:latin typeface="+mj-lt"/>
-                <a:ea typeface="+mj-ea"/>
-                <a:cs typeface="+mj-cs"/>
-              </a:defRPr>
-            </a:lvl1pPr>
-          </a:lstStyle>
-          <a:p>
-            <a:pPr algn="ctr" rtl="0"/>
-            <a:r>
-              <a:rPr lang="fr-FR" sz="2800" b="1" dirty="0">
-                <a:solidFill>
-                  <a:srgbClr val="095763"/>
-                </a:solidFill>
-              </a:rPr>
-              <a:t>Fonctionnalités de l’accueil</a:t>
-            </a:r>
-            <a:br>
-              <a:rPr lang="fr-FR" sz="2800" dirty="0">
-                <a:solidFill>
-                  <a:schemeClr val="tx1">
-                    <a:lumMod val="75000"/>
-                    <a:lumOff val="25000"/>
-                  </a:schemeClr>
-                </a:solidFill>
-              </a:rPr>
-            </a:br>
-            <a:endParaRPr lang="fr-FR" sz="2800" dirty="0">
-              <a:solidFill>
-                <a:schemeClr val="tx1">
-                  <a:lumMod val="75000"/>
-                  <a:lumOff val="25000"/>
-                </a:schemeClr>
-              </a:solidFill>
-            </a:endParaRPr>
-          </a:p>
-        </p:txBody>
-      </p:sp>
-      <p:cxnSp>
-        <p:nvCxnSpPr>
-          <p:cNvPr id="14" name="Connecteur droit 13">
-            <a:extLst>
-              <a:ext uri="{FF2B5EF4-FFF2-40B4-BE49-F238E27FC236}">
-                <a16:creationId xmlns:a16="http://schemas.microsoft.com/office/drawing/2014/main" id="{83E690F4-843A-47A5-8620-4FB01C0D8E68}"/>
-              </a:ext>
-              <a:ext uri="{C183D7F6-B498-43B3-948B-1728B52AA6E4}">
-                <adec:decorative xmlns:adec="http://schemas.microsoft.com/office/drawing/2017/decorative" val="1"/>
-              </a:ext>
-            </a:extLst>
-          </p:cNvPr>
-          <p:cNvCxnSpPr>
-            <a:cxnSpLocks/>
-          </p:cNvCxnSpPr>
-          <p:nvPr/>
-        </p:nvCxnSpPr>
-        <p:spPr>
-          <a:xfrm>
-            <a:off x="0" y="522898"/>
-            <a:ext cx="2877424" cy="0"/>
-          </a:xfrm>
-          <a:prstGeom prst="line">
-            <a:avLst/>
-          </a:prstGeom>
-          <a:ln>
-            <a:solidFill>
-              <a:schemeClr val="accent3">
-                <a:lumMod val="50000"/>
-              </a:schemeClr>
-            </a:solidFill>
-            <a:tailEnd type="oval"/>
-          </a:ln>
-        </p:spPr>
-        <p:style>
-          <a:lnRef idx="1">
-            <a:schemeClr val="accent1"/>
-          </a:lnRef>
-          <a:fillRef idx="0">
-            <a:schemeClr val="accent1"/>
-          </a:fillRef>
-          <a:effectRef idx="0">
-            <a:schemeClr val="accent1"/>
-          </a:effectRef>
-          <a:fontRef idx="minor">
-            <a:schemeClr val="tx1"/>
-          </a:fontRef>
-        </p:style>
-      </p:cxnSp>
-      <p:sp>
-        <p:nvSpPr>
-          <p:cNvPr id="56" name="Rectangle 55">
-            <a:extLst>
-              <a:ext uri="{FF2B5EF4-FFF2-40B4-BE49-F238E27FC236}">
-                <a16:creationId xmlns:a16="http://schemas.microsoft.com/office/drawing/2014/main" id="{B3283D92-3EEE-B06D-F4B4-EA560E67B579}"/>
-              </a:ext>
-            </a:extLst>
-          </p:cNvPr>
-          <p:cNvSpPr/>
-          <p:nvPr/>
-        </p:nvSpPr>
-        <p:spPr>
-          <a:xfrm>
-            <a:off x="1076604" y="2886560"/>
-            <a:ext cx="1371600" cy="984885"/>
-          </a:xfrm>
-          <a:prstGeom prst="rect">
-            <a:avLst/>
-          </a:prstGeom>
-        </p:spPr>
-        <p:txBody>
-          <a:bodyPr wrap="square" lIns="0" tIns="0" rIns="0" bIns="0" rtlCol="0">
-            <a:spAutoFit/>
-          </a:bodyPr>
-          <a:lstStyle/>
-          <a:p>
-            <a:pPr algn="ctr" rtl="0"/>
-            <a:r>
-              <a:rPr lang="fr-FR" sz="1600" b="1" dirty="0">
-                <a:solidFill>
-                  <a:schemeClr val="bg1"/>
-                </a:solidFill>
-              </a:rPr>
-              <a:t>Prendre en main les maquettes HTML/CSS</a:t>
-            </a:r>
-          </a:p>
-        </p:txBody>
-      </p:sp>
-      <p:sp>
-        <p:nvSpPr>
-          <p:cNvPr id="57" name="Rectangle 56">
-            <a:extLst>
-              <a:ext uri="{FF2B5EF4-FFF2-40B4-BE49-F238E27FC236}">
-                <a16:creationId xmlns:a16="http://schemas.microsoft.com/office/drawing/2014/main" id="{AA5922AD-940A-745F-635B-70CF97217C23}"/>
-              </a:ext>
-            </a:extLst>
-          </p:cNvPr>
-          <p:cNvSpPr/>
-          <p:nvPr/>
-        </p:nvSpPr>
-        <p:spPr>
-          <a:xfrm>
-            <a:off x="3243403" y="2886560"/>
-            <a:ext cx="1371600" cy="492443"/>
-          </a:xfrm>
-          <a:prstGeom prst="rect">
-            <a:avLst/>
-          </a:prstGeom>
-        </p:spPr>
-        <p:txBody>
-          <a:bodyPr wrap="square" lIns="0" tIns="0" rIns="0" bIns="0" rtlCol="0">
-            <a:spAutoFit/>
-          </a:bodyPr>
-          <a:lstStyle/>
-          <a:p>
-            <a:pPr algn="ctr" rtl="0"/>
-            <a:r>
-              <a:rPr lang="fr-FR" sz="1600" b="1" dirty="0">
-                <a:solidFill>
-                  <a:schemeClr val="bg1"/>
-                </a:solidFill>
-              </a:rPr>
-              <a:t>ANALYSE TECHNIQUE</a:t>
-            </a:r>
-          </a:p>
-        </p:txBody>
-      </p:sp>
-      <p:sp>
-        <p:nvSpPr>
-          <p:cNvPr id="58" name="Rectangle 57">
-            <a:extLst>
-              <a:ext uri="{FF2B5EF4-FFF2-40B4-BE49-F238E27FC236}">
-                <a16:creationId xmlns:a16="http://schemas.microsoft.com/office/drawing/2014/main" id="{10EEBB15-1E7D-818B-D16D-1F77BED266BB}"/>
-              </a:ext>
-            </a:extLst>
-          </p:cNvPr>
-          <p:cNvSpPr/>
-          <p:nvPr/>
-        </p:nvSpPr>
-        <p:spPr>
-          <a:xfrm>
-            <a:off x="5410201" y="2886560"/>
-            <a:ext cx="1371600" cy="492443"/>
-          </a:xfrm>
-          <a:prstGeom prst="rect">
-            <a:avLst/>
-          </a:prstGeom>
-        </p:spPr>
-        <p:txBody>
-          <a:bodyPr wrap="square" lIns="0" tIns="0" rIns="0" bIns="0" rtlCol="0">
-            <a:spAutoFit/>
-          </a:bodyPr>
-          <a:lstStyle/>
-          <a:p>
-            <a:pPr algn="ctr" rtl="0"/>
-            <a:r>
-              <a:rPr lang="fr-FR" sz="1600" b="1" dirty="0">
-                <a:solidFill>
-                  <a:schemeClr val="bg1"/>
-                </a:solidFill>
-              </a:rPr>
-              <a:t>ANALYSE FINANCIÈRE</a:t>
-            </a:r>
-          </a:p>
-        </p:txBody>
-      </p:sp>
-      <p:sp>
-        <p:nvSpPr>
-          <p:cNvPr id="59" name="Rectangle 58">
-            <a:extLst>
-              <a:ext uri="{FF2B5EF4-FFF2-40B4-BE49-F238E27FC236}">
-                <a16:creationId xmlns:a16="http://schemas.microsoft.com/office/drawing/2014/main" id="{B136944F-D1F7-3714-21B6-E19D90A5AECE}"/>
-              </a:ext>
-            </a:extLst>
-          </p:cNvPr>
-          <p:cNvSpPr/>
-          <p:nvPr/>
-        </p:nvSpPr>
-        <p:spPr>
-          <a:xfrm>
-            <a:off x="7577000" y="2886560"/>
-            <a:ext cx="1371600" cy="492443"/>
-          </a:xfrm>
-          <a:prstGeom prst="rect">
-            <a:avLst/>
-          </a:prstGeom>
-        </p:spPr>
-        <p:txBody>
-          <a:bodyPr wrap="square" lIns="0" tIns="0" rIns="0" bIns="0" rtlCol="0">
-            <a:spAutoFit/>
-          </a:bodyPr>
-          <a:lstStyle/>
-          <a:p>
-            <a:pPr algn="ctr" rtl="0"/>
-            <a:r>
-              <a:rPr lang="fr-FR" sz="1600" b="1" dirty="0">
-                <a:solidFill>
-                  <a:schemeClr val="bg1"/>
-                </a:solidFill>
-              </a:rPr>
-              <a:t>ANALYSE ÉCONOMIQUE</a:t>
-            </a:r>
-          </a:p>
-        </p:txBody>
-      </p:sp>
-      <p:sp>
-        <p:nvSpPr>
-          <p:cNvPr id="60" name="Rectangle 59">
-            <a:extLst>
-              <a:ext uri="{FF2B5EF4-FFF2-40B4-BE49-F238E27FC236}">
-                <a16:creationId xmlns:a16="http://schemas.microsoft.com/office/drawing/2014/main" id="{8652B7AB-60BA-6A0E-9709-0502A47A6D09}"/>
-              </a:ext>
-            </a:extLst>
-          </p:cNvPr>
-          <p:cNvSpPr/>
-          <p:nvPr/>
-        </p:nvSpPr>
-        <p:spPr>
-          <a:xfrm>
-            <a:off x="9745956" y="2886560"/>
-            <a:ext cx="1371600" cy="492443"/>
-          </a:xfrm>
-          <a:prstGeom prst="rect">
-            <a:avLst/>
-          </a:prstGeom>
-        </p:spPr>
-        <p:txBody>
-          <a:bodyPr wrap="square" lIns="0" tIns="0" rIns="0" bIns="0" rtlCol="0">
-            <a:spAutoFit/>
-          </a:bodyPr>
-          <a:lstStyle/>
-          <a:p>
-            <a:pPr algn="ctr" rtl="0"/>
-            <a:r>
-              <a:rPr lang="fr-FR" sz="1600" b="1" dirty="0">
-                <a:solidFill>
-                  <a:schemeClr val="bg1"/>
-                </a:solidFill>
-              </a:rPr>
-              <a:t>ANALYSE ÉCOLOGIQUE</a:t>
-            </a:r>
-          </a:p>
-        </p:txBody>
-      </p:sp>
-      <p:sp>
-        <p:nvSpPr>
-          <p:cNvPr id="12" name="ZoneTexte 11">
-            <a:extLst>
-              <a:ext uri="{FF2B5EF4-FFF2-40B4-BE49-F238E27FC236}">
-                <a16:creationId xmlns:a16="http://schemas.microsoft.com/office/drawing/2014/main" id="{BB4A5D15-C642-6736-2897-183D844E799C}"/>
-              </a:ext>
-            </a:extLst>
-          </p:cNvPr>
-          <p:cNvSpPr txBox="1"/>
-          <p:nvPr/>
-        </p:nvSpPr>
-        <p:spPr>
-          <a:xfrm>
-            <a:off x="529520" y="2384884"/>
-            <a:ext cx="11313075" cy="2923877"/>
-          </a:xfrm>
-          <a:prstGeom prst="rect">
-            <a:avLst/>
-          </a:prstGeom>
-          <a:noFill/>
-        </p:spPr>
-        <p:txBody>
-          <a:bodyPr wrap="square" rtlCol="0">
-            <a:spAutoFit/>
-          </a:bodyPr>
-          <a:lstStyle/>
-          <a:p>
-            <a:pPr marL="285750" indent="-285750" algn="ctr">
-              <a:buFont typeface="Arial" panose="020B0604020202020204" pitchFamily="34" charset="0"/>
-              <a:buChar char="•"/>
-            </a:pPr>
-            <a:r>
-              <a:rPr lang="fr-FR" dirty="0">
-                <a:solidFill>
-                  <a:srgbClr val="095763"/>
-                </a:solidFill>
-              </a:rPr>
-              <a:t>L’index est la vitrine du site il n’y a que l’affichage des produits vendus par la marque.</a:t>
-            </a:r>
-          </a:p>
-          <a:p>
-            <a:pPr marL="285750" indent="-285750" algn="ctr">
-              <a:buFont typeface="Arial" panose="020B0604020202020204" pitchFamily="34" charset="0"/>
-              <a:buChar char="•"/>
-            </a:pPr>
-            <a:endParaRPr lang="fr-FR" dirty="0">
-              <a:solidFill>
-                <a:srgbClr val="095763"/>
-              </a:solidFill>
-            </a:endParaRPr>
-          </a:p>
-          <a:p>
-            <a:pPr marL="285750" indent="-285750" algn="ctr">
-              <a:buFont typeface="Arial" panose="020B0604020202020204" pitchFamily="34" charset="0"/>
-              <a:buChar char="•"/>
-            </a:pPr>
-            <a:endParaRPr lang="fr-FR" dirty="0">
-              <a:solidFill>
-                <a:srgbClr val="095763"/>
-              </a:solidFill>
-            </a:endParaRPr>
-          </a:p>
-          <a:p>
-            <a:pPr marL="285750" indent="-285750" algn="ctr">
-              <a:buFont typeface="Arial" panose="020B0604020202020204" pitchFamily="34" charset="0"/>
-              <a:buChar char="•"/>
-            </a:pPr>
-            <a:r>
-              <a:rPr lang="fr-FR" dirty="0">
-                <a:solidFill>
-                  <a:srgbClr val="095763"/>
-                </a:solidFill>
-              </a:rPr>
-              <a:t>Les données sur les produits étant disponible via l’API développée par Bilal, mon travail consistait à interrogé cette dernière.</a:t>
-            </a:r>
-          </a:p>
-          <a:p>
-            <a:pPr marL="285750" indent="-285750" algn="ctr">
-              <a:buFont typeface="Arial" panose="020B0604020202020204" pitchFamily="34" charset="0"/>
-              <a:buChar char="•"/>
-            </a:pPr>
-            <a:endParaRPr lang="fr-FR" dirty="0">
-              <a:solidFill>
-                <a:srgbClr val="095763"/>
-              </a:solidFill>
-            </a:endParaRPr>
-          </a:p>
-          <a:p>
-            <a:pPr marL="285750" indent="-285750" algn="ctr">
-              <a:buFont typeface="Arial" panose="020B0604020202020204" pitchFamily="34" charset="0"/>
-              <a:buChar char="•"/>
-            </a:pPr>
-            <a:endParaRPr lang="fr-FR" dirty="0">
-              <a:solidFill>
-                <a:srgbClr val="095763"/>
-              </a:solidFill>
-            </a:endParaRPr>
-          </a:p>
-          <a:p>
-            <a:pPr marL="285750" indent="-285750" algn="ctr">
-              <a:buFont typeface="Arial" panose="020B0604020202020204" pitchFamily="34" charset="0"/>
-              <a:buChar char="•"/>
-            </a:pPr>
-            <a:r>
-              <a:rPr lang="fr-FR" dirty="0">
-                <a:solidFill>
-                  <a:srgbClr val="095763"/>
-                </a:solidFill>
-              </a:rPr>
-              <a:t>Puis d’afficher le résultat sous la forme prévue par Frank, via une modification du DOM.</a:t>
-            </a:r>
-          </a:p>
-          <a:p>
-            <a:pPr algn="ctr"/>
-            <a:endParaRPr lang="fr-FR" sz="2000" dirty="0">
-              <a:solidFill>
-                <a:srgbClr val="095763"/>
-              </a:solidFill>
-            </a:endParaRPr>
-          </a:p>
-          <a:p>
-            <a:endParaRPr lang="fr-FR" sz="2000" dirty="0"/>
-          </a:p>
-        </p:txBody>
-      </p:sp>
-    </p:spTree>
-    <p:extLst>
-      <p:ext uri="{BB962C8B-B14F-4D97-AF65-F5344CB8AC3E}">
-        <p14:creationId xmlns:p14="http://schemas.microsoft.com/office/powerpoint/2010/main" val="3097629229"/>
-      </p:ext>
-    </p:extLst>
-  </p:cSld>
-  <p:clrMapOvr>
-    <a:masterClrMapping/>
-  </p:clrMapOvr>
-</p:sld>
-</file>
-
-<file path=ppt/slides/slide5.xml><?xml version="1.0" encoding="utf-8"?>
-<p:sld xmlns:a="http://schemas.openxmlformats.org/drawingml/2006/main" xmlns:r="http://schemas.openxmlformats.org/officeDocument/2006/relationships" xmlns:p="http://schemas.openxmlformats.org/presentationml/2006/main">
-  <p:cSld>
-    <p:spTree>
-      <p:nvGrpSpPr>
-        <p:cNvPr id="1" name=""/>
-        <p:cNvGrpSpPr/>
-        <p:nvPr/>
-      </p:nvGrpSpPr>
-      <p:grpSpPr>
-        <a:xfrm>
-          <a:off x="0" y="0"/>
-          <a:ext cx="0" cy="0"/>
-          <a:chOff x="0" y="0"/>
-          <a:chExt cx="0" cy="0"/>
-        </a:xfrm>
-      </p:grpSpPr>
-      <p:sp>
-        <p:nvSpPr>
-          <p:cNvPr id="4" name="Titre 3" hidden="1">
-            <a:extLst>
-              <a:ext uri="{FF2B5EF4-FFF2-40B4-BE49-F238E27FC236}">
-                <a16:creationId xmlns:a16="http://schemas.microsoft.com/office/drawing/2014/main" id="{B5981CF1-BC08-49F8-B0F9-AAF98EC67450}"/>
-              </a:ext>
-            </a:extLst>
-          </p:cNvPr>
-          <p:cNvSpPr>
-            <a:spLocks noGrp="1"/>
-          </p:cNvSpPr>
-          <p:nvPr>
-            <p:ph type="title" idx="4294967295"/>
-          </p:nvPr>
-        </p:nvSpPr>
-        <p:spPr>
-          <a:xfrm>
-            <a:off x="0" y="365125"/>
-            <a:ext cx="10515600" cy="1325563"/>
-          </a:xfrm>
-        </p:spPr>
-        <p:txBody>
-          <a:bodyPr rtlCol="0"/>
-          <a:lstStyle/>
-          <a:p>
-            <a:r>
-              <a:rPr lang="fr-FR" dirty="0"/>
-              <a:t>Analyse du projet : diapositive </a:t>
-            </a:r>
-            <a:r>
-              <a:rPr lang="fr" dirty="0"/>
-              <a:t>2</a:t>
-            </a:r>
-          </a:p>
-        </p:txBody>
-      </p:sp>
-      <p:cxnSp>
-        <p:nvCxnSpPr>
-          <p:cNvPr id="8" name="Connecteur droit 7">
-            <a:extLst>
-              <a:ext uri="{FF2B5EF4-FFF2-40B4-BE49-F238E27FC236}">
-                <a16:creationId xmlns:a16="http://schemas.microsoft.com/office/drawing/2014/main" id="{D0986099-F5F2-4E8B-BE17-81194861A00C}"/>
-              </a:ext>
-              <a:ext uri="{C183D7F6-B498-43B3-948B-1728B52AA6E4}">
-                <adec:decorative xmlns:adec="http://schemas.microsoft.com/office/drawing/2017/decorative" val="1"/>
-              </a:ext>
-            </a:extLst>
-          </p:cNvPr>
-          <p:cNvCxnSpPr>
-            <a:cxnSpLocks/>
-          </p:cNvCxnSpPr>
-          <p:nvPr/>
-        </p:nvCxnSpPr>
-        <p:spPr>
-          <a:xfrm>
-            <a:off x="9303391" y="522898"/>
-            <a:ext cx="2888609" cy="0"/>
-          </a:xfrm>
-          <a:prstGeom prst="line">
-            <a:avLst/>
-          </a:prstGeom>
-          <a:ln>
-            <a:solidFill>
-              <a:schemeClr val="accent3">
-                <a:lumMod val="50000"/>
-              </a:schemeClr>
-            </a:solidFill>
-            <a:headEnd type="oval"/>
-          </a:ln>
-        </p:spPr>
-        <p:style>
-          <a:lnRef idx="1">
-            <a:schemeClr val="accent1"/>
-          </a:lnRef>
-          <a:fillRef idx="0">
-            <a:schemeClr val="accent1"/>
-          </a:fillRef>
-          <a:effectRef idx="0">
-            <a:schemeClr val="accent1"/>
-          </a:effectRef>
-          <a:fontRef idx="minor">
-            <a:schemeClr val="tx1"/>
-          </a:fontRef>
-        </p:style>
-      </p:cxnSp>
-      <p:sp>
-        <p:nvSpPr>
-          <p:cNvPr id="11" name="Titre 1">
-            <a:extLst>
-              <a:ext uri="{FF2B5EF4-FFF2-40B4-BE49-F238E27FC236}">
-                <a16:creationId xmlns:a16="http://schemas.microsoft.com/office/drawing/2014/main" id="{4E3F5479-058B-4FA8-92E9-18CAB8CDC5C5}"/>
-              </a:ext>
-            </a:extLst>
-          </p:cNvPr>
-          <p:cNvSpPr txBox="1">
-            <a:spLocks/>
-          </p:cNvSpPr>
-          <p:nvPr/>
-        </p:nvSpPr>
-        <p:spPr>
-          <a:xfrm>
-            <a:off x="228600" y="322168"/>
-            <a:ext cx="11734800" cy="775597"/>
-          </a:xfrm>
-          <a:prstGeom prst="rect">
-            <a:avLst/>
-          </a:prstGeom>
-        </p:spPr>
-        <p:txBody>
-          <a:bodyPr vert="horz" wrap="square" lIns="0" tIns="0" rIns="0" bIns="0" rtlCol="0" anchor="t">
-            <a:spAutoFit/>
-          </a:bodyPr>
-          <a:lstStyle>
-            <a:lvl1pPr algn="l" defTabSz="914400" rtl="0" eaLnBrk="1" latinLnBrk="0" hangingPunct="1">
-              <a:lnSpc>
-                <a:spcPct val="90000"/>
-              </a:lnSpc>
-              <a:spcBef>
-                <a:spcPct val="0"/>
-              </a:spcBef>
-              <a:buNone/>
-              <a:defRPr sz="4400" kern="1200">
-                <a:solidFill>
-                  <a:schemeClr val="tx1"/>
-                </a:solidFill>
-                <a:latin typeface="+mj-lt"/>
-                <a:ea typeface="+mj-ea"/>
-                <a:cs typeface="+mj-cs"/>
-              </a:defRPr>
-            </a:lvl1pPr>
-          </a:lstStyle>
-          <a:p>
-            <a:pPr algn="ctr" rtl="0"/>
-            <a:r>
-              <a:rPr lang="fr-FR" sz="2800" b="1" dirty="0">
-                <a:solidFill>
-                  <a:srgbClr val="095763"/>
-                </a:solidFill>
-              </a:rPr>
-              <a:t>Fonctionnalités de l’accueil</a:t>
-            </a:r>
-            <a:br>
-              <a:rPr lang="fr-FR" sz="2800" dirty="0">
-                <a:solidFill>
-                  <a:schemeClr val="tx1">
-                    <a:lumMod val="75000"/>
-                    <a:lumOff val="25000"/>
-                  </a:schemeClr>
-                </a:solidFill>
-              </a:rPr>
-            </a:br>
-            <a:endParaRPr lang="fr-FR" sz="2800" dirty="0">
-              <a:solidFill>
-                <a:schemeClr val="tx1">
-                  <a:lumMod val="75000"/>
-                  <a:lumOff val="25000"/>
-                </a:schemeClr>
-              </a:solidFill>
-            </a:endParaRPr>
-          </a:p>
-        </p:txBody>
-      </p:sp>
-      <p:cxnSp>
-        <p:nvCxnSpPr>
-          <p:cNvPr id="14" name="Connecteur droit 13">
-            <a:extLst>
-              <a:ext uri="{FF2B5EF4-FFF2-40B4-BE49-F238E27FC236}">
-                <a16:creationId xmlns:a16="http://schemas.microsoft.com/office/drawing/2014/main" id="{83E690F4-843A-47A5-8620-4FB01C0D8E68}"/>
-              </a:ext>
-              <a:ext uri="{C183D7F6-B498-43B3-948B-1728B52AA6E4}">
-                <adec:decorative xmlns:adec="http://schemas.microsoft.com/office/drawing/2017/decorative" val="1"/>
-              </a:ext>
-            </a:extLst>
-          </p:cNvPr>
-          <p:cNvCxnSpPr>
-            <a:cxnSpLocks/>
-          </p:cNvCxnSpPr>
-          <p:nvPr/>
-        </p:nvCxnSpPr>
-        <p:spPr>
-          <a:xfrm>
-            <a:off x="0" y="522898"/>
-            <a:ext cx="2877424" cy="0"/>
-          </a:xfrm>
-          <a:prstGeom prst="line">
-            <a:avLst/>
-          </a:prstGeom>
-          <a:ln>
-            <a:solidFill>
-              <a:schemeClr val="accent3">
-                <a:lumMod val="50000"/>
-              </a:schemeClr>
-            </a:solidFill>
-            <a:tailEnd type="oval"/>
-          </a:ln>
-        </p:spPr>
-        <p:style>
-          <a:lnRef idx="1">
-            <a:schemeClr val="accent1"/>
-          </a:lnRef>
-          <a:fillRef idx="0">
-            <a:schemeClr val="accent1"/>
-          </a:fillRef>
-          <a:effectRef idx="0">
-            <a:schemeClr val="accent1"/>
-          </a:effectRef>
-          <a:fontRef idx="minor">
-            <a:schemeClr val="tx1"/>
-          </a:fontRef>
-        </p:style>
-      </p:cxnSp>
-      <p:sp>
-        <p:nvSpPr>
-          <p:cNvPr id="56" name="Rectangle 55">
-            <a:extLst>
-              <a:ext uri="{FF2B5EF4-FFF2-40B4-BE49-F238E27FC236}">
-                <a16:creationId xmlns:a16="http://schemas.microsoft.com/office/drawing/2014/main" id="{B3283D92-3EEE-B06D-F4B4-EA560E67B579}"/>
-              </a:ext>
-            </a:extLst>
-          </p:cNvPr>
-          <p:cNvSpPr/>
-          <p:nvPr/>
-        </p:nvSpPr>
-        <p:spPr>
-          <a:xfrm>
-            <a:off x="1076604" y="2886560"/>
-            <a:ext cx="1371600" cy="984885"/>
-          </a:xfrm>
-          <a:prstGeom prst="rect">
-            <a:avLst/>
-          </a:prstGeom>
-        </p:spPr>
-        <p:txBody>
-          <a:bodyPr wrap="square" lIns="0" tIns="0" rIns="0" bIns="0" rtlCol="0">
-            <a:spAutoFit/>
-          </a:bodyPr>
-          <a:lstStyle/>
-          <a:p>
-            <a:pPr algn="ctr" rtl="0"/>
-            <a:r>
-              <a:rPr lang="fr-FR" sz="1600" b="1" dirty="0">
-                <a:solidFill>
-                  <a:schemeClr val="bg1"/>
-                </a:solidFill>
-              </a:rPr>
-              <a:t>Prendre en main les maquettes HTML/CSS</a:t>
-            </a:r>
-          </a:p>
-        </p:txBody>
-      </p:sp>
-      <p:sp>
-        <p:nvSpPr>
-          <p:cNvPr id="57" name="Rectangle 56">
-            <a:extLst>
-              <a:ext uri="{FF2B5EF4-FFF2-40B4-BE49-F238E27FC236}">
-                <a16:creationId xmlns:a16="http://schemas.microsoft.com/office/drawing/2014/main" id="{AA5922AD-940A-745F-635B-70CF97217C23}"/>
-              </a:ext>
-            </a:extLst>
-          </p:cNvPr>
-          <p:cNvSpPr/>
-          <p:nvPr/>
-        </p:nvSpPr>
-        <p:spPr>
-          <a:xfrm>
-            <a:off x="3243403" y="2886560"/>
-            <a:ext cx="1371600" cy="492443"/>
-          </a:xfrm>
-          <a:prstGeom prst="rect">
-            <a:avLst/>
-          </a:prstGeom>
-        </p:spPr>
-        <p:txBody>
-          <a:bodyPr wrap="square" lIns="0" tIns="0" rIns="0" bIns="0" rtlCol="0">
-            <a:spAutoFit/>
-          </a:bodyPr>
-          <a:lstStyle/>
-          <a:p>
-            <a:pPr algn="ctr" rtl="0"/>
-            <a:r>
-              <a:rPr lang="fr-FR" sz="1600" b="1" dirty="0">
-                <a:solidFill>
-                  <a:schemeClr val="bg1"/>
-                </a:solidFill>
-              </a:rPr>
-              <a:t>ANALYSE TECHNIQUE</a:t>
-            </a:r>
-          </a:p>
-        </p:txBody>
-      </p:sp>
-      <p:sp>
-        <p:nvSpPr>
-          <p:cNvPr id="58" name="Rectangle 57">
-            <a:extLst>
-              <a:ext uri="{FF2B5EF4-FFF2-40B4-BE49-F238E27FC236}">
-                <a16:creationId xmlns:a16="http://schemas.microsoft.com/office/drawing/2014/main" id="{10EEBB15-1E7D-818B-D16D-1F77BED266BB}"/>
-              </a:ext>
-            </a:extLst>
-          </p:cNvPr>
-          <p:cNvSpPr/>
-          <p:nvPr/>
-        </p:nvSpPr>
-        <p:spPr>
-          <a:xfrm>
-            <a:off x="5410201" y="2886560"/>
-            <a:ext cx="1371600" cy="492443"/>
-          </a:xfrm>
-          <a:prstGeom prst="rect">
-            <a:avLst/>
-          </a:prstGeom>
-        </p:spPr>
-        <p:txBody>
-          <a:bodyPr wrap="square" lIns="0" tIns="0" rIns="0" bIns="0" rtlCol="0">
-            <a:spAutoFit/>
-          </a:bodyPr>
-          <a:lstStyle/>
-          <a:p>
-            <a:pPr algn="ctr" rtl="0"/>
-            <a:r>
-              <a:rPr lang="fr-FR" sz="1600" b="1" dirty="0">
-                <a:solidFill>
-                  <a:schemeClr val="bg1"/>
-                </a:solidFill>
-              </a:rPr>
-              <a:t>ANALYSE FINANCIÈRE</a:t>
-            </a:r>
-          </a:p>
-        </p:txBody>
-      </p:sp>
-      <p:sp>
-        <p:nvSpPr>
-          <p:cNvPr id="59" name="Rectangle 58">
-            <a:extLst>
-              <a:ext uri="{FF2B5EF4-FFF2-40B4-BE49-F238E27FC236}">
-                <a16:creationId xmlns:a16="http://schemas.microsoft.com/office/drawing/2014/main" id="{B136944F-D1F7-3714-21B6-E19D90A5AECE}"/>
-              </a:ext>
-            </a:extLst>
-          </p:cNvPr>
-          <p:cNvSpPr/>
-          <p:nvPr/>
-        </p:nvSpPr>
-        <p:spPr>
-          <a:xfrm>
-            <a:off x="7577000" y="2886560"/>
-            <a:ext cx="1371600" cy="492443"/>
-          </a:xfrm>
-          <a:prstGeom prst="rect">
-            <a:avLst/>
-          </a:prstGeom>
-        </p:spPr>
-        <p:txBody>
-          <a:bodyPr wrap="square" lIns="0" tIns="0" rIns="0" bIns="0" rtlCol="0">
-            <a:spAutoFit/>
-          </a:bodyPr>
-          <a:lstStyle/>
-          <a:p>
-            <a:pPr algn="ctr" rtl="0"/>
-            <a:r>
-              <a:rPr lang="fr-FR" sz="1600" b="1" dirty="0">
-                <a:solidFill>
-                  <a:schemeClr val="bg1"/>
-                </a:solidFill>
-              </a:rPr>
-              <a:t>ANALYSE ÉCONOMIQUE</a:t>
-            </a:r>
-          </a:p>
-        </p:txBody>
-      </p:sp>
-      <p:sp>
-        <p:nvSpPr>
-          <p:cNvPr id="60" name="Rectangle 59">
-            <a:extLst>
-              <a:ext uri="{FF2B5EF4-FFF2-40B4-BE49-F238E27FC236}">
-                <a16:creationId xmlns:a16="http://schemas.microsoft.com/office/drawing/2014/main" id="{8652B7AB-60BA-6A0E-9709-0502A47A6D09}"/>
-              </a:ext>
-            </a:extLst>
-          </p:cNvPr>
-          <p:cNvSpPr/>
-          <p:nvPr/>
-        </p:nvSpPr>
-        <p:spPr>
-          <a:xfrm>
-            <a:off x="9745956" y="2886560"/>
-            <a:ext cx="1371600" cy="492443"/>
-          </a:xfrm>
-          <a:prstGeom prst="rect">
-            <a:avLst/>
-          </a:prstGeom>
-        </p:spPr>
-        <p:txBody>
-          <a:bodyPr wrap="square" lIns="0" tIns="0" rIns="0" bIns="0" rtlCol="0">
-            <a:spAutoFit/>
-          </a:bodyPr>
-          <a:lstStyle/>
-          <a:p>
-            <a:pPr algn="ctr" rtl="0"/>
-            <a:r>
-              <a:rPr lang="fr-FR" sz="1600" b="1" dirty="0">
-                <a:solidFill>
-                  <a:schemeClr val="bg1"/>
-                </a:solidFill>
-              </a:rPr>
-              <a:t>ANALYSE ÉCOLOGIQUE</a:t>
-            </a:r>
-          </a:p>
-        </p:txBody>
-      </p:sp>
-      <p:sp>
-        <p:nvSpPr>
-          <p:cNvPr id="12" name="ZoneTexte 11">
-            <a:extLst>
-              <a:ext uri="{FF2B5EF4-FFF2-40B4-BE49-F238E27FC236}">
-                <a16:creationId xmlns:a16="http://schemas.microsoft.com/office/drawing/2014/main" id="{BB4A5D15-C642-6736-2897-183D844E799C}"/>
-              </a:ext>
-            </a:extLst>
-          </p:cNvPr>
-          <p:cNvSpPr txBox="1"/>
-          <p:nvPr/>
-        </p:nvSpPr>
-        <p:spPr>
-          <a:xfrm>
-            <a:off x="529520" y="1609287"/>
-            <a:ext cx="11313075" cy="4585871"/>
-          </a:xfrm>
-          <a:prstGeom prst="rect">
-            <a:avLst/>
-          </a:prstGeom>
-          <a:noFill/>
-        </p:spPr>
-        <p:txBody>
-          <a:bodyPr wrap="square" rtlCol="0">
-            <a:spAutoFit/>
-          </a:bodyPr>
-          <a:lstStyle/>
-          <a:p>
-            <a:pPr algn="ctr"/>
-            <a:r>
-              <a:rPr lang="fr-FR" sz="2800" dirty="0">
-                <a:solidFill>
-                  <a:srgbClr val="095763"/>
-                </a:solidFill>
-              </a:rPr>
-              <a:t>Manipuler l’API</a:t>
-            </a:r>
-          </a:p>
-          <a:p>
-            <a:pPr algn="ctr"/>
-            <a:endParaRPr lang="fr-FR" sz="2400" dirty="0">
-              <a:solidFill>
-                <a:srgbClr val="095763"/>
-              </a:solidFill>
-            </a:endParaRPr>
-          </a:p>
-          <a:p>
-            <a:endParaRPr lang="fr-FR" sz="2000" u="sng" dirty="0">
-              <a:solidFill>
-                <a:srgbClr val="095763"/>
-              </a:solidFill>
-            </a:endParaRPr>
-          </a:p>
-          <a:p>
-            <a:r>
-              <a:rPr lang="fr-FR" sz="2000" u="sng" dirty="0">
-                <a:solidFill>
-                  <a:srgbClr val="095763"/>
-                </a:solidFill>
-              </a:rPr>
-              <a:t>Méthode </a:t>
-            </a:r>
-            <a:r>
-              <a:rPr lang="fr-FR" sz="2000" b="1" u="sng" dirty="0">
-                <a:solidFill>
-                  <a:srgbClr val="095763"/>
-                </a:solidFill>
-              </a:rPr>
-              <a:t>FETCH</a:t>
-            </a:r>
-            <a:r>
-              <a:rPr lang="fr-FR" sz="2000" b="1" dirty="0">
-                <a:solidFill>
-                  <a:srgbClr val="095763"/>
-                </a:solidFill>
-              </a:rPr>
-              <a:t> </a:t>
-            </a:r>
-            <a:r>
-              <a:rPr lang="fr-FR" sz="2000" dirty="0">
-                <a:solidFill>
-                  <a:srgbClr val="095763"/>
-                </a:solidFill>
-              </a:rPr>
-              <a:t>pour récupérer toutes les information relative à mes canapés.</a:t>
-            </a:r>
-          </a:p>
-          <a:p>
-            <a:endParaRPr lang="fr-FR" sz="2000" dirty="0"/>
-          </a:p>
-          <a:p>
-            <a:endParaRPr lang="fr-FR" sz="2000" dirty="0"/>
-          </a:p>
-          <a:p>
-            <a:pPr algn="ctr"/>
-            <a:r>
-              <a:rPr lang="fr-FR" sz="2000" spc="300" dirty="0" err="1">
-                <a:solidFill>
-                  <a:srgbClr val="095763"/>
-                </a:solidFill>
-                <a:hlinkClick r:id="rId3">
-                  <a:extLst>
-                    <a:ext uri="{A12FA001-AC4F-418D-AE19-62706E023703}">
-                      <ahyp:hlinkClr xmlns:ahyp="http://schemas.microsoft.com/office/drawing/2018/hyperlinkcolor" val="tx"/>
-                    </a:ext>
-                  </a:extLst>
-                </a:hlinkClick>
-              </a:rPr>
-              <a:t>Const</a:t>
-            </a:r>
-            <a:r>
-              <a:rPr lang="fr-FR" sz="2000" spc="300" dirty="0">
-                <a:solidFill>
-                  <a:srgbClr val="095763"/>
-                </a:solidFill>
-                <a:hlinkClick r:id="rId3">
-                  <a:extLst>
-                    <a:ext uri="{A12FA001-AC4F-418D-AE19-62706E023703}">
-                      <ahyp:hlinkClr xmlns:ahyp="http://schemas.microsoft.com/office/drawing/2018/hyperlinkcolor" val="tx"/>
-                    </a:ext>
-                  </a:extLst>
-                </a:hlinkClick>
-              </a:rPr>
-              <a:t> url = « https://localhost:3000/api/products</a:t>
-            </a:r>
-            <a:r>
-              <a:rPr lang="fr-FR" sz="2000" u="sng" spc="300" dirty="0">
-                <a:solidFill>
-                  <a:srgbClr val="095763"/>
-                </a:solidFill>
-              </a:rPr>
-              <a:t> »</a:t>
-            </a:r>
-          </a:p>
-          <a:p>
-            <a:pPr algn="ctr"/>
-            <a:endParaRPr lang="fr-FR" sz="2000" dirty="0"/>
-          </a:p>
-          <a:p>
-            <a:pPr algn="ctr"/>
-            <a:endParaRPr lang="fr-FR" sz="2000" dirty="0"/>
-          </a:p>
-          <a:p>
-            <a:r>
-              <a:rPr lang="fr-FR" sz="2000" b="1" u="sng" dirty="0">
-                <a:solidFill>
-                  <a:srgbClr val="095763"/>
-                </a:solidFill>
-              </a:rPr>
-              <a:t>Point important</a:t>
-            </a:r>
-            <a:r>
-              <a:rPr lang="fr-FR" sz="2000" b="1" dirty="0">
-                <a:solidFill>
-                  <a:srgbClr val="095763"/>
-                </a:solidFill>
-              </a:rPr>
-              <a:t> </a:t>
-            </a:r>
-            <a:r>
-              <a:rPr lang="fr-FR" sz="2000" dirty="0">
-                <a:solidFill>
-                  <a:srgbClr val="095763"/>
-                </a:solidFill>
-              </a:rPr>
-              <a:t>: après avoir installer </a:t>
-            </a:r>
-            <a:r>
-              <a:rPr lang="fr-FR" sz="2000" b="1" dirty="0">
-                <a:solidFill>
-                  <a:srgbClr val="095763"/>
-                </a:solidFill>
-              </a:rPr>
-              <a:t>THUNDER CLIENT, </a:t>
-            </a:r>
-            <a:r>
-              <a:rPr lang="fr-FR" sz="2000" dirty="0">
-                <a:solidFill>
-                  <a:srgbClr val="095763"/>
-                </a:solidFill>
-              </a:rPr>
-              <a:t>il faut activer temporairement le back (</a:t>
-            </a:r>
-            <a:r>
-              <a:rPr lang="fr-FR" sz="2000" dirty="0" err="1">
-                <a:solidFill>
-                  <a:srgbClr val="095763"/>
-                </a:solidFill>
-              </a:rPr>
-              <a:t>npm</a:t>
-            </a:r>
-            <a:r>
-              <a:rPr lang="fr-FR" sz="2000" dirty="0">
-                <a:solidFill>
-                  <a:srgbClr val="095763"/>
-                </a:solidFill>
-              </a:rPr>
-              <a:t> start) pour afficher les produits.</a:t>
-            </a:r>
-          </a:p>
-          <a:p>
-            <a:pPr algn="ctr"/>
-            <a:endParaRPr lang="fr-FR" sz="2000" dirty="0">
-              <a:solidFill>
-                <a:srgbClr val="095763"/>
-              </a:solidFill>
-            </a:endParaRPr>
-          </a:p>
-          <a:p>
-            <a:pPr algn="ctr"/>
-            <a:endParaRPr lang="fr-FR" sz="2000" dirty="0">
-              <a:solidFill>
-                <a:srgbClr val="095763"/>
-              </a:solidFill>
-            </a:endParaRPr>
-          </a:p>
-          <a:p>
-            <a:endParaRPr lang="fr-FR" sz="2000" dirty="0"/>
-          </a:p>
-        </p:txBody>
-      </p:sp>
-    </p:spTree>
-    <p:extLst>
-      <p:ext uri="{BB962C8B-B14F-4D97-AF65-F5344CB8AC3E}">
-        <p14:creationId xmlns:p14="http://schemas.microsoft.com/office/powerpoint/2010/main" val="3863117941"/>
-      </p:ext>
-    </p:extLst>
-  </p:cSld>
-  <p:clrMapOvr>
-    <a:masterClrMapping/>
-  </p:clrMapOvr>
-</p:sld>
-</file>
-
-<file path=ppt/slides/slide6.xml><?xml version="1.0" encoding="utf-8"?>
-<p:sld xmlns:a="http://schemas.openxmlformats.org/drawingml/2006/main" xmlns:r="http://schemas.openxmlformats.org/officeDocument/2006/relationships" xmlns:p="http://schemas.openxmlformats.org/presentationml/2006/main">
-  <p:cSld>
-    <p:spTree>
-      <p:nvGrpSpPr>
-        <p:cNvPr id="1" name=""/>
-        <p:cNvGrpSpPr/>
-        <p:nvPr/>
-      </p:nvGrpSpPr>
-      <p:grpSpPr>
-        <a:xfrm>
-          <a:off x="0" y="0"/>
-          <a:ext cx="0" cy="0"/>
-          <a:chOff x="0" y="0"/>
-          <a:chExt cx="0" cy="0"/>
-        </a:xfrm>
-      </p:grpSpPr>
-      <p:sp>
-        <p:nvSpPr>
-          <p:cNvPr id="4" name="Titre 3" hidden="1">
-            <a:extLst>
-              <a:ext uri="{FF2B5EF4-FFF2-40B4-BE49-F238E27FC236}">
-                <a16:creationId xmlns:a16="http://schemas.microsoft.com/office/drawing/2014/main" id="{B5981CF1-BC08-49F8-B0F9-AAF98EC67450}"/>
-              </a:ext>
-            </a:extLst>
-          </p:cNvPr>
-          <p:cNvSpPr>
-            <a:spLocks noGrp="1"/>
-          </p:cNvSpPr>
-          <p:nvPr>
-            <p:ph type="title" idx="4294967295"/>
-          </p:nvPr>
-        </p:nvSpPr>
-        <p:spPr>
-          <a:xfrm>
-            <a:off x="0" y="365125"/>
-            <a:ext cx="10515600" cy="1325563"/>
-          </a:xfrm>
-        </p:spPr>
-        <p:txBody>
-          <a:bodyPr rtlCol="0"/>
-          <a:lstStyle/>
-          <a:p>
-            <a:r>
-              <a:rPr lang="fr-FR" dirty="0"/>
-              <a:t>Analyse du projet : diapositive </a:t>
-            </a:r>
-            <a:r>
-              <a:rPr lang="fr" dirty="0"/>
-              <a:t>2</a:t>
-            </a:r>
-          </a:p>
-        </p:txBody>
-      </p:sp>
-      <p:cxnSp>
-        <p:nvCxnSpPr>
-          <p:cNvPr id="8" name="Connecteur droit 7">
-            <a:extLst>
-              <a:ext uri="{FF2B5EF4-FFF2-40B4-BE49-F238E27FC236}">
-                <a16:creationId xmlns:a16="http://schemas.microsoft.com/office/drawing/2014/main" id="{D0986099-F5F2-4E8B-BE17-81194861A00C}"/>
-              </a:ext>
-              <a:ext uri="{C183D7F6-B498-43B3-948B-1728B52AA6E4}">
-                <adec:decorative xmlns:adec="http://schemas.microsoft.com/office/drawing/2017/decorative" val="1"/>
-              </a:ext>
-            </a:extLst>
-          </p:cNvPr>
-          <p:cNvCxnSpPr>
-            <a:cxnSpLocks/>
-          </p:cNvCxnSpPr>
-          <p:nvPr/>
-        </p:nvCxnSpPr>
-        <p:spPr>
-          <a:xfrm>
-            <a:off x="8808440" y="522898"/>
-            <a:ext cx="3383560" cy="0"/>
-          </a:xfrm>
-          <a:prstGeom prst="line">
-            <a:avLst/>
-          </a:prstGeom>
-          <a:ln>
-            <a:solidFill>
-              <a:schemeClr val="accent3">
-                <a:lumMod val="50000"/>
-              </a:schemeClr>
-            </a:solidFill>
-            <a:headEnd type="oval"/>
-          </a:ln>
-        </p:spPr>
-        <p:style>
-          <a:lnRef idx="1">
-            <a:schemeClr val="accent1"/>
-          </a:lnRef>
-          <a:fillRef idx="0">
-            <a:schemeClr val="accent1"/>
-          </a:fillRef>
-          <a:effectRef idx="0">
-            <a:schemeClr val="accent1"/>
-          </a:effectRef>
-          <a:fontRef idx="minor">
-            <a:schemeClr val="tx1"/>
-          </a:fontRef>
-        </p:style>
-      </p:cxnSp>
-      <p:sp>
-        <p:nvSpPr>
-          <p:cNvPr id="11" name="Titre 1">
-            <a:extLst>
-              <a:ext uri="{FF2B5EF4-FFF2-40B4-BE49-F238E27FC236}">
-                <a16:creationId xmlns:a16="http://schemas.microsoft.com/office/drawing/2014/main" id="{4E3F5479-058B-4FA8-92E9-18CAB8CDC5C5}"/>
-              </a:ext>
-            </a:extLst>
-          </p:cNvPr>
-          <p:cNvSpPr txBox="1">
-            <a:spLocks/>
-          </p:cNvSpPr>
-          <p:nvPr/>
-        </p:nvSpPr>
-        <p:spPr>
-          <a:xfrm>
-            <a:off x="228600" y="322168"/>
-            <a:ext cx="11734800" cy="775597"/>
-          </a:xfrm>
-          <a:prstGeom prst="rect">
-            <a:avLst/>
-          </a:prstGeom>
-        </p:spPr>
-        <p:txBody>
-          <a:bodyPr vert="horz" wrap="square" lIns="0" tIns="0" rIns="0" bIns="0" rtlCol="0" anchor="t">
-            <a:spAutoFit/>
-          </a:bodyPr>
-          <a:lstStyle>
-            <a:lvl1pPr algn="l" defTabSz="914400" rtl="0" eaLnBrk="1" latinLnBrk="0" hangingPunct="1">
-              <a:lnSpc>
-                <a:spcPct val="90000"/>
-              </a:lnSpc>
-              <a:spcBef>
-                <a:spcPct val="0"/>
-              </a:spcBef>
-              <a:buNone/>
-              <a:defRPr sz="4400" kern="1200">
-                <a:solidFill>
-                  <a:schemeClr val="tx1"/>
-                </a:solidFill>
-                <a:latin typeface="+mj-lt"/>
-                <a:ea typeface="+mj-ea"/>
-                <a:cs typeface="+mj-cs"/>
-              </a:defRPr>
-            </a:lvl1pPr>
-          </a:lstStyle>
-          <a:p>
-            <a:pPr algn="ctr" rtl="0"/>
-            <a:r>
-              <a:rPr lang="fr-FR" sz="2800" b="1" dirty="0">
-                <a:solidFill>
-                  <a:srgbClr val="095763"/>
-                </a:solidFill>
-              </a:rPr>
-              <a:t>Fonctionnalités de l’accueil</a:t>
-            </a:r>
-            <a:br>
-              <a:rPr lang="fr-FR" sz="2800" dirty="0">
-                <a:solidFill>
-                  <a:schemeClr val="tx1">
-                    <a:lumMod val="75000"/>
-                    <a:lumOff val="25000"/>
-                  </a:schemeClr>
-                </a:solidFill>
-              </a:rPr>
-            </a:br>
-            <a:endParaRPr lang="fr-FR" sz="2800" dirty="0">
-              <a:solidFill>
-                <a:schemeClr val="tx1">
-                  <a:lumMod val="75000"/>
-                  <a:lumOff val="25000"/>
-                </a:schemeClr>
-              </a:solidFill>
-            </a:endParaRPr>
-          </a:p>
-        </p:txBody>
-      </p:sp>
-      <p:cxnSp>
-        <p:nvCxnSpPr>
-          <p:cNvPr id="14" name="Connecteur droit 13">
-            <a:extLst>
-              <a:ext uri="{FF2B5EF4-FFF2-40B4-BE49-F238E27FC236}">
-                <a16:creationId xmlns:a16="http://schemas.microsoft.com/office/drawing/2014/main" id="{83E690F4-843A-47A5-8620-4FB01C0D8E68}"/>
-              </a:ext>
-              <a:ext uri="{C183D7F6-B498-43B3-948B-1728B52AA6E4}">
-                <adec:decorative xmlns:adec="http://schemas.microsoft.com/office/drawing/2017/decorative" val="1"/>
-              </a:ext>
-            </a:extLst>
-          </p:cNvPr>
-          <p:cNvCxnSpPr>
-            <a:cxnSpLocks/>
-          </p:cNvCxnSpPr>
-          <p:nvPr/>
-        </p:nvCxnSpPr>
-        <p:spPr>
-          <a:xfrm>
-            <a:off x="0" y="522898"/>
-            <a:ext cx="3372374" cy="0"/>
-          </a:xfrm>
-          <a:prstGeom prst="line">
-            <a:avLst/>
-          </a:prstGeom>
-          <a:ln>
-            <a:solidFill>
-              <a:schemeClr val="accent3">
-                <a:lumMod val="50000"/>
-              </a:schemeClr>
-            </a:solidFill>
-            <a:tailEnd type="oval"/>
-          </a:ln>
-        </p:spPr>
-        <p:style>
-          <a:lnRef idx="1">
-            <a:schemeClr val="accent1"/>
-          </a:lnRef>
-          <a:fillRef idx="0">
-            <a:schemeClr val="accent1"/>
-          </a:fillRef>
-          <a:effectRef idx="0">
-            <a:schemeClr val="accent1"/>
-          </a:effectRef>
-          <a:fontRef idx="minor">
-            <a:schemeClr val="tx1"/>
-          </a:fontRef>
-        </p:style>
-      </p:cxnSp>
-      <p:sp>
-        <p:nvSpPr>
-          <p:cNvPr id="56" name="Rectangle 55">
-            <a:extLst>
-              <a:ext uri="{FF2B5EF4-FFF2-40B4-BE49-F238E27FC236}">
-                <a16:creationId xmlns:a16="http://schemas.microsoft.com/office/drawing/2014/main" id="{B3283D92-3EEE-B06D-F4B4-EA560E67B579}"/>
-              </a:ext>
-            </a:extLst>
-          </p:cNvPr>
-          <p:cNvSpPr/>
-          <p:nvPr/>
-        </p:nvSpPr>
-        <p:spPr>
-          <a:xfrm>
-            <a:off x="1076604" y="2886560"/>
-            <a:ext cx="1371600" cy="984885"/>
-          </a:xfrm>
-          <a:prstGeom prst="rect">
-            <a:avLst/>
-          </a:prstGeom>
-        </p:spPr>
-        <p:txBody>
-          <a:bodyPr wrap="square" lIns="0" tIns="0" rIns="0" bIns="0" rtlCol="0">
-            <a:spAutoFit/>
-          </a:bodyPr>
-          <a:lstStyle/>
-          <a:p>
-            <a:pPr algn="ctr" rtl="0"/>
-            <a:r>
-              <a:rPr lang="fr-FR" sz="1600" b="1" dirty="0">
-                <a:solidFill>
-                  <a:schemeClr val="bg1"/>
-                </a:solidFill>
-              </a:rPr>
-              <a:t>Prendre en main les maquettes HTML/CSS</a:t>
-            </a:r>
-          </a:p>
-        </p:txBody>
-      </p:sp>
-      <p:sp>
-        <p:nvSpPr>
-          <p:cNvPr id="57" name="Rectangle 56">
-            <a:extLst>
-              <a:ext uri="{FF2B5EF4-FFF2-40B4-BE49-F238E27FC236}">
-                <a16:creationId xmlns:a16="http://schemas.microsoft.com/office/drawing/2014/main" id="{AA5922AD-940A-745F-635B-70CF97217C23}"/>
-              </a:ext>
-            </a:extLst>
-          </p:cNvPr>
-          <p:cNvSpPr/>
-          <p:nvPr/>
-        </p:nvSpPr>
-        <p:spPr>
-          <a:xfrm>
-            <a:off x="3243403" y="2886560"/>
-            <a:ext cx="1371600" cy="492443"/>
-          </a:xfrm>
-          <a:prstGeom prst="rect">
-            <a:avLst/>
-          </a:prstGeom>
-        </p:spPr>
-        <p:txBody>
-          <a:bodyPr wrap="square" lIns="0" tIns="0" rIns="0" bIns="0" rtlCol="0">
-            <a:spAutoFit/>
-          </a:bodyPr>
-          <a:lstStyle/>
-          <a:p>
-            <a:pPr algn="ctr" rtl="0"/>
-            <a:r>
-              <a:rPr lang="fr-FR" sz="1600" b="1" dirty="0">
-                <a:solidFill>
-                  <a:schemeClr val="bg1"/>
-                </a:solidFill>
-              </a:rPr>
-              <a:t>ANALYSE TECHNIQUE</a:t>
-            </a:r>
-          </a:p>
-        </p:txBody>
-      </p:sp>
-      <p:sp>
-        <p:nvSpPr>
-          <p:cNvPr id="58" name="Rectangle 57">
-            <a:extLst>
-              <a:ext uri="{FF2B5EF4-FFF2-40B4-BE49-F238E27FC236}">
-                <a16:creationId xmlns:a16="http://schemas.microsoft.com/office/drawing/2014/main" id="{10EEBB15-1E7D-818B-D16D-1F77BED266BB}"/>
-              </a:ext>
-            </a:extLst>
-          </p:cNvPr>
-          <p:cNvSpPr/>
-          <p:nvPr/>
-        </p:nvSpPr>
-        <p:spPr>
-          <a:xfrm>
-            <a:off x="5410201" y="2886560"/>
-            <a:ext cx="1371600" cy="492443"/>
-          </a:xfrm>
-          <a:prstGeom prst="rect">
-            <a:avLst/>
-          </a:prstGeom>
-        </p:spPr>
-        <p:txBody>
-          <a:bodyPr wrap="square" lIns="0" tIns="0" rIns="0" bIns="0" rtlCol="0">
-            <a:spAutoFit/>
-          </a:bodyPr>
-          <a:lstStyle/>
-          <a:p>
-            <a:pPr algn="ctr" rtl="0"/>
-            <a:r>
-              <a:rPr lang="fr-FR" sz="1600" b="1" dirty="0">
-                <a:solidFill>
-                  <a:schemeClr val="bg1"/>
-                </a:solidFill>
-              </a:rPr>
-              <a:t>ANALYSE FINANCIÈRE</a:t>
-            </a:r>
-          </a:p>
-        </p:txBody>
-      </p:sp>
-      <p:sp>
-        <p:nvSpPr>
-          <p:cNvPr id="59" name="Rectangle 58">
-            <a:extLst>
-              <a:ext uri="{FF2B5EF4-FFF2-40B4-BE49-F238E27FC236}">
-                <a16:creationId xmlns:a16="http://schemas.microsoft.com/office/drawing/2014/main" id="{B136944F-D1F7-3714-21B6-E19D90A5AECE}"/>
-              </a:ext>
-            </a:extLst>
-          </p:cNvPr>
-          <p:cNvSpPr/>
-          <p:nvPr/>
-        </p:nvSpPr>
-        <p:spPr>
-          <a:xfrm>
-            <a:off x="7577000" y="2886560"/>
-            <a:ext cx="1371600" cy="492443"/>
-          </a:xfrm>
-          <a:prstGeom prst="rect">
-            <a:avLst/>
-          </a:prstGeom>
-        </p:spPr>
-        <p:txBody>
-          <a:bodyPr wrap="square" lIns="0" tIns="0" rIns="0" bIns="0" rtlCol="0">
-            <a:spAutoFit/>
-          </a:bodyPr>
-          <a:lstStyle/>
-          <a:p>
-            <a:pPr algn="ctr" rtl="0"/>
-            <a:r>
-              <a:rPr lang="fr-FR" sz="1600" b="1" dirty="0">
-                <a:solidFill>
-                  <a:schemeClr val="bg1"/>
-                </a:solidFill>
-              </a:rPr>
-              <a:t>ANALYSE ÉCONOMIQUE</a:t>
-            </a:r>
-          </a:p>
-        </p:txBody>
-      </p:sp>
-      <p:sp>
-        <p:nvSpPr>
-          <p:cNvPr id="60" name="Rectangle 59">
-            <a:extLst>
-              <a:ext uri="{FF2B5EF4-FFF2-40B4-BE49-F238E27FC236}">
-                <a16:creationId xmlns:a16="http://schemas.microsoft.com/office/drawing/2014/main" id="{8652B7AB-60BA-6A0E-9709-0502A47A6D09}"/>
-              </a:ext>
-            </a:extLst>
-          </p:cNvPr>
-          <p:cNvSpPr/>
-          <p:nvPr/>
-        </p:nvSpPr>
-        <p:spPr>
-          <a:xfrm>
-            <a:off x="9745956" y="2886560"/>
-            <a:ext cx="1371600" cy="492443"/>
-          </a:xfrm>
-          <a:prstGeom prst="rect">
-            <a:avLst/>
-          </a:prstGeom>
-        </p:spPr>
-        <p:txBody>
-          <a:bodyPr wrap="square" lIns="0" tIns="0" rIns="0" bIns="0" rtlCol="0">
-            <a:spAutoFit/>
-          </a:bodyPr>
-          <a:lstStyle/>
-          <a:p>
-            <a:pPr algn="ctr" rtl="0"/>
-            <a:r>
-              <a:rPr lang="fr-FR" sz="1600" b="1" dirty="0">
-                <a:solidFill>
-                  <a:schemeClr val="bg1"/>
-                </a:solidFill>
-              </a:rPr>
-              <a:t>ANALYSE ÉCOLOGIQUE</a:t>
-            </a:r>
-          </a:p>
-        </p:txBody>
-      </p:sp>
-      <p:sp>
-        <p:nvSpPr>
-          <p:cNvPr id="15" name="ZoneTexte 14">
-            <a:extLst>
-              <a:ext uri="{FF2B5EF4-FFF2-40B4-BE49-F238E27FC236}">
-                <a16:creationId xmlns:a16="http://schemas.microsoft.com/office/drawing/2014/main" id="{AD3F2B0F-2F5A-046A-C35B-96E497C96BA6}"/>
-              </a:ext>
-            </a:extLst>
-          </p:cNvPr>
-          <p:cNvSpPr txBox="1"/>
-          <p:nvPr/>
-        </p:nvSpPr>
-        <p:spPr>
-          <a:xfrm>
-            <a:off x="350767" y="1625384"/>
-            <a:ext cx="5721278" cy="3785652"/>
-          </a:xfrm>
-          <a:prstGeom prst="rect">
-            <a:avLst/>
-          </a:prstGeom>
-          <a:noFill/>
-        </p:spPr>
-        <p:txBody>
-          <a:bodyPr wrap="square" rtlCol="0">
-            <a:spAutoFit/>
-          </a:bodyPr>
-          <a:lstStyle/>
-          <a:p>
-            <a:pPr algn="ctr"/>
-            <a:r>
-              <a:rPr lang="fr-FR" sz="2000" dirty="0">
-                <a:solidFill>
-                  <a:srgbClr val="095763"/>
-                </a:solidFill>
-              </a:rPr>
-              <a:t>Insérer les produits dans la page d’accueil</a:t>
-            </a:r>
-          </a:p>
-          <a:p>
-            <a:pPr algn="ctr"/>
-            <a:endParaRPr lang="fr-FR" sz="2000" dirty="0">
-              <a:solidFill>
-                <a:srgbClr val="095763"/>
-              </a:solidFill>
-            </a:endParaRPr>
-          </a:p>
-          <a:p>
-            <a:pPr algn="ctr"/>
-            <a:r>
-              <a:rPr lang="fr-FR" sz="2000" u="sng" dirty="0">
-                <a:solidFill>
-                  <a:srgbClr val="095763"/>
-                </a:solidFill>
-              </a:rPr>
-              <a:t>Utiliser une boucle </a:t>
-            </a:r>
-            <a:r>
-              <a:rPr lang="fr-FR" sz="2000" b="1" u="sng" dirty="0" err="1">
-                <a:solidFill>
-                  <a:srgbClr val="095763"/>
-                </a:solidFill>
-              </a:rPr>
-              <a:t>add</a:t>
-            </a:r>
-            <a:r>
-              <a:rPr lang="fr-FR" sz="2000" b="1" u="sng" dirty="0">
-                <a:solidFill>
-                  <a:srgbClr val="095763"/>
-                </a:solidFill>
-              </a:rPr>
-              <a:t> Item At Home</a:t>
-            </a:r>
-          </a:p>
-          <a:p>
-            <a:pPr algn="ctr"/>
-            <a:endParaRPr lang="fr-FR" sz="2000" b="1" u="sng" dirty="0">
-              <a:solidFill>
-                <a:srgbClr val="095763"/>
-              </a:solidFill>
-            </a:endParaRPr>
-          </a:p>
-          <a:p>
-            <a:pPr algn="ctr"/>
-            <a:r>
-              <a:rPr lang="fr-FR" sz="2000" dirty="0">
-                <a:solidFill>
-                  <a:srgbClr val="095763"/>
-                </a:solidFill>
-              </a:rPr>
-              <a:t>J’appelle ma fonction createElement</a:t>
-            </a:r>
-          </a:p>
-          <a:p>
-            <a:pPr algn="ctr"/>
-            <a:endParaRPr lang="fr-FR" sz="2000" b="1" u="sng" dirty="0">
-              <a:solidFill>
-                <a:srgbClr val="095763"/>
-              </a:solidFill>
-            </a:endParaRPr>
-          </a:p>
-          <a:p>
-            <a:pPr algn="ctr"/>
-            <a:r>
-              <a:rPr lang="fr-FR" sz="2000" dirty="0">
-                <a:solidFill>
-                  <a:srgbClr val="095763"/>
-                </a:solidFill>
-              </a:rPr>
-              <a:t>Ma boucle va appeler autant de fois ma fonction, qui me permet de manipuler de mon DOM</a:t>
-            </a:r>
-          </a:p>
-          <a:p>
-            <a:pPr algn="ctr"/>
-            <a:endParaRPr lang="fr-FR" sz="2000" b="1" u="sng" dirty="0">
-              <a:solidFill>
-                <a:srgbClr val="095763"/>
-              </a:solidFill>
-            </a:endParaRPr>
-          </a:p>
-          <a:p>
-            <a:pPr algn="ctr"/>
-            <a:r>
-              <a:rPr lang="fr-FR" sz="2000" dirty="0">
-                <a:solidFill>
-                  <a:srgbClr val="095763"/>
-                </a:solidFill>
-              </a:rPr>
-              <a:t>  </a:t>
-            </a:r>
-            <a:endParaRPr lang="fr-FR" sz="2000" b="1" u="sng" dirty="0">
-              <a:solidFill>
-                <a:srgbClr val="095763"/>
-              </a:solidFill>
-            </a:endParaRPr>
-          </a:p>
-          <a:p>
-            <a:pPr algn="ctr"/>
-            <a:endParaRPr lang="fr-FR" sz="2000" dirty="0">
-              <a:solidFill>
-                <a:srgbClr val="095763"/>
-              </a:solidFill>
-            </a:endParaRPr>
-          </a:p>
-          <a:p>
-            <a:endParaRPr lang="fr-FR" sz="2000" dirty="0"/>
-          </a:p>
-        </p:txBody>
-      </p:sp>
-      <p:pic>
-        <p:nvPicPr>
-          <p:cNvPr id="9" name="Image 8">
-            <a:extLst>
-              <a:ext uri="{FF2B5EF4-FFF2-40B4-BE49-F238E27FC236}">
-                <a16:creationId xmlns:a16="http://schemas.microsoft.com/office/drawing/2014/main" id="{214A773E-6D7D-47DB-3272-CC23C54D468E}"/>
-              </a:ext>
-            </a:extLst>
-          </p:cNvPr>
-          <p:cNvPicPr>
-            <a:picLocks noChangeAspect="1"/>
-          </p:cNvPicPr>
-          <p:nvPr/>
-        </p:nvPicPr>
-        <p:blipFill>
-          <a:blip r:embed="rId3"/>
-          <a:stretch>
-            <a:fillRect/>
-          </a:stretch>
-        </p:blipFill>
-        <p:spPr>
-          <a:xfrm>
-            <a:off x="6470723" y="825190"/>
-            <a:ext cx="4955753" cy="5853189"/>
-          </a:xfrm>
-          <a:prstGeom prst="rect">
-            <a:avLst/>
-          </a:prstGeom>
-        </p:spPr>
-      </p:pic>
-      <p:sp>
-        <p:nvSpPr>
-          <p:cNvPr id="10" name="Rectangle 9">
-            <a:extLst>
-              <a:ext uri="{FF2B5EF4-FFF2-40B4-BE49-F238E27FC236}">
-                <a16:creationId xmlns:a16="http://schemas.microsoft.com/office/drawing/2014/main" id="{0D0A0DF8-C264-5320-0E68-2F68DDD375F8}"/>
-              </a:ext>
-            </a:extLst>
-          </p:cNvPr>
-          <p:cNvSpPr/>
-          <p:nvPr/>
-        </p:nvSpPr>
-        <p:spPr>
-          <a:xfrm>
-            <a:off x="6300645" y="723630"/>
-            <a:ext cx="5263170" cy="1484311"/>
-          </a:xfrm>
-          <a:prstGeom prst="rect">
-            <a:avLst/>
-          </a:prstGeom>
-          <a:noFill/>
-          <a:ln w="38100">
-            <a:solidFill>
-              <a:srgbClr val="FFC000"/>
-            </a:solidFill>
-          </a:ln>
-        </p:spPr>
-        <p:style>
-          <a:lnRef idx="2">
-            <a:schemeClr val="accent1">
-              <a:shade val="50000"/>
-            </a:schemeClr>
-          </a:lnRef>
-          <a:fillRef idx="1">
-            <a:schemeClr val="accent1"/>
-          </a:fillRef>
-          <a:effectRef idx="0">
-            <a:schemeClr val="accent1"/>
-          </a:effectRef>
-          <a:fontRef idx="minor">
-            <a:schemeClr val="lt1"/>
-          </a:fontRef>
-        </p:style>
-        <p:txBody>
-          <a:bodyPr rtlCol="0" anchor="ctr"/>
-          <a:lstStyle/>
-          <a:p>
-            <a:pPr algn="ctr"/>
-            <a:endParaRPr lang="fr-FR"/>
-          </a:p>
-        </p:txBody>
-      </p:sp>
-      <p:sp>
-        <p:nvSpPr>
-          <p:cNvPr id="20" name="ZoneTexte 19">
-            <a:extLst>
-              <a:ext uri="{FF2B5EF4-FFF2-40B4-BE49-F238E27FC236}">
-                <a16:creationId xmlns:a16="http://schemas.microsoft.com/office/drawing/2014/main" id="{975B1829-01C0-3557-ADCA-DD1273A9DCF1}"/>
-              </a:ext>
-            </a:extLst>
-          </p:cNvPr>
-          <p:cNvSpPr txBox="1"/>
-          <p:nvPr/>
-        </p:nvSpPr>
-        <p:spPr>
-          <a:xfrm>
-            <a:off x="350767" y="2207941"/>
-            <a:ext cx="5721278" cy="3170099"/>
-          </a:xfrm>
-          <a:prstGeom prst="rect">
-            <a:avLst/>
-          </a:prstGeom>
-          <a:noFill/>
-        </p:spPr>
-        <p:txBody>
-          <a:bodyPr wrap="square" rtlCol="0">
-            <a:spAutoFit/>
-          </a:bodyPr>
-          <a:lstStyle/>
-          <a:p>
-            <a:pPr algn="ctr"/>
-            <a:r>
-              <a:rPr lang="fr-FR" sz="2000" dirty="0">
-                <a:solidFill>
-                  <a:srgbClr val="095763"/>
-                </a:solidFill>
-              </a:rPr>
-              <a:t>Faire le lien entre un produit de la page d’accueil et la page Produit</a:t>
-            </a:r>
-          </a:p>
-          <a:p>
-            <a:pPr algn="ctr"/>
-            <a:endParaRPr lang="fr-FR" sz="2000" dirty="0">
-              <a:solidFill>
-                <a:srgbClr val="095763"/>
-              </a:solidFill>
-            </a:endParaRPr>
-          </a:p>
-          <a:p>
-            <a:pPr algn="ctr"/>
-            <a:r>
-              <a:rPr lang="fr-FR" sz="2000" u="sng" dirty="0">
-                <a:solidFill>
-                  <a:srgbClr val="095763"/>
-                </a:solidFill>
-              </a:rPr>
-              <a:t>Méthode </a:t>
-            </a:r>
-            <a:r>
-              <a:rPr lang="fr-FR" sz="2000" b="1" u="sng" dirty="0">
-                <a:solidFill>
-                  <a:srgbClr val="095763"/>
-                </a:solidFill>
-              </a:rPr>
-              <a:t>append</a:t>
-            </a:r>
-            <a:r>
-              <a:rPr lang="fr-FR" sz="2000" dirty="0">
-                <a:solidFill>
-                  <a:srgbClr val="095763"/>
-                </a:solidFill>
-              </a:rPr>
-              <a:t> pour faire le lien</a:t>
-            </a:r>
-          </a:p>
-          <a:p>
-            <a:pPr algn="ctr"/>
-            <a:endParaRPr lang="fr-FR" sz="2000" b="1" u="sng" dirty="0">
-              <a:solidFill>
-                <a:srgbClr val="095763"/>
-              </a:solidFill>
-            </a:endParaRPr>
-          </a:p>
-          <a:p>
-            <a:pPr algn="ctr"/>
-            <a:r>
-              <a:rPr lang="fr-FR" sz="2000" dirty="0">
-                <a:solidFill>
-                  <a:srgbClr val="095763"/>
-                </a:solidFill>
-              </a:rPr>
-              <a:t>En dessus je lui est passer l’adresse de ma page produit avec l’ID de mon item </a:t>
-            </a:r>
-          </a:p>
-          <a:p>
-            <a:pPr algn="ctr"/>
-            <a:r>
-              <a:rPr lang="fr-FR" sz="2000" dirty="0">
-                <a:solidFill>
-                  <a:srgbClr val="095763"/>
-                </a:solidFill>
-              </a:rPr>
-              <a:t>  </a:t>
-            </a:r>
-            <a:endParaRPr lang="fr-FR" sz="2000" b="1" u="sng" dirty="0">
-              <a:solidFill>
-                <a:srgbClr val="095763"/>
-              </a:solidFill>
-            </a:endParaRPr>
-          </a:p>
-          <a:p>
-            <a:pPr algn="ctr"/>
-            <a:endParaRPr lang="fr-FR" sz="2000" dirty="0">
-              <a:solidFill>
-                <a:srgbClr val="095763"/>
-              </a:solidFill>
-            </a:endParaRPr>
-          </a:p>
-          <a:p>
-            <a:endParaRPr lang="fr-FR" sz="2000" dirty="0"/>
-          </a:p>
-        </p:txBody>
-      </p:sp>
-      <p:sp>
-        <p:nvSpPr>
-          <p:cNvPr id="13" name="Rectangle 12">
-            <a:extLst>
-              <a:ext uri="{FF2B5EF4-FFF2-40B4-BE49-F238E27FC236}">
-                <a16:creationId xmlns:a16="http://schemas.microsoft.com/office/drawing/2014/main" id="{36A33E34-C4C0-C63A-5370-55C2918D32D8}"/>
-              </a:ext>
-            </a:extLst>
-          </p:cNvPr>
-          <p:cNvSpPr/>
-          <p:nvPr/>
-        </p:nvSpPr>
-        <p:spPr>
-          <a:xfrm>
-            <a:off x="6579220" y="1761893"/>
-            <a:ext cx="3166736" cy="379141"/>
-          </a:xfrm>
-          <a:prstGeom prst="rect">
-            <a:avLst/>
-          </a:prstGeom>
-          <a:noFill/>
-          <a:ln w="28575">
-            <a:solidFill>
-              <a:srgbClr val="FFC000"/>
-            </a:solidFill>
-          </a:ln>
-        </p:spPr>
-        <p:style>
-          <a:lnRef idx="2">
-            <a:schemeClr val="accent1">
-              <a:shade val="50000"/>
-            </a:schemeClr>
-          </a:lnRef>
-          <a:fillRef idx="1">
-            <a:schemeClr val="accent1"/>
-          </a:fillRef>
-          <a:effectRef idx="0">
-            <a:schemeClr val="accent1"/>
-          </a:effectRef>
-          <a:fontRef idx="minor">
-            <a:schemeClr val="lt1"/>
-          </a:fontRef>
-        </p:style>
-        <p:txBody>
-          <a:bodyPr rtlCol="0" anchor="ctr"/>
-          <a:lstStyle/>
-          <a:p>
-            <a:pPr algn="ctr"/>
-            <a:endParaRPr lang="fr-FR"/>
-          </a:p>
-        </p:txBody>
-      </p:sp>
-    </p:spTree>
-    <p:extLst>
-      <p:ext uri="{BB962C8B-B14F-4D97-AF65-F5344CB8AC3E}">
-        <p14:creationId xmlns:p14="http://schemas.microsoft.com/office/powerpoint/2010/main" val="2052962359"/>
-      </p:ext>
-    </p:extLst>
-  </p:cSld>
-  <p:clrMapOvr>
-    <a:masterClrMapping/>
-  </p:clrMapOvr>
-  <p:timing>
-    <p:tnLst>
-      <p:par>
-        <p:cTn id="1" dur="indefinite" restart="never" nodeType="tmRoot">
-          <p:childTnLst>
-            <p:seq concurrent="1" nextAc="seek">
-              <p:cTn id="2" dur="indefinite" nodeType="mainSeq">
-                <p:childTnLst>
-                  <p:par>
-                    <p:cTn id="3" fill="hold">
-                      <p:stCondLst>
-                        <p:cond delay="indefinite"/>
-                      </p:stCondLst>
-                      <p:childTnLst>
-                        <p:par>
-                          <p:cTn id="4" fill="hold">
-                            <p:stCondLst>
-                              <p:cond delay="0"/>
-                            </p:stCondLst>
-                            <p:childTnLst>
-                              <p:par>
-                                <p:cTn id="5" presetID="10" presetClass="entr" presetSubtype="0" fill="hold" grpId="0" nodeType="clickEffect">
-                                  <p:stCondLst>
-                                    <p:cond delay="0"/>
-                                  </p:stCondLst>
-                                  <p:childTnLst>
-                                    <p:set>
-                                      <p:cBhvr>
-                                        <p:cTn id="6" dur="1" fill="hold">
-                                          <p:stCondLst>
-                                            <p:cond delay="0"/>
-                                          </p:stCondLst>
-                                        </p:cTn>
-                                        <p:tgtEl>
-                                          <p:spTgt spid="15"/>
-                                        </p:tgtEl>
-                                        <p:attrNameLst>
-                                          <p:attrName>style.visibility</p:attrName>
-                                        </p:attrNameLst>
-                                      </p:cBhvr>
-                                      <p:to>
-                                        <p:strVal val="visible"/>
-                                      </p:to>
-                                    </p:set>
-                                    <p:animEffect transition="in" filter="fade">
-                                      <p:cBhvr>
-                                        <p:cTn id="7" dur="500"/>
-                                        <p:tgtEl>
-                                          <p:spTgt spid="15"/>
-                                        </p:tgtEl>
-                                      </p:cBhvr>
-                                    </p:animEffect>
-                                  </p:childTnLst>
-                                </p:cTn>
-                              </p:par>
-                              <p:par>
-                                <p:cTn id="8" presetID="10" presetClass="entr" presetSubtype="0" fill="hold" grpId="0" nodeType="withEffect">
-                                  <p:stCondLst>
-                                    <p:cond delay="0"/>
-                                  </p:stCondLst>
-                                  <p:childTnLst>
-                                    <p:set>
-                                      <p:cBhvr>
-                                        <p:cTn id="9" dur="1" fill="hold">
-                                          <p:stCondLst>
-                                            <p:cond delay="0"/>
-                                          </p:stCondLst>
-                                        </p:cTn>
-                                        <p:tgtEl>
-                                          <p:spTgt spid="10"/>
-                                        </p:tgtEl>
-                                        <p:attrNameLst>
-                                          <p:attrName>style.visibility</p:attrName>
-                                        </p:attrNameLst>
-                                      </p:cBhvr>
-                                      <p:to>
-                                        <p:strVal val="visible"/>
-                                      </p:to>
-                                    </p:set>
-                                    <p:animEffect transition="in" filter="fade">
-                                      <p:cBhvr>
-                                        <p:cTn id="10" dur="500"/>
-                                        <p:tgtEl>
-                                          <p:spTgt spid="10"/>
-                                        </p:tgtEl>
-                                      </p:cBhvr>
-                                    </p:animEffect>
-                                  </p:childTnLst>
-                                </p:cTn>
-                              </p:par>
-                            </p:childTnLst>
-                          </p:cTn>
-                        </p:par>
-                      </p:childTnLst>
-                    </p:cTn>
-                  </p:par>
-                  <p:par>
-                    <p:cTn id="11" fill="hold">
-                      <p:stCondLst>
-                        <p:cond delay="indefinite"/>
-                      </p:stCondLst>
-                      <p:childTnLst>
-                        <p:par>
-                          <p:cTn id="12" fill="hold">
-                            <p:stCondLst>
-                              <p:cond delay="0"/>
-                            </p:stCondLst>
-                            <p:childTnLst>
-                              <p:par>
-                                <p:cTn id="13" presetID="10" presetClass="exit" presetSubtype="0" fill="hold" grpId="1" nodeType="clickEffect">
-                                  <p:stCondLst>
-                                    <p:cond delay="0"/>
-                                  </p:stCondLst>
-                                  <p:childTnLst>
-                                    <p:animEffect transition="out" filter="fade">
-                                      <p:cBhvr>
-                                        <p:cTn id="14" dur="500"/>
-                                        <p:tgtEl>
-                                          <p:spTgt spid="15"/>
-                                        </p:tgtEl>
-                                      </p:cBhvr>
-                                    </p:animEffect>
-                                    <p:set>
-                                      <p:cBhvr>
-                                        <p:cTn id="15" dur="1" fill="hold">
-                                          <p:stCondLst>
-                                            <p:cond delay="499"/>
-                                          </p:stCondLst>
-                                        </p:cTn>
-                                        <p:tgtEl>
-                                          <p:spTgt spid="15"/>
-                                        </p:tgtEl>
-                                        <p:attrNameLst>
-                                          <p:attrName>style.visibility</p:attrName>
-                                        </p:attrNameLst>
-                                      </p:cBhvr>
-                                      <p:to>
-                                        <p:strVal val="hidden"/>
-                                      </p:to>
-                                    </p:set>
-                                  </p:childTnLst>
-                                </p:cTn>
-                              </p:par>
-                              <p:par>
-                                <p:cTn id="16" presetID="10" presetClass="exit" presetSubtype="0" fill="hold" grpId="1" nodeType="withEffect">
-                                  <p:stCondLst>
-                                    <p:cond delay="0"/>
-                                  </p:stCondLst>
-                                  <p:childTnLst>
-                                    <p:animEffect transition="out" filter="fade">
-                                      <p:cBhvr>
-                                        <p:cTn id="17" dur="500"/>
-                                        <p:tgtEl>
-                                          <p:spTgt spid="10"/>
-                                        </p:tgtEl>
-                                      </p:cBhvr>
-                                    </p:animEffect>
-                                    <p:set>
-                                      <p:cBhvr>
-                                        <p:cTn id="18" dur="1" fill="hold">
-                                          <p:stCondLst>
-                                            <p:cond delay="499"/>
-                                          </p:stCondLst>
-                                        </p:cTn>
-                                        <p:tgtEl>
-                                          <p:spTgt spid="10"/>
-                                        </p:tgtEl>
-                                        <p:attrNameLst>
-                                          <p:attrName>style.visibility</p:attrName>
-                                        </p:attrNameLst>
-                                      </p:cBhvr>
-                                      <p:to>
-                                        <p:strVal val="hidden"/>
-                                      </p:to>
-                                    </p:set>
-                                  </p:childTnLst>
-                                </p:cTn>
-                              </p:par>
-                            </p:childTnLst>
-                          </p:cTn>
-                        </p:par>
-                      </p:childTnLst>
-                    </p:cTn>
-                  </p:par>
-                  <p:par>
-                    <p:cTn id="19" fill="hold">
-                      <p:stCondLst>
-                        <p:cond delay="indefinite"/>
-                      </p:stCondLst>
-                      <p:childTnLst>
-                        <p:par>
-                          <p:cTn id="20" fill="hold">
-                            <p:stCondLst>
-                              <p:cond delay="0"/>
-                            </p:stCondLst>
-                            <p:childTnLst>
-                              <p:par>
-                                <p:cTn id="21" presetID="10" presetClass="entr" presetSubtype="0" fill="hold" grpId="0" nodeType="clickEffect">
-                                  <p:stCondLst>
-                                    <p:cond delay="0"/>
-                                  </p:stCondLst>
-                                  <p:childTnLst>
-                                    <p:set>
-                                      <p:cBhvr>
-                                        <p:cTn id="22" dur="1" fill="hold">
-                                          <p:stCondLst>
-                                            <p:cond delay="0"/>
-                                          </p:stCondLst>
-                                        </p:cTn>
-                                        <p:tgtEl>
-                                          <p:spTgt spid="20"/>
-                                        </p:tgtEl>
-                                        <p:attrNameLst>
-                                          <p:attrName>style.visibility</p:attrName>
-                                        </p:attrNameLst>
-                                      </p:cBhvr>
-                                      <p:to>
-                                        <p:strVal val="visible"/>
-                                      </p:to>
-                                    </p:set>
-                                    <p:animEffect transition="in" filter="fade">
-                                      <p:cBhvr>
-                                        <p:cTn id="23" dur="500"/>
-                                        <p:tgtEl>
-                                          <p:spTgt spid="20"/>
-                                        </p:tgtEl>
-                                      </p:cBhvr>
-                                    </p:animEffect>
-                                  </p:childTnLst>
-                                </p:cTn>
-                              </p:par>
-                              <p:par>
-                                <p:cTn id="24" presetID="10" presetClass="entr" presetSubtype="0" fill="hold" grpId="0" nodeType="withEffect">
-                                  <p:stCondLst>
-                                    <p:cond delay="0"/>
-                                  </p:stCondLst>
-                                  <p:childTnLst>
-                                    <p:set>
-                                      <p:cBhvr>
-                                        <p:cTn id="25" dur="1" fill="hold">
-                                          <p:stCondLst>
-                                            <p:cond delay="0"/>
-                                          </p:stCondLst>
-                                        </p:cTn>
-                                        <p:tgtEl>
-                                          <p:spTgt spid="13"/>
-                                        </p:tgtEl>
-                                        <p:attrNameLst>
-                                          <p:attrName>style.visibility</p:attrName>
-                                        </p:attrNameLst>
-                                      </p:cBhvr>
-                                      <p:to>
-                                        <p:strVal val="visible"/>
-                                      </p:to>
-                                    </p:set>
-                                    <p:animEffect transition="in" filter="fade">
-                                      <p:cBhvr>
-                                        <p:cTn id="26" dur="500"/>
-                                        <p:tgtEl>
-                                          <p:spTgt spid="13"/>
-                                        </p:tgtEl>
-                                      </p:cBhvr>
-                                    </p:animEffect>
-                                  </p:childTnLst>
-                                </p:cTn>
-                              </p:par>
-                            </p:childTnLst>
-                          </p:cTn>
-                        </p:par>
-                      </p:childTnLst>
-                    </p:cTn>
-                  </p:par>
-                  <p:par>
-                    <p:cTn id="27" fill="hold">
-                      <p:stCondLst>
-                        <p:cond delay="indefinite"/>
-                      </p:stCondLst>
-                      <p:childTnLst>
-                        <p:par>
-                          <p:cTn id="28" fill="hold">
-                            <p:stCondLst>
-                              <p:cond delay="0"/>
-                            </p:stCondLst>
-                            <p:childTnLst>
-                              <p:par>
-                                <p:cTn id="29" presetID="10" presetClass="exit" presetSubtype="0" fill="hold" grpId="1" nodeType="clickEffect">
-                                  <p:stCondLst>
-                                    <p:cond delay="0"/>
-                                  </p:stCondLst>
-                                  <p:childTnLst>
-                                    <p:animEffect transition="out" filter="fade">
-                                      <p:cBhvr>
-                                        <p:cTn id="30" dur="500"/>
-                                        <p:tgtEl>
-                                          <p:spTgt spid="20"/>
-                                        </p:tgtEl>
-                                      </p:cBhvr>
-                                    </p:animEffect>
-                                    <p:set>
-                                      <p:cBhvr>
-                                        <p:cTn id="31" dur="1" fill="hold">
-                                          <p:stCondLst>
-                                            <p:cond delay="499"/>
-                                          </p:stCondLst>
-                                        </p:cTn>
-                                        <p:tgtEl>
-                                          <p:spTgt spid="20"/>
-                                        </p:tgtEl>
-                                        <p:attrNameLst>
-                                          <p:attrName>style.visibility</p:attrName>
-                                        </p:attrNameLst>
-                                      </p:cBhvr>
-                                      <p:to>
-                                        <p:strVal val="hidden"/>
-                                      </p:to>
-                                    </p:set>
-                                  </p:childTnLst>
-                                </p:cTn>
-                              </p:par>
-                              <p:par>
-                                <p:cTn id="32" presetID="10" presetClass="exit" presetSubtype="0" fill="hold" grpId="1" nodeType="withEffect">
-                                  <p:stCondLst>
-                                    <p:cond delay="0"/>
-                                  </p:stCondLst>
-                                  <p:childTnLst>
-                                    <p:animEffect transition="out" filter="fade">
-                                      <p:cBhvr>
-                                        <p:cTn id="33" dur="500"/>
-                                        <p:tgtEl>
-                                          <p:spTgt spid="13"/>
-                                        </p:tgtEl>
-                                      </p:cBhvr>
-                                    </p:animEffect>
-                                    <p:set>
-                                      <p:cBhvr>
-                                        <p:cTn id="34" dur="1" fill="hold">
-                                          <p:stCondLst>
-                                            <p:cond delay="499"/>
-                                          </p:stCondLst>
-                                        </p:cTn>
-                                        <p:tgtEl>
-                                          <p:spTgt spid="13"/>
-                                        </p:tgtEl>
-                                        <p:attrNameLst>
-                                          <p:attrName>style.visibility</p:attrName>
-                                        </p:attrNameLst>
-                                      </p:cBhvr>
-                                      <p:to>
-                                        <p:strVal val="hidden"/>
-                                      </p:to>
-                                    </p:set>
-                                  </p:childTnLst>
-                                </p:cTn>
-                              </p:par>
-                            </p:childTnLst>
-                          </p:cTn>
-                        </p:par>
-                      </p:childTnLst>
-                    </p:cTn>
-                  </p:par>
-                </p:childTnLst>
-              </p:cTn>
-              <p:prevCondLst>
-                <p:cond evt="onPrev" delay="0">
-                  <p:tgtEl>
-                    <p:sldTgt/>
-                  </p:tgtEl>
-                </p:cond>
-              </p:prevCondLst>
-              <p:nextCondLst>
-                <p:cond evt="onNext" delay="0">
-                  <p:tgtEl>
-                    <p:sldTgt/>
-                  </p:tgtEl>
-                </p:cond>
-              </p:nextCondLst>
-            </p:seq>
-          </p:childTnLst>
-        </p:cTn>
-      </p:par>
-    </p:tnLst>
-    <p:bldLst>
-      <p:bldP spid="15" grpId="0"/>
-      <p:bldP spid="15" grpId="1"/>
-      <p:bldP spid="10" grpId="0" animBg="1"/>
-      <p:bldP spid="10" grpId="1" animBg="1"/>
-      <p:bldP spid="20" grpId="0"/>
-      <p:bldP spid="20" grpId="1"/>
-      <p:bldP spid="13" grpId="0" animBg="1"/>
-      <p:bldP spid="13" grpId="1" animBg="1"/>
-    </p:bldLst>
-  </p:timing>
-</p:sld>
-</file>
-
-<file path=ppt/slides/slide7.xml><?xml version="1.0" encoding="utf-8"?>
-<p:sld xmlns:a="http://schemas.openxmlformats.org/drawingml/2006/main" xmlns:r="http://schemas.openxmlformats.org/officeDocument/2006/relationships" xmlns:p="http://schemas.openxmlformats.org/presentationml/2006/main">
-  <p:cSld>
-    <p:spTree>
-      <p:nvGrpSpPr>
-        <p:cNvPr id="1" name=""/>
-        <p:cNvGrpSpPr/>
-        <p:nvPr/>
-      </p:nvGrpSpPr>
-      <p:grpSpPr>
-        <a:xfrm>
-          <a:off x="0" y="0"/>
-          <a:ext cx="0" cy="0"/>
-          <a:chOff x="0" y="0"/>
-          <a:chExt cx="0" cy="0"/>
-        </a:xfrm>
-      </p:grpSpPr>
-      <p:sp>
-        <p:nvSpPr>
-          <p:cNvPr id="4" name="Titre 3" hidden="1">
-            <a:extLst>
-              <a:ext uri="{FF2B5EF4-FFF2-40B4-BE49-F238E27FC236}">
-                <a16:creationId xmlns:a16="http://schemas.microsoft.com/office/drawing/2014/main" id="{B5981CF1-BC08-49F8-B0F9-AAF98EC67450}"/>
-              </a:ext>
-            </a:extLst>
-          </p:cNvPr>
-          <p:cNvSpPr>
-            <a:spLocks noGrp="1"/>
-          </p:cNvSpPr>
-          <p:nvPr>
-            <p:ph type="title" idx="4294967295"/>
-          </p:nvPr>
-        </p:nvSpPr>
-        <p:spPr>
-          <a:xfrm>
-            <a:off x="0" y="365125"/>
-            <a:ext cx="10515600" cy="1325563"/>
-          </a:xfrm>
-        </p:spPr>
-        <p:txBody>
-          <a:bodyPr rtlCol="0"/>
-          <a:lstStyle/>
-          <a:p>
-            <a:r>
-              <a:rPr lang="fr-FR" dirty="0"/>
-              <a:t>Analyse du projet : diapositive </a:t>
-            </a:r>
-            <a:r>
-              <a:rPr lang="fr" dirty="0"/>
-              <a:t>2</a:t>
-            </a:r>
-          </a:p>
-        </p:txBody>
-      </p:sp>
-      <p:cxnSp>
-        <p:nvCxnSpPr>
-          <p:cNvPr id="8" name="Connecteur droit 7">
-            <a:extLst>
-              <a:ext uri="{FF2B5EF4-FFF2-40B4-BE49-F238E27FC236}">
-                <a16:creationId xmlns:a16="http://schemas.microsoft.com/office/drawing/2014/main" id="{D0986099-F5F2-4E8B-BE17-81194861A00C}"/>
-              </a:ext>
-              <a:ext uri="{C183D7F6-B498-43B3-948B-1728B52AA6E4}">
-                <adec:decorative xmlns:adec="http://schemas.microsoft.com/office/drawing/2017/decorative" val="1"/>
-              </a:ext>
-            </a:extLst>
-          </p:cNvPr>
-          <p:cNvCxnSpPr>
-            <a:cxnSpLocks/>
-          </p:cNvCxnSpPr>
-          <p:nvPr/>
-        </p:nvCxnSpPr>
-        <p:spPr>
-          <a:xfrm>
-            <a:off x="9745956" y="522898"/>
-            <a:ext cx="2446044" cy="0"/>
-          </a:xfrm>
-          <a:prstGeom prst="line">
-            <a:avLst/>
-          </a:prstGeom>
-          <a:ln>
-            <a:solidFill>
-              <a:schemeClr val="accent3">
-                <a:lumMod val="50000"/>
-              </a:schemeClr>
-            </a:solidFill>
-            <a:headEnd type="oval"/>
-          </a:ln>
-        </p:spPr>
-        <p:style>
-          <a:lnRef idx="1">
-            <a:schemeClr val="accent1"/>
-          </a:lnRef>
-          <a:fillRef idx="0">
-            <a:schemeClr val="accent1"/>
-          </a:fillRef>
-          <a:effectRef idx="0">
-            <a:schemeClr val="accent1"/>
-          </a:effectRef>
-          <a:fontRef idx="minor">
-            <a:schemeClr val="tx1"/>
-          </a:fontRef>
-        </p:style>
-      </p:cxnSp>
-      <p:sp>
-        <p:nvSpPr>
-          <p:cNvPr id="11" name="Titre 1">
-            <a:extLst>
-              <a:ext uri="{FF2B5EF4-FFF2-40B4-BE49-F238E27FC236}">
-                <a16:creationId xmlns:a16="http://schemas.microsoft.com/office/drawing/2014/main" id="{4E3F5479-058B-4FA8-92E9-18CAB8CDC5C5}"/>
-              </a:ext>
-            </a:extLst>
-          </p:cNvPr>
-          <p:cNvSpPr txBox="1">
-            <a:spLocks/>
-          </p:cNvSpPr>
-          <p:nvPr/>
-        </p:nvSpPr>
-        <p:spPr>
-          <a:xfrm>
-            <a:off x="228600" y="322168"/>
-            <a:ext cx="11734800" cy="775597"/>
-          </a:xfrm>
-          <a:prstGeom prst="rect">
-            <a:avLst/>
-          </a:prstGeom>
-        </p:spPr>
-        <p:txBody>
-          <a:bodyPr vert="horz" wrap="square" lIns="0" tIns="0" rIns="0" bIns="0" rtlCol="0" anchor="t">
-            <a:spAutoFit/>
-          </a:bodyPr>
-          <a:lstStyle>
-            <a:lvl1pPr algn="l" defTabSz="914400" rtl="0" eaLnBrk="1" latinLnBrk="0" hangingPunct="1">
-              <a:lnSpc>
-                <a:spcPct val="90000"/>
-              </a:lnSpc>
-              <a:spcBef>
-                <a:spcPct val="0"/>
-              </a:spcBef>
-              <a:buNone/>
-              <a:defRPr sz="4400" kern="1200">
-                <a:solidFill>
-                  <a:schemeClr val="tx1"/>
-                </a:solidFill>
-                <a:latin typeface="+mj-lt"/>
-                <a:ea typeface="+mj-ea"/>
-                <a:cs typeface="+mj-cs"/>
-              </a:defRPr>
-            </a:lvl1pPr>
-          </a:lstStyle>
-          <a:p>
-            <a:pPr algn="ctr" rtl="0"/>
-            <a:r>
-              <a:rPr lang="fr-FR" sz="2800" b="1" dirty="0">
-                <a:solidFill>
-                  <a:srgbClr val="095763"/>
-                </a:solidFill>
-              </a:rPr>
-              <a:t>Fonctionnalités de la page produit </a:t>
-            </a:r>
-            <a:br>
-              <a:rPr lang="fr-FR" sz="2800" dirty="0">
-                <a:solidFill>
-                  <a:schemeClr val="tx1">
-                    <a:lumMod val="75000"/>
-                    <a:lumOff val="25000"/>
-                  </a:schemeClr>
-                </a:solidFill>
-              </a:rPr>
-            </a:br>
-            <a:endParaRPr lang="fr-FR" sz="2800" dirty="0">
-              <a:solidFill>
-                <a:schemeClr val="tx1">
-                  <a:lumMod val="75000"/>
-                  <a:lumOff val="25000"/>
-                </a:schemeClr>
-              </a:solidFill>
-            </a:endParaRPr>
-          </a:p>
-        </p:txBody>
-      </p:sp>
-      <p:cxnSp>
-        <p:nvCxnSpPr>
-          <p:cNvPr id="14" name="Connecteur droit 13">
-            <a:extLst>
-              <a:ext uri="{FF2B5EF4-FFF2-40B4-BE49-F238E27FC236}">
-                <a16:creationId xmlns:a16="http://schemas.microsoft.com/office/drawing/2014/main" id="{83E690F4-843A-47A5-8620-4FB01C0D8E68}"/>
-              </a:ext>
-              <a:ext uri="{C183D7F6-B498-43B3-948B-1728B52AA6E4}">
-                <adec:decorative xmlns:adec="http://schemas.microsoft.com/office/drawing/2017/decorative" val="1"/>
-              </a:ext>
-            </a:extLst>
-          </p:cNvPr>
-          <p:cNvCxnSpPr>
-            <a:cxnSpLocks/>
-          </p:cNvCxnSpPr>
-          <p:nvPr/>
-        </p:nvCxnSpPr>
-        <p:spPr>
-          <a:xfrm>
-            <a:off x="0" y="522898"/>
-            <a:ext cx="2542478" cy="0"/>
-          </a:xfrm>
-          <a:prstGeom prst="line">
-            <a:avLst/>
-          </a:prstGeom>
-          <a:ln>
-            <a:solidFill>
-              <a:schemeClr val="accent3">
-                <a:lumMod val="50000"/>
-              </a:schemeClr>
-            </a:solidFill>
-            <a:tailEnd type="oval"/>
-          </a:ln>
-        </p:spPr>
-        <p:style>
-          <a:lnRef idx="1">
-            <a:schemeClr val="accent1"/>
-          </a:lnRef>
-          <a:fillRef idx="0">
-            <a:schemeClr val="accent1"/>
-          </a:fillRef>
-          <a:effectRef idx="0">
-            <a:schemeClr val="accent1"/>
-          </a:effectRef>
-          <a:fontRef idx="minor">
-            <a:schemeClr val="tx1"/>
-          </a:fontRef>
-        </p:style>
-      </p:cxnSp>
-      <p:sp>
-        <p:nvSpPr>
-          <p:cNvPr id="56" name="Rectangle 55">
-            <a:extLst>
-              <a:ext uri="{FF2B5EF4-FFF2-40B4-BE49-F238E27FC236}">
-                <a16:creationId xmlns:a16="http://schemas.microsoft.com/office/drawing/2014/main" id="{B3283D92-3EEE-B06D-F4B4-EA560E67B579}"/>
-              </a:ext>
-            </a:extLst>
-          </p:cNvPr>
-          <p:cNvSpPr/>
-          <p:nvPr/>
-        </p:nvSpPr>
-        <p:spPr>
-          <a:xfrm>
-            <a:off x="1076604" y="2886560"/>
-            <a:ext cx="1371600" cy="984885"/>
-          </a:xfrm>
-          <a:prstGeom prst="rect">
-            <a:avLst/>
-          </a:prstGeom>
-        </p:spPr>
-        <p:txBody>
-          <a:bodyPr wrap="square" lIns="0" tIns="0" rIns="0" bIns="0" rtlCol="0">
-            <a:spAutoFit/>
-          </a:bodyPr>
-          <a:lstStyle/>
-          <a:p>
-            <a:pPr algn="ctr" rtl="0"/>
-            <a:r>
-              <a:rPr lang="fr-FR" sz="1600" b="1" dirty="0">
-                <a:solidFill>
-                  <a:schemeClr val="bg1"/>
-                </a:solidFill>
-              </a:rPr>
-              <a:t>Prendre en main les maquettes HTML/CSS</a:t>
-            </a:r>
-          </a:p>
-        </p:txBody>
-      </p:sp>
-      <p:sp>
-        <p:nvSpPr>
-          <p:cNvPr id="57" name="Rectangle 56">
-            <a:extLst>
-              <a:ext uri="{FF2B5EF4-FFF2-40B4-BE49-F238E27FC236}">
-                <a16:creationId xmlns:a16="http://schemas.microsoft.com/office/drawing/2014/main" id="{AA5922AD-940A-745F-635B-70CF97217C23}"/>
-              </a:ext>
-            </a:extLst>
-          </p:cNvPr>
-          <p:cNvSpPr/>
-          <p:nvPr/>
-        </p:nvSpPr>
-        <p:spPr>
-          <a:xfrm>
-            <a:off x="3243403" y="2886560"/>
-            <a:ext cx="1371600" cy="492443"/>
-          </a:xfrm>
-          <a:prstGeom prst="rect">
-            <a:avLst/>
-          </a:prstGeom>
-        </p:spPr>
-        <p:txBody>
-          <a:bodyPr wrap="square" lIns="0" tIns="0" rIns="0" bIns="0" rtlCol="0">
-            <a:spAutoFit/>
-          </a:bodyPr>
-          <a:lstStyle/>
-          <a:p>
-            <a:pPr algn="ctr" rtl="0"/>
-            <a:r>
-              <a:rPr lang="fr-FR" sz="1600" b="1" dirty="0">
-                <a:solidFill>
-                  <a:schemeClr val="bg1"/>
-                </a:solidFill>
-              </a:rPr>
-              <a:t>ANALYSE TECHNIQUE</a:t>
-            </a:r>
-          </a:p>
-        </p:txBody>
-      </p:sp>
-      <p:sp>
-        <p:nvSpPr>
-          <p:cNvPr id="58" name="Rectangle 57">
-            <a:extLst>
-              <a:ext uri="{FF2B5EF4-FFF2-40B4-BE49-F238E27FC236}">
-                <a16:creationId xmlns:a16="http://schemas.microsoft.com/office/drawing/2014/main" id="{10EEBB15-1E7D-818B-D16D-1F77BED266BB}"/>
-              </a:ext>
-            </a:extLst>
-          </p:cNvPr>
-          <p:cNvSpPr/>
-          <p:nvPr/>
-        </p:nvSpPr>
-        <p:spPr>
-          <a:xfrm>
-            <a:off x="5410201" y="2886560"/>
-            <a:ext cx="1371600" cy="492443"/>
-          </a:xfrm>
-          <a:prstGeom prst="rect">
-            <a:avLst/>
-          </a:prstGeom>
-        </p:spPr>
-        <p:txBody>
-          <a:bodyPr wrap="square" lIns="0" tIns="0" rIns="0" bIns="0" rtlCol="0">
-            <a:spAutoFit/>
-          </a:bodyPr>
-          <a:lstStyle/>
-          <a:p>
-            <a:pPr algn="ctr" rtl="0"/>
-            <a:r>
-              <a:rPr lang="fr-FR" sz="1600" b="1" dirty="0">
-                <a:solidFill>
-                  <a:schemeClr val="bg1"/>
-                </a:solidFill>
-              </a:rPr>
-              <a:t>ANALYSE FINANCIÈRE</a:t>
-            </a:r>
-          </a:p>
-        </p:txBody>
-      </p:sp>
-      <p:sp>
-        <p:nvSpPr>
-          <p:cNvPr id="59" name="Rectangle 58">
-            <a:extLst>
-              <a:ext uri="{FF2B5EF4-FFF2-40B4-BE49-F238E27FC236}">
-                <a16:creationId xmlns:a16="http://schemas.microsoft.com/office/drawing/2014/main" id="{B136944F-D1F7-3714-21B6-E19D90A5AECE}"/>
-              </a:ext>
-            </a:extLst>
-          </p:cNvPr>
-          <p:cNvSpPr/>
-          <p:nvPr/>
-        </p:nvSpPr>
-        <p:spPr>
-          <a:xfrm>
-            <a:off x="7577000" y="2886560"/>
-            <a:ext cx="1371600" cy="492443"/>
-          </a:xfrm>
-          <a:prstGeom prst="rect">
-            <a:avLst/>
-          </a:prstGeom>
-        </p:spPr>
-        <p:txBody>
-          <a:bodyPr wrap="square" lIns="0" tIns="0" rIns="0" bIns="0" rtlCol="0">
-            <a:spAutoFit/>
-          </a:bodyPr>
-          <a:lstStyle/>
-          <a:p>
-            <a:pPr algn="ctr" rtl="0"/>
-            <a:r>
-              <a:rPr lang="fr-FR" sz="1600" b="1" dirty="0">
-                <a:solidFill>
-                  <a:schemeClr val="bg1"/>
-                </a:solidFill>
-              </a:rPr>
-              <a:t>ANALYSE ÉCONOMIQUE</a:t>
-            </a:r>
-          </a:p>
-        </p:txBody>
-      </p:sp>
-      <p:sp>
-        <p:nvSpPr>
-          <p:cNvPr id="60" name="Rectangle 59">
-            <a:extLst>
-              <a:ext uri="{FF2B5EF4-FFF2-40B4-BE49-F238E27FC236}">
-                <a16:creationId xmlns:a16="http://schemas.microsoft.com/office/drawing/2014/main" id="{8652B7AB-60BA-6A0E-9709-0502A47A6D09}"/>
-              </a:ext>
-            </a:extLst>
-          </p:cNvPr>
-          <p:cNvSpPr/>
-          <p:nvPr/>
-        </p:nvSpPr>
-        <p:spPr>
-          <a:xfrm>
-            <a:off x="9745956" y="2886560"/>
-            <a:ext cx="1371600" cy="492443"/>
-          </a:xfrm>
-          <a:prstGeom prst="rect">
-            <a:avLst/>
-          </a:prstGeom>
-        </p:spPr>
-        <p:txBody>
-          <a:bodyPr wrap="square" lIns="0" tIns="0" rIns="0" bIns="0" rtlCol="0">
-            <a:spAutoFit/>
-          </a:bodyPr>
-          <a:lstStyle/>
-          <a:p>
-            <a:pPr algn="ctr" rtl="0"/>
-            <a:r>
-              <a:rPr lang="fr-FR" sz="1600" b="1" dirty="0">
-                <a:solidFill>
-                  <a:schemeClr val="bg1"/>
-                </a:solidFill>
-              </a:rPr>
-              <a:t>ANALYSE ÉCOLOGIQUE</a:t>
-            </a:r>
-          </a:p>
-        </p:txBody>
-      </p:sp>
-      <p:sp>
-        <p:nvSpPr>
-          <p:cNvPr id="12" name="ZoneTexte 11">
-            <a:extLst>
-              <a:ext uri="{FF2B5EF4-FFF2-40B4-BE49-F238E27FC236}">
-                <a16:creationId xmlns:a16="http://schemas.microsoft.com/office/drawing/2014/main" id="{A6F72B9C-BA61-2D35-4DDD-FC6C892FC351}"/>
-              </a:ext>
-            </a:extLst>
-          </p:cNvPr>
-          <p:cNvSpPr txBox="1"/>
-          <p:nvPr/>
-        </p:nvSpPr>
-        <p:spPr>
-          <a:xfrm>
-            <a:off x="439462" y="2260131"/>
-            <a:ext cx="11313075" cy="2862322"/>
-          </a:xfrm>
-          <a:prstGeom prst="rect">
-            <a:avLst/>
-          </a:prstGeom>
-          <a:noFill/>
-        </p:spPr>
-        <p:txBody>
-          <a:bodyPr wrap="square" rtlCol="0">
-            <a:spAutoFit/>
-          </a:bodyPr>
-          <a:lstStyle/>
-          <a:p>
-            <a:pPr marL="285750" indent="-285750" algn="ctr">
-              <a:buFont typeface="Arial" panose="020B0604020202020204" pitchFamily="34" charset="0"/>
-              <a:buChar char="•"/>
-            </a:pPr>
-            <a:r>
-              <a:rPr lang="fr-FR" sz="2000" dirty="0">
-                <a:solidFill>
-                  <a:srgbClr val="095763"/>
-                </a:solidFill>
-              </a:rPr>
-              <a:t>La page produit devait afficher les informations que d’un seul produit.</a:t>
-            </a:r>
-          </a:p>
-          <a:p>
-            <a:pPr marL="285750" indent="-285750" algn="ctr">
-              <a:buFont typeface="Arial" panose="020B0604020202020204" pitchFamily="34" charset="0"/>
-              <a:buChar char="•"/>
-            </a:pPr>
-            <a:endParaRPr lang="fr-FR" sz="2000" dirty="0">
-              <a:solidFill>
-                <a:srgbClr val="095763"/>
-              </a:solidFill>
-            </a:endParaRPr>
-          </a:p>
-          <a:p>
-            <a:pPr marL="285750" indent="-285750" algn="ctr">
-              <a:buFont typeface="Arial" panose="020B0604020202020204" pitchFamily="34" charset="0"/>
-              <a:buChar char="•"/>
-            </a:pPr>
-            <a:endParaRPr lang="fr-FR" sz="2000" dirty="0">
-              <a:solidFill>
-                <a:srgbClr val="095763"/>
-              </a:solidFill>
-            </a:endParaRPr>
-          </a:p>
-          <a:p>
-            <a:pPr marL="285750" indent="-285750" algn="ctr">
-              <a:buFont typeface="Arial" panose="020B0604020202020204" pitchFamily="34" charset="0"/>
-              <a:buChar char="•"/>
-            </a:pPr>
-            <a:r>
-              <a:rPr lang="fr-FR" sz="2000" dirty="0">
-                <a:solidFill>
-                  <a:srgbClr val="095763"/>
-                </a:solidFill>
-              </a:rPr>
-              <a:t>Ces produits peuvent avoir différentes couleurs qui sont sélectionnable par l’utilisateur.</a:t>
-            </a:r>
-          </a:p>
-          <a:p>
-            <a:pPr marL="285750" indent="-285750" algn="ctr">
-              <a:buFont typeface="Arial" panose="020B0604020202020204" pitchFamily="34" charset="0"/>
-              <a:buChar char="•"/>
-            </a:pPr>
-            <a:endParaRPr lang="fr-FR" sz="2000" dirty="0">
-              <a:solidFill>
-                <a:srgbClr val="095763"/>
-              </a:solidFill>
-            </a:endParaRPr>
-          </a:p>
-          <a:p>
-            <a:pPr marL="285750" indent="-285750" algn="ctr">
-              <a:buFont typeface="Arial" panose="020B0604020202020204" pitchFamily="34" charset="0"/>
-              <a:buChar char="•"/>
-            </a:pPr>
-            <a:endParaRPr lang="fr-FR" sz="2000" dirty="0">
-              <a:solidFill>
-                <a:srgbClr val="095763"/>
-              </a:solidFill>
-            </a:endParaRPr>
-          </a:p>
-          <a:p>
-            <a:pPr marL="285750" indent="-285750" algn="ctr">
-              <a:buFont typeface="Arial" panose="020B0604020202020204" pitchFamily="34" charset="0"/>
-              <a:buChar char="•"/>
-            </a:pPr>
-            <a:r>
-              <a:rPr lang="fr-FR" sz="2000" dirty="0">
-                <a:solidFill>
-                  <a:srgbClr val="095763"/>
-                </a:solidFill>
-              </a:rPr>
-              <a:t>Évidemment, l’ajout au panier était l’une des fonctionnalités essentielles de cette page.</a:t>
-            </a:r>
-          </a:p>
-          <a:p>
-            <a:pPr algn="ctr"/>
-            <a:endParaRPr lang="fr-FR" sz="2000" dirty="0">
-              <a:solidFill>
-                <a:srgbClr val="095763"/>
-              </a:solidFill>
-            </a:endParaRPr>
-          </a:p>
-          <a:p>
-            <a:endParaRPr lang="fr-FR" sz="2000" dirty="0"/>
-          </a:p>
-        </p:txBody>
-      </p:sp>
-    </p:spTree>
-    <p:extLst>
-      <p:ext uri="{BB962C8B-B14F-4D97-AF65-F5344CB8AC3E}">
-        <p14:creationId xmlns:p14="http://schemas.microsoft.com/office/powerpoint/2010/main" val="3722726038"/>
-      </p:ext>
-    </p:extLst>
-  </p:cSld>
-  <p:clrMapOvr>
-    <a:masterClrMapping/>
-  </p:clrMapOvr>
-</p:sld>
-</file>
-
-<file path=ppt/slides/slide8.xml><?xml version="1.0" encoding="utf-8"?>
-<p:sld xmlns:a="http://schemas.openxmlformats.org/drawingml/2006/main" xmlns:r="http://schemas.openxmlformats.org/officeDocument/2006/relationships" xmlns:p="http://schemas.openxmlformats.org/presentationml/2006/main">
-  <p:cSld>
-    <p:spTree>
-      <p:nvGrpSpPr>
-        <p:cNvPr id="1" name=""/>
-        <p:cNvGrpSpPr/>
-        <p:nvPr/>
-      </p:nvGrpSpPr>
-      <p:grpSpPr>
-        <a:xfrm>
-          <a:off x="0" y="0"/>
-          <a:ext cx="0" cy="0"/>
-          <a:chOff x="0" y="0"/>
-          <a:chExt cx="0" cy="0"/>
-        </a:xfrm>
-      </p:grpSpPr>
-      <p:sp>
-        <p:nvSpPr>
-          <p:cNvPr id="4" name="Titre 3" hidden="1">
-            <a:extLst>
-              <a:ext uri="{FF2B5EF4-FFF2-40B4-BE49-F238E27FC236}">
-                <a16:creationId xmlns:a16="http://schemas.microsoft.com/office/drawing/2014/main" id="{B5981CF1-BC08-49F8-B0F9-AAF98EC67450}"/>
-              </a:ext>
-            </a:extLst>
-          </p:cNvPr>
-          <p:cNvSpPr>
-            <a:spLocks noGrp="1"/>
-          </p:cNvSpPr>
-          <p:nvPr>
-            <p:ph type="title" idx="4294967295"/>
-          </p:nvPr>
-        </p:nvSpPr>
-        <p:spPr>
-          <a:xfrm>
-            <a:off x="0" y="365125"/>
-            <a:ext cx="10515600" cy="1325563"/>
-          </a:xfrm>
-        </p:spPr>
-        <p:txBody>
-          <a:bodyPr rtlCol="0"/>
-          <a:lstStyle/>
-          <a:p>
-            <a:r>
-              <a:rPr lang="fr-FR" dirty="0"/>
-              <a:t>Analyse du projet : diapositive </a:t>
-            </a:r>
-            <a:r>
-              <a:rPr lang="fr" dirty="0"/>
-              <a:t>2</a:t>
-            </a:r>
-          </a:p>
-        </p:txBody>
-      </p:sp>
-      <p:cxnSp>
-        <p:nvCxnSpPr>
-          <p:cNvPr id="8" name="Connecteur droit 7">
-            <a:extLst>
-              <a:ext uri="{FF2B5EF4-FFF2-40B4-BE49-F238E27FC236}">
-                <a16:creationId xmlns:a16="http://schemas.microsoft.com/office/drawing/2014/main" id="{D0986099-F5F2-4E8B-BE17-81194861A00C}"/>
-              </a:ext>
-              <a:ext uri="{C183D7F6-B498-43B3-948B-1728B52AA6E4}">
-                <adec:decorative xmlns:adec="http://schemas.microsoft.com/office/drawing/2017/decorative" val="1"/>
-              </a:ext>
-            </a:extLst>
-          </p:cNvPr>
-          <p:cNvCxnSpPr>
-            <a:cxnSpLocks/>
-          </p:cNvCxnSpPr>
-          <p:nvPr/>
-        </p:nvCxnSpPr>
-        <p:spPr>
-          <a:xfrm>
-            <a:off x="9303391" y="522898"/>
-            <a:ext cx="2888609" cy="0"/>
-          </a:xfrm>
-          <a:prstGeom prst="line">
-            <a:avLst/>
-          </a:prstGeom>
-          <a:ln>
-            <a:solidFill>
-              <a:schemeClr val="accent3">
-                <a:lumMod val="50000"/>
-              </a:schemeClr>
-            </a:solidFill>
-            <a:headEnd type="oval"/>
-          </a:ln>
-        </p:spPr>
-        <p:style>
-          <a:lnRef idx="1">
-            <a:schemeClr val="accent1"/>
-          </a:lnRef>
-          <a:fillRef idx="0">
-            <a:schemeClr val="accent1"/>
-          </a:fillRef>
-          <a:effectRef idx="0">
-            <a:schemeClr val="accent1"/>
-          </a:effectRef>
-          <a:fontRef idx="minor">
-            <a:schemeClr val="tx1"/>
-          </a:fontRef>
-        </p:style>
-      </p:cxnSp>
-      <p:sp>
-        <p:nvSpPr>
-          <p:cNvPr id="11" name="Titre 1">
-            <a:extLst>
-              <a:ext uri="{FF2B5EF4-FFF2-40B4-BE49-F238E27FC236}">
-                <a16:creationId xmlns:a16="http://schemas.microsoft.com/office/drawing/2014/main" id="{4E3F5479-058B-4FA8-92E9-18CAB8CDC5C5}"/>
-              </a:ext>
-            </a:extLst>
-          </p:cNvPr>
-          <p:cNvSpPr txBox="1">
-            <a:spLocks/>
-          </p:cNvSpPr>
-          <p:nvPr/>
-        </p:nvSpPr>
-        <p:spPr>
-          <a:xfrm>
-            <a:off x="228600" y="322168"/>
-            <a:ext cx="11734800" cy="775597"/>
-          </a:xfrm>
-          <a:prstGeom prst="rect">
-            <a:avLst/>
-          </a:prstGeom>
-        </p:spPr>
-        <p:txBody>
-          <a:bodyPr vert="horz" wrap="square" lIns="0" tIns="0" rIns="0" bIns="0" rtlCol="0" anchor="t">
-            <a:spAutoFit/>
-          </a:bodyPr>
-          <a:lstStyle>
-            <a:lvl1pPr algn="l" defTabSz="914400" rtl="0" eaLnBrk="1" latinLnBrk="0" hangingPunct="1">
-              <a:lnSpc>
-                <a:spcPct val="90000"/>
-              </a:lnSpc>
-              <a:spcBef>
-                <a:spcPct val="0"/>
-              </a:spcBef>
-              <a:buNone/>
-              <a:defRPr sz="4400" kern="1200">
-                <a:solidFill>
-                  <a:schemeClr val="tx1"/>
-                </a:solidFill>
-                <a:latin typeface="+mj-lt"/>
-                <a:ea typeface="+mj-ea"/>
-                <a:cs typeface="+mj-cs"/>
-              </a:defRPr>
-            </a:lvl1pPr>
-          </a:lstStyle>
-          <a:p>
-            <a:pPr algn="ctr" rtl="0"/>
-            <a:r>
-              <a:rPr lang="fr-FR" sz="2800" b="1" dirty="0">
-                <a:solidFill>
-                  <a:srgbClr val="095763"/>
-                </a:solidFill>
-              </a:rPr>
-              <a:t>Fonctionnalités de la page panier</a:t>
-            </a:r>
-            <a:br>
-              <a:rPr lang="fr-FR" sz="2800" dirty="0">
-                <a:solidFill>
-                  <a:schemeClr val="tx1">
-                    <a:lumMod val="75000"/>
-                    <a:lumOff val="25000"/>
-                  </a:schemeClr>
-                </a:solidFill>
-              </a:rPr>
-            </a:br>
-            <a:endParaRPr lang="fr-FR" sz="2800" dirty="0">
-              <a:solidFill>
-                <a:schemeClr val="tx1">
-                  <a:lumMod val="75000"/>
-                  <a:lumOff val="25000"/>
-                </a:schemeClr>
-              </a:solidFill>
-            </a:endParaRPr>
-          </a:p>
-        </p:txBody>
-      </p:sp>
-      <p:cxnSp>
-        <p:nvCxnSpPr>
-          <p:cNvPr id="14" name="Connecteur droit 13">
-            <a:extLst>
-              <a:ext uri="{FF2B5EF4-FFF2-40B4-BE49-F238E27FC236}">
-                <a16:creationId xmlns:a16="http://schemas.microsoft.com/office/drawing/2014/main" id="{83E690F4-843A-47A5-8620-4FB01C0D8E68}"/>
-              </a:ext>
-              <a:ext uri="{C183D7F6-B498-43B3-948B-1728B52AA6E4}">
-                <adec:decorative xmlns:adec="http://schemas.microsoft.com/office/drawing/2017/decorative" val="1"/>
-              </a:ext>
-            </a:extLst>
-          </p:cNvPr>
-          <p:cNvCxnSpPr>
-            <a:cxnSpLocks/>
-          </p:cNvCxnSpPr>
-          <p:nvPr/>
-        </p:nvCxnSpPr>
-        <p:spPr>
-          <a:xfrm>
-            <a:off x="0" y="522898"/>
-            <a:ext cx="2877424" cy="0"/>
-          </a:xfrm>
-          <a:prstGeom prst="line">
-            <a:avLst/>
-          </a:prstGeom>
-          <a:ln>
-            <a:solidFill>
-              <a:schemeClr val="accent3">
-                <a:lumMod val="50000"/>
-              </a:schemeClr>
-            </a:solidFill>
-            <a:tailEnd type="oval"/>
-          </a:ln>
-        </p:spPr>
-        <p:style>
-          <a:lnRef idx="1">
-            <a:schemeClr val="accent1"/>
-          </a:lnRef>
-          <a:fillRef idx="0">
-            <a:schemeClr val="accent1"/>
-          </a:fillRef>
-          <a:effectRef idx="0">
-            <a:schemeClr val="accent1"/>
-          </a:effectRef>
-          <a:fontRef idx="minor">
-            <a:schemeClr val="tx1"/>
-          </a:fontRef>
-        </p:style>
-      </p:cxnSp>
-      <p:sp>
-        <p:nvSpPr>
-          <p:cNvPr id="56" name="Rectangle 55">
-            <a:extLst>
-              <a:ext uri="{FF2B5EF4-FFF2-40B4-BE49-F238E27FC236}">
-                <a16:creationId xmlns:a16="http://schemas.microsoft.com/office/drawing/2014/main" id="{B3283D92-3EEE-B06D-F4B4-EA560E67B579}"/>
-              </a:ext>
-            </a:extLst>
-          </p:cNvPr>
-          <p:cNvSpPr/>
-          <p:nvPr/>
-        </p:nvSpPr>
-        <p:spPr>
-          <a:xfrm>
-            <a:off x="1076604" y="2886560"/>
-            <a:ext cx="1371600" cy="984885"/>
-          </a:xfrm>
-          <a:prstGeom prst="rect">
-            <a:avLst/>
-          </a:prstGeom>
-        </p:spPr>
-        <p:txBody>
-          <a:bodyPr wrap="square" lIns="0" tIns="0" rIns="0" bIns="0" rtlCol="0">
-            <a:spAutoFit/>
-          </a:bodyPr>
-          <a:lstStyle/>
-          <a:p>
-            <a:pPr algn="ctr" rtl="0"/>
-            <a:r>
-              <a:rPr lang="fr-FR" sz="1600" b="1" dirty="0">
-                <a:solidFill>
-                  <a:schemeClr val="bg1"/>
-                </a:solidFill>
-              </a:rPr>
-              <a:t>Prendre en main les maquettes HTML/CSS</a:t>
-            </a:r>
-          </a:p>
-        </p:txBody>
-      </p:sp>
-      <p:sp>
-        <p:nvSpPr>
-          <p:cNvPr id="58" name="Rectangle 57">
-            <a:extLst>
-              <a:ext uri="{FF2B5EF4-FFF2-40B4-BE49-F238E27FC236}">
-                <a16:creationId xmlns:a16="http://schemas.microsoft.com/office/drawing/2014/main" id="{10EEBB15-1E7D-818B-D16D-1F77BED266BB}"/>
-              </a:ext>
-            </a:extLst>
-          </p:cNvPr>
-          <p:cNvSpPr/>
-          <p:nvPr/>
-        </p:nvSpPr>
-        <p:spPr>
-          <a:xfrm>
-            <a:off x="5410201" y="2886560"/>
-            <a:ext cx="1371600" cy="492443"/>
-          </a:xfrm>
-          <a:prstGeom prst="rect">
-            <a:avLst/>
-          </a:prstGeom>
-        </p:spPr>
-        <p:txBody>
-          <a:bodyPr wrap="square" lIns="0" tIns="0" rIns="0" bIns="0" rtlCol="0">
-            <a:spAutoFit/>
-          </a:bodyPr>
-          <a:lstStyle/>
-          <a:p>
-            <a:pPr algn="ctr" rtl="0"/>
-            <a:r>
-              <a:rPr lang="fr-FR" sz="1600" b="1" dirty="0">
-                <a:solidFill>
-                  <a:schemeClr val="bg1"/>
-                </a:solidFill>
-              </a:rPr>
-              <a:t>ANALYSE FINANCIÈRE</a:t>
-            </a:r>
-          </a:p>
-        </p:txBody>
-      </p:sp>
-      <p:sp>
-        <p:nvSpPr>
-          <p:cNvPr id="59" name="Rectangle 58">
-            <a:extLst>
-              <a:ext uri="{FF2B5EF4-FFF2-40B4-BE49-F238E27FC236}">
-                <a16:creationId xmlns:a16="http://schemas.microsoft.com/office/drawing/2014/main" id="{B136944F-D1F7-3714-21B6-E19D90A5AECE}"/>
-              </a:ext>
-            </a:extLst>
-          </p:cNvPr>
-          <p:cNvSpPr/>
-          <p:nvPr/>
-        </p:nvSpPr>
-        <p:spPr>
-          <a:xfrm>
-            <a:off x="7577000" y="2886560"/>
-            <a:ext cx="1371600" cy="492443"/>
-          </a:xfrm>
-          <a:prstGeom prst="rect">
-            <a:avLst/>
-          </a:prstGeom>
-        </p:spPr>
-        <p:txBody>
-          <a:bodyPr wrap="square" lIns="0" tIns="0" rIns="0" bIns="0" rtlCol="0">
-            <a:spAutoFit/>
-          </a:bodyPr>
-          <a:lstStyle/>
-          <a:p>
-            <a:pPr algn="ctr" rtl="0"/>
-            <a:r>
-              <a:rPr lang="fr-FR" sz="1600" b="1" dirty="0">
-                <a:solidFill>
-                  <a:schemeClr val="bg1"/>
-                </a:solidFill>
-              </a:rPr>
-              <a:t>ANALYSE ÉCONOMIQUE</a:t>
-            </a:r>
-          </a:p>
-        </p:txBody>
-      </p:sp>
-      <p:sp>
-        <p:nvSpPr>
-          <p:cNvPr id="60" name="Rectangle 59">
-            <a:extLst>
-              <a:ext uri="{FF2B5EF4-FFF2-40B4-BE49-F238E27FC236}">
-                <a16:creationId xmlns:a16="http://schemas.microsoft.com/office/drawing/2014/main" id="{8652B7AB-60BA-6A0E-9709-0502A47A6D09}"/>
-              </a:ext>
-            </a:extLst>
-          </p:cNvPr>
-          <p:cNvSpPr/>
-          <p:nvPr/>
-        </p:nvSpPr>
-        <p:spPr>
-          <a:xfrm>
-            <a:off x="9745956" y="2886560"/>
-            <a:ext cx="1371600" cy="492443"/>
-          </a:xfrm>
-          <a:prstGeom prst="rect">
-            <a:avLst/>
-          </a:prstGeom>
-        </p:spPr>
-        <p:txBody>
-          <a:bodyPr wrap="square" lIns="0" tIns="0" rIns="0" bIns="0" rtlCol="0">
-            <a:spAutoFit/>
-          </a:bodyPr>
-          <a:lstStyle/>
-          <a:p>
-            <a:pPr algn="ctr" rtl="0"/>
-            <a:r>
-              <a:rPr lang="fr-FR" sz="1600" b="1" dirty="0">
-                <a:solidFill>
-                  <a:schemeClr val="bg1"/>
-                </a:solidFill>
-              </a:rPr>
-              <a:t>ANALYSE ÉCOLOGIQUE</a:t>
-            </a:r>
-          </a:p>
-        </p:txBody>
-      </p:sp>
-      <p:sp>
-        <p:nvSpPr>
-          <p:cNvPr id="13" name="ZoneTexte 12">
-            <a:extLst>
-              <a:ext uri="{FF2B5EF4-FFF2-40B4-BE49-F238E27FC236}">
-                <a16:creationId xmlns:a16="http://schemas.microsoft.com/office/drawing/2014/main" id="{11212E76-2C44-C376-846E-9D6390F59F48}"/>
-              </a:ext>
-            </a:extLst>
-          </p:cNvPr>
-          <p:cNvSpPr txBox="1"/>
-          <p:nvPr/>
-        </p:nvSpPr>
-        <p:spPr>
-          <a:xfrm>
-            <a:off x="177490" y="1733383"/>
-            <a:ext cx="11837019" cy="5878532"/>
-          </a:xfrm>
-          <a:prstGeom prst="rect">
-            <a:avLst/>
-          </a:prstGeom>
-          <a:noFill/>
-        </p:spPr>
-        <p:txBody>
-          <a:bodyPr wrap="square" rtlCol="0">
-            <a:spAutoFit/>
-          </a:bodyPr>
-          <a:lstStyle/>
-          <a:p>
-            <a:pPr marL="285750" indent="-285750" algn="ctr">
-              <a:buFont typeface="Arial" panose="020B0604020202020204" pitchFamily="34" charset="0"/>
-              <a:buChar char="•"/>
-            </a:pPr>
-            <a:r>
-              <a:rPr lang="fr-FR" dirty="0">
-                <a:solidFill>
-                  <a:srgbClr val="095763"/>
-                </a:solidFill>
-              </a:rPr>
-              <a:t>La page panier est un récapitulatif de la commande mais contient également le formulaire permettant à l’utilisateur de saisir les informations le concernant pour recevoir sa commande.</a:t>
-            </a:r>
-          </a:p>
-          <a:p>
-            <a:pPr marL="285750" indent="-285750" algn="ctr">
-              <a:buFont typeface="Arial" panose="020B0604020202020204" pitchFamily="34" charset="0"/>
-              <a:buChar char="•"/>
-            </a:pPr>
-            <a:endParaRPr lang="fr-FR" dirty="0">
-              <a:solidFill>
-                <a:srgbClr val="095763"/>
-              </a:solidFill>
-            </a:endParaRPr>
-          </a:p>
-          <a:p>
-            <a:pPr marL="285750" indent="-285750" algn="ctr">
-              <a:buFont typeface="Arial" panose="020B0604020202020204" pitchFamily="34" charset="0"/>
-              <a:buChar char="•"/>
-            </a:pPr>
-            <a:endParaRPr lang="fr-FR" dirty="0">
-              <a:solidFill>
-                <a:srgbClr val="095763"/>
-              </a:solidFill>
-            </a:endParaRPr>
-          </a:p>
-          <a:p>
-            <a:pPr marL="285750" indent="-285750" algn="ctr">
-              <a:buFont typeface="Arial" panose="020B0604020202020204" pitchFamily="34" charset="0"/>
-              <a:buChar char="•"/>
-            </a:pPr>
-            <a:endParaRPr lang="fr-FR" dirty="0">
-              <a:solidFill>
-                <a:srgbClr val="095763"/>
-              </a:solidFill>
-            </a:endParaRPr>
-          </a:p>
-          <a:p>
-            <a:pPr marL="285750" indent="-285750" algn="ctr">
-              <a:buFont typeface="Arial" panose="020B0604020202020204" pitchFamily="34" charset="0"/>
-              <a:buChar char="•"/>
-            </a:pPr>
-            <a:r>
-              <a:rPr lang="fr-FR" dirty="0">
-                <a:solidFill>
-                  <a:srgbClr val="095763"/>
-                </a:solidFill>
-              </a:rPr>
-              <a:t>En sus de la gestion du panier (modification de la quantité ou suppression de produits), l’affichage du montant global de la commande est essentiel.</a:t>
-            </a:r>
-          </a:p>
-          <a:p>
-            <a:pPr marL="285750" indent="-285750" algn="ctr">
-              <a:buFont typeface="Arial" panose="020B0604020202020204" pitchFamily="34" charset="0"/>
-              <a:buChar char="•"/>
-            </a:pPr>
-            <a:endParaRPr lang="fr-FR" dirty="0">
-              <a:solidFill>
-                <a:srgbClr val="095763"/>
-              </a:solidFill>
-            </a:endParaRPr>
-          </a:p>
-          <a:p>
-            <a:pPr marL="285750" indent="-285750" algn="ctr">
-              <a:buFont typeface="Arial" panose="020B0604020202020204" pitchFamily="34" charset="0"/>
-              <a:buChar char="•"/>
-            </a:pPr>
-            <a:endParaRPr lang="fr-FR" dirty="0">
-              <a:solidFill>
-                <a:srgbClr val="095763"/>
-              </a:solidFill>
-            </a:endParaRPr>
-          </a:p>
-          <a:p>
-            <a:pPr marL="285750" indent="-285750" algn="ctr">
-              <a:buFont typeface="Arial" panose="020B0604020202020204" pitchFamily="34" charset="0"/>
-              <a:buChar char="•"/>
-            </a:pPr>
-            <a:endParaRPr lang="fr-FR" dirty="0">
-              <a:solidFill>
-                <a:srgbClr val="095763"/>
-              </a:solidFill>
-            </a:endParaRPr>
-          </a:p>
-          <a:p>
-            <a:pPr marL="285750" indent="-285750" algn="ctr">
-              <a:buFont typeface="Arial" panose="020B0604020202020204" pitchFamily="34" charset="0"/>
-              <a:buChar char="•"/>
-            </a:pPr>
-            <a:r>
-              <a:rPr lang="fr-FR" dirty="0">
-                <a:solidFill>
-                  <a:srgbClr val="095763"/>
-                </a:solidFill>
-              </a:rPr>
-              <a:t>Les données utilisateurs étant ce qu’elles sont, un système de vérification via des REGEX a été mis en place. Toutefois je doute de la pertinence de cette méthode.</a:t>
-            </a:r>
-          </a:p>
-          <a:p>
-            <a:pPr marL="342900" indent="-342900" algn="ctr">
-              <a:buFont typeface="Arial" panose="020B0604020202020204" pitchFamily="34" charset="0"/>
-              <a:buChar char="•"/>
-            </a:pPr>
-            <a:endParaRPr lang="fr-FR" sz="2000" dirty="0">
-              <a:solidFill>
-                <a:srgbClr val="095763"/>
-              </a:solidFill>
-            </a:endParaRPr>
-          </a:p>
-          <a:p>
-            <a:pPr algn="ctr"/>
-            <a:endParaRPr lang="fr-FR" sz="2000" dirty="0">
-              <a:solidFill>
-                <a:srgbClr val="095763"/>
-              </a:solidFill>
-            </a:endParaRPr>
-          </a:p>
-          <a:p>
-            <a:pPr marL="342900" indent="-342900" algn="ctr">
-              <a:buFont typeface="Arial" panose="020B0604020202020204" pitchFamily="34" charset="0"/>
-              <a:buChar char="•"/>
-            </a:pPr>
-            <a:endParaRPr lang="fr-FR" sz="2000" dirty="0">
-              <a:solidFill>
-                <a:srgbClr val="095763"/>
-              </a:solidFill>
-            </a:endParaRPr>
-          </a:p>
-          <a:p>
-            <a:pPr marL="342900" indent="-342900" algn="ctr">
-              <a:buFont typeface="Arial" panose="020B0604020202020204" pitchFamily="34" charset="0"/>
-              <a:buChar char="•"/>
-            </a:pPr>
-            <a:endParaRPr lang="fr-FR" sz="2000" dirty="0">
-              <a:solidFill>
-                <a:srgbClr val="095763"/>
-              </a:solidFill>
-            </a:endParaRPr>
-          </a:p>
-          <a:p>
-            <a:pPr algn="ctr"/>
-            <a:endParaRPr lang="fr-FR" sz="2000" dirty="0">
-              <a:solidFill>
-                <a:srgbClr val="095763"/>
-              </a:solidFill>
-            </a:endParaRPr>
-          </a:p>
-          <a:p>
-            <a:pPr algn="ctr"/>
-            <a:endParaRPr lang="fr-FR" sz="2000" dirty="0">
-              <a:solidFill>
-                <a:srgbClr val="095763"/>
-              </a:solidFill>
-            </a:endParaRPr>
-          </a:p>
-          <a:p>
-            <a:pPr algn="ctr"/>
-            <a:endParaRPr lang="fr-FR" sz="2000" dirty="0">
-              <a:solidFill>
-                <a:srgbClr val="095763"/>
-              </a:solidFill>
-            </a:endParaRPr>
-          </a:p>
-          <a:p>
-            <a:endParaRPr lang="fr-FR" sz="2000" dirty="0"/>
-          </a:p>
-        </p:txBody>
-      </p:sp>
-    </p:spTree>
-    <p:extLst>
-      <p:ext uri="{BB962C8B-B14F-4D97-AF65-F5344CB8AC3E}">
-        <p14:creationId xmlns:p14="http://schemas.microsoft.com/office/powerpoint/2010/main" val="2846069790"/>
-      </p:ext>
-    </p:extLst>
-  </p:cSld>
-  <p:clrMapOvr>
-    <a:masterClrMapping/>
-  </p:clrMapOvr>
-</p:sld>
-</file>
-
-<file path=ppt/slides/slide9.xml><?xml version="1.0" encoding="utf-8"?>
-<p:sld xmlns:a="http://schemas.openxmlformats.org/drawingml/2006/main" xmlns:r="http://schemas.openxmlformats.org/officeDocument/2006/relationships" xmlns:p="http://schemas.openxmlformats.org/presentationml/2006/main">
-  <p:cSld>
-    <p:spTree>
-      <p:nvGrpSpPr>
-        <p:cNvPr id="1" name=""/>
-        <p:cNvGrpSpPr/>
-        <p:nvPr/>
-      </p:nvGrpSpPr>
-      <p:grpSpPr>
-        <a:xfrm>
-          <a:off x="0" y="0"/>
-          <a:ext cx="0" cy="0"/>
-          <a:chOff x="0" y="0"/>
-          <a:chExt cx="0" cy="0"/>
-        </a:xfrm>
-      </p:grpSpPr>
-      <p:sp>
-        <p:nvSpPr>
-          <p:cNvPr id="4" name="Titre 3" hidden="1">
-            <a:extLst>
-              <a:ext uri="{FF2B5EF4-FFF2-40B4-BE49-F238E27FC236}">
-                <a16:creationId xmlns:a16="http://schemas.microsoft.com/office/drawing/2014/main" id="{B5981CF1-BC08-49F8-B0F9-AAF98EC67450}"/>
-              </a:ext>
-            </a:extLst>
-          </p:cNvPr>
-          <p:cNvSpPr>
-            <a:spLocks noGrp="1"/>
-          </p:cNvSpPr>
-          <p:nvPr>
-            <p:ph type="title" idx="4294967295"/>
-          </p:nvPr>
-        </p:nvSpPr>
-        <p:spPr>
-          <a:xfrm>
-            <a:off x="0" y="365125"/>
-            <a:ext cx="10515600" cy="1325563"/>
-          </a:xfrm>
-        </p:spPr>
-        <p:txBody>
-          <a:bodyPr rtlCol="0"/>
-          <a:lstStyle/>
-          <a:p>
-            <a:r>
-              <a:rPr lang="fr-FR" dirty="0"/>
-              <a:t>Analyse du projet : diapositive </a:t>
-            </a:r>
-            <a:r>
-              <a:rPr lang="fr" dirty="0"/>
-              <a:t>2</a:t>
-            </a:r>
-          </a:p>
-        </p:txBody>
-      </p:sp>
-      <p:cxnSp>
-        <p:nvCxnSpPr>
-          <p:cNvPr id="8" name="Connecteur droit 7">
-            <a:extLst>
-              <a:ext uri="{FF2B5EF4-FFF2-40B4-BE49-F238E27FC236}">
-                <a16:creationId xmlns:a16="http://schemas.microsoft.com/office/drawing/2014/main" id="{D0986099-F5F2-4E8B-BE17-81194861A00C}"/>
-              </a:ext>
-              <a:ext uri="{C183D7F6-B498-43B3-948B-1728B52AA6E4}">
-                <adec:decorative xmlns:adec="http://schemas.microsoft.com/office/drawing/2017/decorative" val="1"/>
-              </a:ext>
-            </a:extLst>
-          </p:cNvPr>
-          <p:cNvCxnSpPr>
-            <a:cxnSpLocks/>
-          </p:cNvCxnSpPr>
-          <p:nvPr/>
-        </p:nvCxnSpPr>
-        <p:spPr>
-          <a:xfrm>
-            <a:off x="9815119" y="522898"/>
-            <a:ext cx="2376881" cy="0"/>
-          </a:xfrm>
-          <a:prstGeom prst="line">
-            <a:avLst/>
-          </a:prstGeom>
-          <a:ln>
-            <a:solidFill>
-              <a:schemeClr val="accent3">
-                <a:lumMod val="50000"/>
-              </a:schemeClr>
-            </a:solidFill>
-            <a:headEnd type="oval"/>
-          </a:ln>
-        </p:spPr>
-        <p:style>
-          <a:lnRef idx="1">
-            <a:schemeClr val="accent1"/>
-          </a:lnRef>
-          <a:fillRef idx="0">
-            <a:schemeClr val="accent1"/>
-          </a:fillRef>
-          <a:effectRef idx="0">
-            <a:schemeClr val="accent1"/>
-          </a:effectRef>
-          <a:fontRef idx="minor">
-            <a:schemeClr val="tx1"/>
-          </a:fontRef>
-        </p:style>
-      </p:cxnSp>
-      <p:sp>
-        <p:nvSpPr>
-          <p:cNvPr id="11" name="Titre 1">
-            <a:extLst>
-              <a:ext uri="{FF2B5EF4-FFF2-40B4-BE49-F238E27FC236}">
-                <a16:creationId xmlns:a16="http://schemas.microsoft.com/office/drawing/2014/main" id="{4E3F5479-058B-4FA8-92E9-18CAB8CDC5C5}"/>
-              </a:ext>
-            </a:extLst>
-          </p:cNvPr>
-          <p:cNvSpPr txBox="1">
-            <a:spLocks/>
-          </p:cNvSpPr>
-          <p:nvPr/>
-        </p:nvSpPr>
-        <p:spPr>
-          <a:xfrm>
-            <a:off x="228600" y="322168"/>
-            <a:ext cx="11734800" cy="775597"/>
-          </a:xfrm>
-          <a:prstGeom prst="rect">
-            <a:avLst/>
-          </a:prstGeom>
-        </p:spPr>
-        <p:txBody>
-          <a:bodyPr vert="horz" wrap="square" lIns="0" tIns="0" rIns="0" bIns="0" rtlCol="0" anchor="t">
-            <a:spAutoFit/>
-          </a:bodyPr>
-          <a:lstStyle>
-            <a:lvl1pPr algn="l" defTabSz="914400" rtl="0" eaLnBrk="1" latinLnBrk="0" hangingPunct="1">
-              <a:lnSpc>
-                <a:spcPct val="90000"/>
-              </a:lnSpc>
-              <a:spcBef>
-                <a:spcPct val="0"/>
-              </a:spcBef>
-              <a:buNone/>
-              <a:defRPr sz="4400" kern="1200">
-                <a:solidFill>
-                  <a:schemeClr val="tx1"/>
-                </a:solidFill>
-                <a:latin typeface="+mj-lt"/>
-                <a:ea typeface="+mj-ea"/>
-                <a:cs typeface="+mj-cs"/>
-              </a:defRPr>
-            </a:lvl1pPr>
-          </a:lstStyle>
-          <a:p>
-            <a:pPr algn="ctr" rtl="0"/>
-            <a:r>
-              <a:rPr lang="fr-FR" sz="2800" b="1" dirty="0">
-                <a:solidFill>
-                  <a:srgbClr val="095763"/>
-                </a:solidFill>
-              </a:rPr>
-              <a:t>Fonctionnalités de la page confirmation</a:t>
-            </a:r>
-            <a:br>
-              <a:rPr lang="fr-FR" sz="2800" dirty="0">
-                <a:solidFill>
-                  <a:schemeClr val="tx1">
-                    <a:lumMod val="75000"/>
-                    <a:lumOff val="25000"/>
-                  </a:schemeClr>
-                </a:solidFill>
-              </a:rPr>
-            </a:br>
-            <a:endParaRPr lang="fr-FR" sz="2800" dirty="0">
-              <a:solidFill>
-                <a:schemeClr val="tx1">
-                  <a:lumMod val="75000"/>
-                  <a:lumOff val="25000"/>
-                </a:schemeClr>
-              </a:solidFill>
-            </a:endParaRPr>
-          </a:p>
-        </p:txBody>
-      </p:sp>
-      <p:cxnSp>
-        <p:nvCxnSpPr>
-          <p:cNvPr id="14" name="Connecteur droit 13">
-            <a:extLst>
-              <a:ext uri="{FF2B5EF4-FFF2-40B4-BE49-F238E27FC236}">
-                <a16:creationId xmlns:a16="http://schemas.microsoft.com/office/drawing/2014/main" id="{83E690F4-843A-47A5-8620-4FB01C0D8E68}"/>
-              </a:ext>
-              <a:ext uri="{C183D7F6-B498-43B3-948B-1728B52AA6E4}">
-                <adec:decorative xmlns:adec="http://schemas.microsoft.com/office/drawing/2017/decorative" val="1"/>
-              </a:ext>
-            </a:extLst>
-          </p:cNvPr>
-          <p:cNvCxnSpPr>
-            <a:cxnSpLocks/>
-          </p:cNvCxnSpPr>
-          <p:nvPr/>
-        </p:nvCxnSpPr>
-        <p:spPr>
-          <a:xfrm>
-            <a:off x="0" y="522898"/>
-            <a:ext cx="2374084" cy="0"/>
-          </a:xfrm>
-          <a:prstGeom prst="line">
-            <a:avLst/>
-          </a:prstGeom>
-          <a:ln>
-            <a:solidFill>
-              <a:schemeClr val="accent3">
-                <a:lumMod val="50000"/>
-              </a:schemeClr>
-            </a:solidFill>
-            <a:tailEnd type="oval"/>
-          </a:ln>
-        </p:spPr>
-        <p:style>
-          <a:lnRef idx="1">
-            <a:schemeClr val="accent1"/>
-          </a:lnRef>
-          <a:fillRef idx="0">
-            <a:schemeClr val="accent1"/>
-          </a:fillRef>
-          <a:effectRef idx="0">
-            <a:schemeClr val="accent1"/>
-          </a:effectRef>
-          <a:fontRef idx="minor">
-            <a:schemeClr val="tx1"/>
-          </a:fontRef>
-        </p:style>
-      </p:cxnSp>
-      <p:sp>
-        <p:nvSpPr>
-          <p:cNvPr id="56" name="Rectangle 55">
-            <a:extLst>
-              <a:ext uri="{FF2B5EF4-FFF2-40B4-BE49-F238E27FC236}">
-                <a16:creationId xmlns:a16="http://schemas.microsoft.com/office/drawing/2014/main" id="{B3283D92-3EEE-B06D-F4B4-EA560E67B579}"/>
-              </a:ext>
-            </a:extLst>
-          </p:cNvPr>
-          <p:cNvSpPr/>
-          <p:nvPr/>
-        </p:nvSpPr>
-        <p:spPr>
-          <a:xfrm>
-            <a:off x="1076604" y="2886560"/>
-            <a:ext cx="1371600" cy="984885"/>
-          </a:xfrm>
-          <a:prstGeom prst="rect">
-            <a:avLst/>
-          </a:prstGeom>
-        </p:spPr>
-        <p:txBody>
-          <a:bodyPr wrap="square" lIns="0" tIns="0" rIns="0" bIns="0" rtlCol="0">
-            <a:spAutoFit/>
-          </a:bodyPr>
-          <a:lstStyle/>
-          <a:p>
-            <a:pPr algn="ctr" rtl="0"/>
-            <a:r>
-              <a:rPr lang="fr-FR" sz="1600" b="1" dirty="0">
-                <a:solidFill>
-                  <a:schemeClr val="bg1"/>
-                </a:solidFill>
-              </a:rPr>
-              <a:t>Prendre en main les maquettes HTML/CSS</a:t>
-            </a:r>
-          </a:p>
-        </p:txBody>
-      </p:sp>
-      <p:sp>
-        <p:nvSpPr>
-          <p:cNvPr id="57" name="Rectangle 56">
-            <a:extLst>
-              <a:ext uri="{FF2B5EF4-FFF2-40B4-BE49-F238E27FC236}">
-                <a16:creationId xmlns:a16="http://schemas.microsoft.com/office/drawing/2014/main" id="{AA5922AD-940A-745F-635B-70CF97217C23}"/>
-              </a:ext>
-            </a:extLst>
-          </p:cNvPr>
-          <p:cNvSpPr/>
-          <p:nvPr/>
-        </p:nvSpPr>
-        <p:spPr>
-          <a:xfrm>
-            <a:off x="3243403" y="2886560"/>
-            <a:ext cx="1371600" cy="492443"/>
-          </a:xfrm>
-          <a:prstGeom prst="rect">
-            <a:avLst/>
-          </a:prstGeom>
-        </p:spPr>
-        <p:txBody>
-          <a:bodyPr wrap="square" lIns="0" tIns="0" rIns="0" bIns="0" rtlCol="0">
-            <a:spAutoFit/>
-          </a:bodyPr>
-          <a:lstStyle/>
-          <a:p>
-            <a:pPr algn="ctr" rtl="0"/>
-            <a:r>
-              <a:rPr lang="fr-FR" sz="1600" b="1" dirty="0">
-                <a:solidFill>
-                  <a:schemeClr val="bg1"/>
-                </a:solidFill>
-              </a:rPr>
-              <a:t>ANALYSE TECHNIQUE</a:t>
-            </a:r>
-          </a:p>
-        </p:txBody>
-      </p:sp>
-      <p:sp>
-        <p:nvSpPr>
-          <p:cNvPr id="58" name="Rectangle 57">
-            <a:extLst>
-              <a:ext uri="{FF2B5EF4-FFF2-40B4-BE49-F238E27FC236}">
-                <a16:creationId xmlns:a16="http://schemas.microsoft.com/office/drawing/2014/main" id="{10EEBB15-1E7D-818B-D16D-1F77BED266BB}"/>
-              </a:ext>
-            </a:extLst>
-          </p:cNvPr>
-          <p:cNvSpPr/>
-          <p:nvPr/>
-        </p:nvSpPr>
-        <p:spPr>
-          <a:xfrm>
-            <a:off x="5410201" y="2886560"/>
-            <a:ext cx="1371600" cy="492443"/>
-          </a:xfrm>
-          <a:prstGeom prst="rect">
-            <a:avLst/>
-          </a:prstGeom>
-        </p:spPr>
-        <p:txBody>
-          <a:bodyPr wrap="square" lIns="0" tIns="0" rIns="0" bIns="0" rtlCol="0">
-            <a:spAutoFit/>
-          </a:bodyPr>
-          <a:lstStyle/>
-          <a:p>
-            <a:pPr algn="ctr" rtl="0"/>
-            <a:r>
-              <a:rPr lang="fr-FR" sz="1600" b="1" dirty="0">
-                <a:solidFill>
-                  <a:schemeClr val="bg1"/>
-                </a:solidFill>
-              </a:rPr>
-              <a:t>ANALYSE FINANCIÈRE</a:t>
-            </a:r>
-          </a:p>
-        </p:txBody>
-      </p:sp>
-      <p:sp>
-        <p:nvSpPr>
-          <p:cNvPr id="59" name="Rectangle 58">
-            <a:extLst>
-              <a:ext uri="{FF2B5EF4-FFF2-40B4-BE49-F238E27FC236}">
-                <a16:creationId xmlns:a16="http://schemas.microsoft.com/office/drawing/2014/main" id="{B136944F-D1F7-3714-21B6-E19D90A5AECE}"/>
-              </a:ext>
-            </a:extLst>
-          </p:cNvPr>
-          <p:cNvSpPr/>
-          <p:nvPr/>
-        </p:nvSpPr>
-        <p:spPr>
-          <a:xfrm>
-            <a:off x="7577000" y="2886560"/>
-            <a:ext cx="1371600" cy="492443"/>
-          </a:xfrm>
-          <a:prstGeom prst="rect">
-            <a:avLst/>
-          </a:prstGeom>
-        </p:spPr>
-        <p:txBody>
-          <a:bodyPr wrap="square" lIns="0" tIns="0" rIns="0" bIns="0" rtlCol="0">
-            <a:spAutoFit/>
-          </a:bodyPr>
-          <a:lstStyle/>
-          <a:p>
-            <a:pPr algn="ctr" rtl="0"/>
-            <a:r>
-              <a:rPr lang="fr-FR" sz="1600" b="1" dirty="0">
-                <a:solidFill>
-                  <a:schemeClr val="bg1"/>
-                </a:solidFill>
-              </a:rPr>
-              <a:t>ANALYSE ÉCONOMIQUE</a:t>
-            </a:r>
-          </a:p>
-        </p:txBody>
-      </p:sp>
-      <p:sp>
-        <p:nvSpPr>
-          <p:cNvPr id="60" name="Rectangle 59">
-            <a:extLst>
-              <a:ext uri="{FF2B5EF4-FFF2-40B4-BE49-F238E27FC236}">
-                <a16:creationId xmlns:a16="http://schemas.microsoft.com/office/drawing/2014/main" id="{8652B7AB-60BA-6A0E-9709-0502A47A6D09}"/>
-              </a:ext>
-            </a:extLst>
-          </p:cNvPr>
-          <p:cNvSpPr/>
-          <p:nvPr/>
-        </p:nvSpPr>
-        <p:spPr>
-          <a:xfrm>
-            <a:off x="9745956" y="2886560"/>
-            <a:ext cx="1371600" cy="492443"/>
-          </a:xfrm>
-          <a:prstGeom prst="rect">
-            <a:avLst/>
-          </a:prstGeom>
-        </p:spPr>
-        <p:txBody>
-          <a:bodyPr wrap="square" lIns="0" tIns="0" rIns="0" bIns="0" rtlCol="0">
-            <a:spAutoFit/>
-          </a:bodyPr>
-          <a:lstStyle/>
-          <a:p>
-            <a:pPr algn="ctr" rtl="0"/>
-            <a:r>
-              <a:rPr lang="fr-FR" sz="1600" b="1" dirty="0">
-                <a:solidFill>
-                  <a:schemeClr val="bg1"/>
-                </a:solidFill>
-              </a:rPr>
-              <a:t>ANALYSE ÉCOLOGIQUE</a:t>
-            </a:r>
-          </a:p>
-        </p:txBody>
-      </p:sp>
-      <p:sp>
-        <p:nvSpPr>
-          <p:cNvPr id="15" name="ZoneTexte 14">
-            <a:extLst>
-              <a:ext uri="{FF2B5EF4-FFF2-40B4-BE49-F238E27FC236}">
-                <a16:creationId xmlns:a16="http://schemas.microsoft.com/office/drawing/2014/main" id="{7D809216-C91A-F0E7-EC0B-9D7692444E96}"/>
-              </a:ext>
-            </a:extLst>
-          </p:cNvPr>
-          <p:cNvSpPr txBox="1"/>
-          <p:nvPr/>
-        </p:nvSpPr>
-        <p:spPr>
-          <a:xfrm>
-            <a:off x="228600" y="1745756"/>
-            <a:ext cx="11837019" cy="6186309"/>
-          </a:xfrm>
-          <a:prstGeom prst="rect">
-            <a:avLst/>
-          </a:prstGeom>
-          <a:noFill/>
-        </p:spPr>
-        <p:txBody>
-          <a:bodyPr wrap="square" rtlCol="0">
-            <a:spAutoFit/>
-          </a:bodyPr>
-          <a:lstStyle/>
-          <a:p>
-            <a:pPr marL="285750" indent="-285750" algn="ctr">
-              <a:buFont typeface="Arial" panose="020B0604020202020204" pitchFamily="34" charset="0"/>
-              <a:buChar char="•"/>
-            </a:pPr>
-            <a:r>
-              <a:rPr lang="fr-FR" dirty="0">
-                <a:solidFill>
-                  <a:srgbClr val="095763"/>
-                </a:solidFill>
-              </a:rPr>
-              <a:t>La page de confirmation affiche, dans le cas d’une commande complète et correcte un numéro de commande générée par l’API.</a:t>
-            </a:r>
-          </a:p>
-          <a:p>
-            <a:pPr marL="285750" indent="-285750" algn="ctr">
-              <a:buFont typeface="Arial" panose="020B0604020202020204" pitchFamily="34" charset="0"/>
-              <a:buChar char="•"/>
-            </a:pPr>
-            <a:endParaRPr lang="fr-FR" dirty="0">
-              <a:solidFill>
-                <a:srgbClr val="095763"/>
-              </a:solidFill>
-            </a:endParaRPr>
-          </a:p>
-          <a:p>
-            <a:pPr marL="285750" indent="-285750" algn="ctr">
-              <a:buFont typeface="Arial" panose="020B0604020202020204" pitchFamily="34" charset="0"/>
-              <a:buChar char="•"/>
-            </a:pPr>
-            <a:endParaRPr lang="fr-FR" dirty="0">
-              <a:solidFill>
-                <a:srgbClr val="095763"/>
-              </a:solidFill>
-            </a:endParaRPr>
-          </a:p>
-          <a:p>
-            <a:pPr marL="285750" indent="-285750" algn="ctr">
-              <a:buFont typeface="Arial" panose="020B0604020202020204" pitchFamily="34" charset="0"/>
-              <a:buChar char="•"/>
-            </a:pPr>
-            <a:r>
-              <a:rPr lang="fr-FR" dirty="0">
-                <a:solidFill>
-                  <a:srgbClr val="095763"/>
-                </a:solidFill>
-              </a:rPr>
-              <a:t>Mon travail consistait donc à vérifier la cohérence des informations saisies par l’utilisateur ainsi que la présence d’article au panier.</a:t>
-            </a:r>
-          </a:p>
-          <a:p>
-            <a:pPr marL="285750" indent="-285750" algn="ctr">
-              <a:buFont typeface="Arial" panose="020B0604020202020204" pitchFamily="34" charset="0"/>
-              <a:buChar char="•"/>
-            </a:pPr>
-            <a:endParaRPr lang="fr-FR" dirty="0">
-              <a:solidFill>
-                <a:srgbClr val="095763"/>
-              </a:solidFill>
-            </a:endParaRPr>
-          </a:p>
-          <a:p>
-            <a:pPr marL="285750" indent="-285750" algn="ctr">
-              <a:buFont typeface="Arial" panose="020B0604020202020204" pitchFamily="34" charset="0"/>
-              <a:buChar char="•"/>
-            </a:pPr>
-            <a:r>
-              <a:rPr lang="fr-FR" dirty="0">
-                <a:solidFill>
-                  <a:srgbClr val="095763"/>
-                </a:solidFill>
-              </a:rPr>
-              <a:t>L’API se chargeant de vérifier la cohérence des articles du panier.</a:t>
-            </a:r>
-          </a:p>
-          <a:p>
-            <a:pPr marL="285750" indent="-285750" algn="ctr">
-              <a:buFont typeface="Arial" panose="020B0604020202020204" pitchFamily="34" charset="0"/>
-              <a:buChar char="•"/>
-            </a:pPr>
-            <a:endParaRPr lang="fr-FR" dirty="0">
-              <a:solidFill>
-                <a:srgbClr val="095763"/>
-              </a:solidFill>
-            </a:endParaRPr>
-          </a:p>
-          <a:p>
-            <a:pPr marL="285750" indent="-285750" algn="ctr">
-              <a:buFont typeface="Arial" panose="020B0604020202020204" pitchFamily="34" charset="0"/>
-              <a:buChar char="•"/>
-            </a:pPr>
-            <a:endParaRPr lang="fr-FR" dirty="0">
-              <a:solidFill>
-                <a:srgbClr val="095763"/>
-              </a:solidFill>
-            </a:endParaRPr>
-          </a:p>
-          <a:p>
-            <a:pPr marL="285750" indent="-285750" algn="ctr">
-              <a:buFont typeface="Arial" panose="020B0604020202020204" pitchFamily="34" charset="0"/>
-              <a:buChar char="•"/>
-            </a:pPr>
-            <a:r>
-              <a:rPr lang="fr-FR" dirty="0">
-                <a:solidFill>
-                  <a:srgbClr val="095763"/>
-                </a:solidFill>
-              </a:rPr>
-              <a:t>Le numéro de commande était récupérée au moment de la requête POST sur la page du panier puis afficher sur la page suivante après redirection</a:t>
-            </a:r>
-            <a:r>
-              <a:rPr lang="fr-FR" sz="1400" dirty="0"/>
-              <a:t>.</a:t>
-            </a:r>
-          </a:p>
-          <a:p>
-            <a:pPr algn="ctr"/>
-            <a:endParaRPr lang="fr-FR" sz="2000" dirty="0">
-              <a:solidFill>
-                <a:srgbClr val="095763"/>
-              </a:solidFill>
-            </a:endParaRPr>
-          </a:p>
-          <a:p>
-            <a:pPr marL="342900" indent="-342900" algn="ctr">
-              <a:buFont typeface="Arial" panose="020B0604020202020204" pitchFamily="34" charset="0"/>
-              <a:buChar char="•"/>
-            </a:pPr>
-            <a:endParaRPr lang="fr-FR" sz="2000" dirty="0">
-              <a:solidFill>
-                <a:srgbClr val="095763"/>
-              </a:solidFill>
-            </a:endParaRPr>
-          </a:p>
-          <a:p>
-            <a:pPr algn="ctr"/>
-            <a:endParaRPr lang="fr-FR" sz="2000" dirty="0">
-              <a:solidFill>
-                <a:srgbClr val="095763"/>
-              </a:solidFill>
-            </a:endParaRPr>
-          </a:p>
-          <a:p>
-            <a:pPr marL="342900" indent="-342900" algn="ctr">
-              <a:buFont typeface="Arial" panose="020B0604020202020204" pitchFamily="34" charset="0"/>
-              <a:buChar char="•"/>
-            </a:pPr>
-            <a:endParaRPr lang="fr-FR" sz="2000" dirty="0">
-              <a:solidFill>
-                <a:srgbClr val="095763"/>
-              </a:solidFill>
-            </a:endParaRPr>
-          </a:p>
-          <a:p>
-            <a:pPr marL="342900" indent="-342900" algn="ctr">
-              <a:buFont typeface="Arial" panose="020B0604020202020204" pitchFamily="34" charset="0"/>
-              <a:buChar char="•"/>
-            </a:pPr>
-            <a:endParaRPr lang="fr-FR" sz="2000" dirty="0">
-              <a:solidFill>
-                <a:srgbClr val="095763"/>
-              </a:solidFill>
-            </a:endParaRPr>
-          </a:p>
-          <a:p>
-            <a:pPr algn="ctr"/>
-            <a:endParaRPr lang="fr-FR" sz="2000" dirty="0">
-              <a:solidFill>
-                <a:srgbClr val="095763"/>
-              </a:solidFill>
-            </a:endParaRPr>
-          </a:p>
-          <a:p>
-            <a:pPr algn="ctr"/>
-            <a:endParaRPr lang="fr-FR" sz="2000" dirty="0">
-              <a:solidFill>
-                <a:srgbClr val="095763"/>
-              </a:solidFill>
-            </a:endParaRPr>
-          </a:p>
-          <a:p>
-            <a:pPr algn="ctr"/>
-            <a:endParaRPr lang="fr-FR" sz="2000" dirty="0">
-              <a:solidFill>
-                <a:srgbClr val="095763"/>
-              </a:solidFill>
-            </a:endParaRPr>
-          </a:p>
-          <a:p>
-            <a:endParaRPr lang="fr-FR" sz="2000" dirty="0"/>
-          </a:p>
-        </p:txBody>
-      </p:sp>
-    </p:spTree>
-    <p:extLst>
-      <p:ext uri="{BB962C8B-B14F-4D97-AF65-F5344CB8AC3E}">
-        <p14:creationId xmlns:p14="http://schemas.microsoft.com/office/powerpoint/2010/main" val="1668857592"/>
       </p:ext>
     </p:extLst>
   </p:cSld>
